--- a/Presentations/L6 Group 9 Project Masterclass Final Pitch .pptx
+++ b/Presentations/L6 Group 9 Project Masterclass Final Pitch .pptx
@@ -2,7 +2,7 @@
 <file path=ppt/presentation.xml><?xml version="1.0" encoding="utf-8"?>
 <p:presentation xmlns:a="http://schemas.openxmlformats.org/drawingml/2006/main" xmlns:r="http://schemas.openxmlformats.org/officeDocument/2006/relationships" xmlns:p="http://schemas.openxmlformats.org/presentationml/2006/main" saveSubsetFonts="1">
   <p:sldMasterIdLst>
-    <p:sldMasterId id="2147483648" r:id="rId1"/>
+    <p:sldMasterId id="2147483762" r:id="rId1"/>
   </p:sldMasterIdLst>
   <p:sldIdLst>
     <p:sldId id="256" r:id="rId2"/>
@@ -11,10 +11,10 @@
     <p:sldId id="260" r:id="rId5"/>
     <p:sldId id="270" r:id="rId6"/>
     <p:sldId id="267" r:id="rId7"/>
-    <p:sldId id="269" r:id="rId8"/>
-    <p:sldId id="262" r:id="rId9"/>
-    <p:sldId id="268" r:id="rId10"/>
-    <p:sldId id="273" r:id="rId11"/>
+    <p:sldId id="268" r:id="rId8"/>
+    <p:sldId id="273" r:id="rId9"/>
+    <p:sldId id="269" r:id="rId10"/>
+    <p:sldId id="262" r:id="rId11"/>
     <p:sldId id="271" r:id="rId12"/>
     <p:sldId id="264" r:id="rId13"/>
     <p:sldId id="272" r:id="rId14"/>
@@ -143,6 +143,36 @@
           <a:chExt cx="0" cy="0"/>
         </a:xfrm>
       </p:grpSpPr>
+      <p:pic>
+        <p:nvPicPr>
+          <p:cNvPr id="7" name="Picture 6" descr="Droplets-HD-Title-R1d.png"/>
+          <p:cNvPicPr>
+            <a:picLocks noChangeAspect="1"/>
+          </p:cNvPicPr>
+          <p:nvPr/>
+        </p:nvPicPr>
+        <p:blipFill>
+          <a:blip r:embed="rId2">
+            <a:extLst>
+              <a:ext uri="{28A0092B-C50C-407E-A947-70E740481C1C}">
+                <a14:useLocalDpi xmlns:a14="http://schemas.microsoft.com/office/drawing/2010/main" val="0"/>
+              </a:ext>
+            </a:extLst>
+          </a:blip>
+          <a:stretch>
+            <a:fillRect/>
+          </a:stretch>
+        </p:blipFill>
+        <p:spPr>
+          <a:xfrm>
+            <a:off x="0" y="0"/>
+            <a:ext cx="12192000" cy="6858000"/>
+          </a:xfrm>
+          <a:prstGeom prst="rect">
+            <a:avLst/>
+          </a:prstGeom>
+        </p:spPr>
+      </p:pic>
       <p:sp>
         <p:nvSpPr>
           <p:cNvPr id="2" name="Title 1"/>
@@ -155,15 +185,17 @@
         </p:nvSpPr>
         <p:spPr>
           <a:xfrm>
-            <a:off x="1524000" y="1122363"/>
-            <a:ext cx="9144000" cy="2387600"/>
-          </a:xfrm>
-        </p:spPr>
-        <p:txBody>
-          <a:bodyPr anchor="b"/>
+            <a:off x="1751012" y="1300785"/>
+            <a:ext cx="8689976" cy="2509213"/>
+          </a:xfrm>
+        </p:spPr>
+        <p:txBody>
+          <a:bodyPr anchor="b">
+            <a:normAutofit/>
+          </a:bodyPr>
           <a:lstStyle>
             <a:lvl1pPr algn="ctr">
-              <a:defRPr sz="6000"/>
+              <a:defRPr sz="4800"/>
             </a:lvl1pPr>
           </a:lstStyle>
           <a:p>
@@ -171,7 +203,7 @@
               <a:rPr lang="en-US" smtClean="0"/>
               <a:t>Click to edit Master title style</a:t>
             </a:r>
-            <a:endParaRPr lang="en-GB"/>
+            <a:endParaRPr lang="en-US" dirty="0"/>
           </a:p>
         </p:txBody>
       </p:sp>
@@ -187,16 +219,24 @@
         </p:nvSpPr>
         <p:spPr>
           <a:xfrm>
-            <a:off x="1524000" y="3602038"/>
-            <a:ext cx="9144000" cy="1655762"/>
-          </a:xfrm>
-        </p:spPr>
-        <p:txBody>
-          <a:bodyPr/>
+            <a:off x="1751012" y="3886200"/>
+            <a:ext cx="8689976" cy="1371599"/>
+          </a:xfrm>
+        </p:spPr>
+        <p:txBody>
+          <a:bodyPr>
+            <a:normAutofit/>
+          </a:bodyPr>
           <a:lstStyle>
             <a:lvl1pPr marL="0" indent="0" algn="ctr">
               <a:buNone/>
-              <a:defRPr sz="2400"/>
+              <a:defRPr sz="2200">
+                <a:solidFill>
+                  <a:schemeClr val="bg1">
+                    <a:lumMod val="50000"/>
+                  </a:schemeClr>
+                </a:solidFill>
+              </a:defRPr>
             </a:lvl1pPr>
             <a:lvl2pPr marL="457200" indent="0" algn="ctr">
               <a:buNone/>
@@ -236,7 +276,7 @@
               <a:rPr lang="en-US" smtClean="0"/>
               <a:t>Click to edit Master subtitle style</a:t>
             </a:r>
-            <a:endParaRPr lang="en-GB"/>
+            <a:endParaRPr lang="en-US" dirty="0"/>
           </a:p>
         </p:txBody>
       </p:sp>
@@ -308,7 +348,7 @@
     </p:spTree>
     <p:extLst>
       <p:ext uri="{BB962C8B-B14F-4D97-AF65-F5344CB8AC3E}">
-        <p14:creationId xmlns:p14="http://schemas.microsoft.com/office/powerpoint/2010/main" val="2124587642"/>
+        <p14:creationId xmlns:p14="http://schemas.microsoft.com/office/powerpoint/2010/main" val="380363930"/>
       </p:ext>
     </p:extLst>
   </p:cSld>
@@ -319,6 +359,2725 @@
 </file>
 
 <file path=ppt/slideLayouts/slideLayout10.xml><?xml version="1.0" encoding="utf-8"?>
+<p:sldLayout xmlns:a="http://schemas.openxmlformats.org/drawingml/2006/main" xmlns:r="http://schemas.openxmlformats.org/officeDocument/2006/relationships" xmlns:p="http://schemas.openxmlformats.org/presentationml/2006/main" preserve="1">
+  <p:cSld name="Panoramic Picture with Caption">
+    <p:spTree>
+      <p:nvGrpSpPr>
+        <p:cNvPr id="1" name=""/>
+        <p:cNvGrpSpPr/>
+        <p:nvPr/>
+      </p:nvGrpSpPr>
+      <p:grpSpPr>
+        <a:xfrm>
+          <a:off x="0" y="0"/>
+          <a:ext cx="0" cy="0"/>
+          <a:chOff x="0" y="0"/>
+          <a:chExt cx="0" cy="0"/>
+        </a:xfrm>
+      </p:grpSpPr>
+      <p:pic>
+        <p:nvPicPr>
+          <p:cNvPr id="10" name="Picture 9" descr="Droplets-HD-Content-R1d.png"/>
+          <p:cNvPicPr>
+            <a:picLocks noChangeAspect="1"/>
+          </p:cNvPicPr>
+          <p:nvPr/>
+        </p:nvPicPr>
+        <p:blipFill>
+          <a:blip r:embed="rId2">
+            <a:extLst>
+              <a:ext uri="{28A0092B-C50C-407E-A947-70E740481C1C}">
+                <a14:useLocalDpi xmlns:a14="http://schemas.microsoft.com/office/drawing/2010/main" val="0"/>
+              </a:ext>
+            </a:extLst>
+          </a:blip>
+          <a:stretch>
+            <a:fillRect/>
+          </a:stretch>
+        </p:blipFill>
+        <p:spPr>
+          <a:xfrm>
+            <a:off x="0" y="0"/>
+            <a:ext cx="12192000" cy="6858000"/>
+          </a:xfrm>
+          <a:prstGeom prst="rect">
+            <a:avLst/>
+          </a:prstGeom>
+        </p:spPr>
+      </p:pic>
+      <p:sp>
+        <p:nvSpPr>
+          <p:cNvPr id="2" name="Title 1"/>
+          <p:cNvSpPr>
+            <a:spLocks noGrp="1"/>
+          </p:cNvSpPr>
+          <p:nvPr>
+            <p:ph type="title"/>
+          </p:nvPr>
+        </p:nvSpPr>
+        <p:spPr>
+          <a:xfrm>
+            <a:off x="913794" y="4289374"/>
+            <a:ext cx="10364432" cy="811610"/>
+          </a:xfrm>
+        </p:spPr>
+        <p:txBody>
+          <a:bodyPr anchor="b"/>
+          <a:lstStyle>
+            <a:lvl1pPr>
+              <a:defRPr sz="3200"/>
+            </a:lvl1pPr>
+          </a:lstStyle>
+          <a:p>
+            <a:r>
+              <a:rPr lang="en-US" smtClean="0"/>
+              <a:t>Click to edit Master title style</a:t>
+            </a:r>
+            <a:endParaRPr lang="en-US" dirty="0"/>
+          </a:p>
+        </p:txBody>
+      </p:sp>
+      <p:sp>
+        <p:nvSpPr>
+          <p:cNvPr id="3" name="Picture Placeholder 2"/>
+          <p:cNvSpPr>
+            <a:spLocks noGrp="1" noChangeAspect="1"/>
+          </p:cNvSpPr>
+          <p:nvPr>
+            <p:ph type="pic" idx="1"/>
+          </p:nvPr>
+        </p:nvSpPr>
+        <p:spPr>
+          <a:xfrm>
+            <a:off x="1184744" y="698261"/>
+            <a:ext cx="9822532" cy="3214136"/>
+          </a:xfrm>
+          <a:prstGeom prst="roundRect">
+            <a:avLst>
+              <a:gd name="adj" fmla="val 4944"/>
+            </a:avLst>
+          </a:prstGeom>
+          <a:noFill/>
+          <a:ln w="82550" cap="sq">
+            <a:solidFill>
+              <a:schemeClr val="bg2">
+                <a:lumMod val="60000"/>
+                <a:lumOff val="40000"/>
+              </a:schemeClr>
+            </a:solidFill>
+            <a:miter lim="800000"/>
+          </a:ln>
+          <a:effectLst/>
+          <a:scene3d>
+            <a:camera prst="orthographicFront"/>
+            <a:lightRig rig="threePt" dir="t">
+              <a:rot lat="0" lon="0" rev="2700000"/>
+            </a:lightRig>
+          </a:scene3d>
+          <a:sp3d contourW="6350">
+            <a:bevelT h="38100"/>
+            <a:contourClr>
+              <a:srgbClr val="C0C0C0"/>
+            </a:contourClr>
+          </a:sp3d>
+        </p:spPr>
+        <p:txBody>
+          <a:bodyPr anchor="t"/>
+          <a:lstStyle>
+            <a:lvl1pPr marL="0" indent="0" algn="ctr">
+              <a:buNone/>
+              <a:defRPr sz="3200"/>
+            </a:lvl1pPr>
+            <a:lvl2pPr marL="457200" indent="0">
+              <a:buNone/>
+              <a:defRPr sz="2800"/>
+            </a:lvl2pPr>
+            <a:lvl3pPr marL="914400" indent="0">
+              <a:buNone/>
+              <a:defRPr sz="2400"/>
+            </a:lvl3pPr>
+            <a:lvl4pPr marL="1371600" indent="0">
+              <a:buNone/>
+              <a:defRPr sz="2000"/>
+            </a:lvl4pPr>
+            <a:lvl5pPr marL="1828800" indent="0">
+              <a:buNone/>
+              <a:defRPr sz="2000"/>
+            </a:lvl5pPr>
+            <a:lvl6pPr marL="2286000" indent="0">
+              <a:buNone/>
+              <a:defRPr sz="2000"/>
+            </a:lvl6pPr>
+            <a:lvl7pPr marL="2743200" indent="0">
+              <a:buNone/>
+              <a:defRPr sz="2000"/>
+            </a:lvl7pPr>
+            <a:lvl8pPr marL="3200400" indent="0">
+              <a:buNone/>
+              <a:defRPr sz="2000"/>
+            </a:lvl8pPr>
+            <a:lvl9pPr marL="3657600" indent="0">
+              <a:buNone/>
+              <a:defRPr sz="2000"/>
+            </a:lvl9pPr>
+          </a:lstStyle>
+          <a:p>
+            <a:r>
+              <a:rPr lang="en-US" smtClean="0"/>
+              <a:t>Click icon to add picture</a:t>
+            </a:r>
+            <a:endParaRPr lang="en-US" dirty="0"/>
+          </a:p>
+        </p:txBody>
+      </p:sp>
+      <p:sp>
+        <p:nvSpPr>
+          <p:cNvPr id="4" name="Text Placeholder 3"/>
+          <p:cNvSpPr>
+            <a:spLocks noGrp="1"/>
+          </p:cNvSpPr>
+          <p:nvPr>
+            <p:ph type="body" sz="half" idx="2"/>
+          </p:nvPr>
+        </p:nvSpPr>
+        <p:spPr>
+          <a:xfrm>
+            <a:off x="913774" y="5108728"/>
+            <a:ext cx="10364452" cy="682472"/>
+          </a:xfrm>
+        </p:spPr>
+        <p:txBody>
+          <a:bodyPr/>
+          <a:lstStyle>
+            <a:lvl1pPr marL="0" indent="0" algn="ctr">
+              <a:buNone/>
+              <a:defRPr sz="1600"/>
+            </a:lvl1pPr>
+            <a:lvl2pPr marL="457200" indent="0">
+              <a:buNone/>
+              <a:defRPr sz="1400"/>
+            </a:lvl2pPr>
+            <a:lvl3pPr marL="914400" indent="0">
+              <a:buNone/>
+              <a:defRPr sz="1200"/>
+            </a:lvl3pPr>
+            <a:lvl4pPr marL="1371600" indent="0">
+              <a:buNone/>
+              <a:defRPr sz="1000"/>
+            </a:lvl4pPr>
+            <a:lvl5pPr marL="1828800" indent="0">
+              <a:buNone/>
+              <a:defRPr sz="1000"/>
+            </a:lvl5pPr>
+            <a:lvl6pPr marL="2286000" indent="0">
+              <a:buNone/>
+              <a:defRPr sz="1000"/>
+            </a:lvl6pPr>
+            <a:lvl7pPr marL="2743200" indent="0">
+              <a:buNone/>
+              <a:defRPr sz="1000"/>
+            </a:lvl7pPr>
+            <a:lvl8pPr marL="3200400" indent="0">
+              <a:buNone/>
+              <a:defRPr sz="1000"/>
+            </a:lvl8pPr>
+            <a:lvl9pPr marL="3657600" indent="0">
+              <a:buNone/>
+              <a:defRPr sz="1000"/>
+            </a:lvl9pPr>
+          </a:lstStyle>
+          <a:p>
+            <a:pPr lvl="0"/>
+            <a:r>
+              <a:rPr lang="en-US" smtClean="0"/>
+              <a:t>Click to edit Master text styles</a:t>
+            </a:r>
+          </a:p>
+        </p:txBody>
+      </p:sp>
+      <p:sp>
+        <p:nvSpPr>
+          <p:cNvPr id="5" name="Date Placeholder 4"/>
+          <p:cNvSpPr>
+            <a:spLocks noGrp="1"/>
+          </p:cNvSpPr>
+          <p:nvPr>
+            <p:ph type="dt" sz="half" idx="10"/>
+          </p:nvPr>
+        </p:nvSpPr>
+        <p:spPr/>
+        <p:txBody>
+          <a:bodyPr/>
+          <a:lstStyle/>
+          <a:p>
+            <a:fld id="{EBF6BD28-F0C9-409B-9FA9-079ADCA1D9BA}" type="datetimeFigureOut">
+              <a:rPr lang="en-GB" smtClean="0"/>
+              <a:t>01/05/2018</a:t>
+            </a:fld>
+            <a:endParaRPr lang="en-GB"/>
+          </a:p>
+        </p:txBody>
+      </p:sp>
+      <p:sp>
+        <p:nvSpPr>
+          <p:cNvPr id="6" name="Footer Placeholder 5"/>
+          <p:cNvSpPr>
+            <a:spLocks noGrp="1"/>
+          </p:cNvSpPr>
+          <p:nvPr>
+            <p:ph type="ftr" sz="quarter" idx="11"/>
+          </p:nvPr>
+        </p:nvSpPr>
+        <p:spPr/>
+        <p:txBody>
+          <a:bodyPr/>
+          <a:lstStyle/>
+          <a:p>
+            <a:endParaRPr lang="en-GB"/>
+          </a:p>
+        </p:txBody>
+      </p:sp>
+      <p:sp>
+        <p:nvSpPr>
+          <p:cNvPr id="7" name="Slide Number Placeholder 6"/>
+          <p:cNvSpPr>
+            <a:spLocks noGrp="1"/>
+          </p:cNvSpPr>
+          <p:nvPr>
+            <p:ph type="sldNum" sz="quarter" idx="12"/>
+          </p:nvPr>
+        </p:nvSpPr>
+        <p:spPr/>
+        <p:txBody>
+          <a:bodyPr/>
+          <a:lstStyle/>
+          <a:p>
+            <a:fld id="{C327A3D7-E9B9-4233-A6ED-3253844CD1A9}" type="slidenum">
+              <a:rPr lang="en-GB" smtClean="0"/>
+              <a:t>‹#›</a:t>
+            </a:fld>
+            <a:endParaRPr lang="en-GB"/>
+          </a:p>
+        </p:txBody>
+      </p:sp>
+    </p:spTree>
+    <p:extLst>
+      <p:ext uri="{BB962C8B-B14F-4D97-AF65-F5344CB8AC3E}">
+        <p14:creationId xmlns:p14="http://schemas.microsoft.com/office/powerpoint/2010/main" val="2141537753"/>
+      </p:ext>
+    </p:extLst>
+  </p:cSld>
+  <p:clrMapOvr>
+    <a:masterClrMapping/>
+  </p:clrMapOvr>
+</p:sldLayout>
+</file>
+
+<file path=ppt/slideLayouts/slideLayout11.xml><?xml version="1.0" encoding="utf-8"?>
+<p:sldLayout xmlns:a="http://schemas.openxmlformats.org/drawingml/2006/main" xmlns:r="http://schemas.openxmlformats.org/officeDocument/2006/relationships" xmlns:p="http://schemas.openxmlformats.org/presentationml/2006/main" preserve="1">
+  <p:cSld name="Title and Caption">
+    <p:spTree>
+      <p:nvGrpSpPr>
+        <p:cNvPr id="1" name=""/>
+        <p:cNvGrpSpPr/>
+        <p:nvPr/>
+      </p:nvGrpSpPr>
+      <p:grpSpPr>
+        <a:xfrm>
+          <a:off x="0" y="0"/>
+          <a:ext cx="0" cy="0"/>
+          <a:chOff x="0" y="0"/>
+          <a:chExt cx="0" cy="0"/>
+        </a:xfrm>
+      </p:grpSpPr>
+      <p:pic>
+        <p:nvPicPr>
+          <p:cNvPr id="8" name="Picture 7" descr="Droplets-HD-Content-R1d.png"/>
+          <p:cNvPicPr>
+            <a:picLocks noChangeAspect="1"/>
+          </p:cNvPicPr>
+          <p:nvPr/>
+        </p:nvPicPr>
+        <p:blipFill>
+          <a:blip r:embed="rId2">
+            <a:extLst>
+              <a:ext uri="{28A0092B-C50C-407E-A947-70E740481C1C}">
+                <a14:useLocalDpi xmlns:a14="http://schemas.microsoft.com/office/drawing/2010/main" val="0"/>
+              </a:ext>
+            </a:extLst>
+          </a:blip>
+          <a:stretch>
+            <a:fillRect/>
+          </a:stretch>
+        </p:blipFill>
+        <p:spPr>
+          <a:xfrm>
+            <a:off x="0" y="0"/>
+            <a:ext cx="12192000" cy="6858000"/>
+          </a:xfrm>
+          <a:prstGeom prst="rect">
+            <a:avLst/>
+          </a:prstGeom>
+        </p:spPr>
+      </p:pic>
+      <p:sp>
+        <p:nvSpPr>
+          <p:cNvPr id="2" name="Title 1"/>
+          <p:cNvSpPr>
+            <a:spLocks noGrp="1"/>
+          </p:cNvSpPr>
+          <p:nvPr>
+            <p:ph type="title"/>
+          </p:nvPr>
+        </p:nvSpPr>
+        <p:spPr>
+          <a:xfrm>
+            <a:off x="913774" y="609599"/>
+            <a:ext cx="10364452" cy="3427245"/>
+          </a:xfrm>
+        </p:spPr>
+        <p:txBody>
+          <a:bodyPr anchor="ctr"/>
+          <a:lstStyle>
+            <a:lvl1pPr algn="ctr">
+              <a:defRPr sz="3200"/>
+            </a:lvl1pPr>
+          </a:lstStyle>
+          <a:p>
+            <a:r>
+              <a:rPr lang="en-US" smtClean="0"/>
+              <a:t>Click to edit Master title style</a:t>
+            </a:r>
+            <a:endParaRPr lang="en-US" dirty="0"/>
+          </a:p>
+        </p:txBody>
+      </p:sp>
+      <p:sp>
+        <p:nvSpPr>
+          <p:cNvPr id="4" name="Text Placeholder 3"/>
+          <p:cNvSpPr>
+            <a:spLocks noGrp="1"/>
+          </p:cNvSpPr>
+          <p:nvPr>
+            <p:ph type="body" sz="half" idx="2"/>
+          </p:nvPr>
+        </p:nvSpPr>
+        <p:spPr>
+          <a:xfrm>
+            <a:off x="913775" y="4204821"/>
+            <a:ext cx="10364452" cy="1586380"/>
+          </a:xfrm>
+        </p:spPr>
+        <p:txBody>
+          <a:bodyPr anchor="ctr"/>
+          <a:lstStyle>
+            <a:lvl1pPr marL="0" indent="0" algn="ctr">
+              <a:buNone/>
+              <a:defRPr sz="1600"/>
+            </a:lvl1pPr>
+            <a:lvl2pPr marL="457200" indent="0">
+              <a:buNone/>
+              <a:defRPr sz="1400"/>
+            </a:lvl2pPr>
+            <a:lvl3pPr marL="914400" indent="0">
+              <a:buNone/>
+              <a:defRPr sz="1200"/>
+            </a:lvl3pPr>
+            <a:lvl4pPr marL="1371600" indent="0">
+              <a:buNone/>
+              <a:defRPr sz="1000"/>
+            </a:lvl4pPr>
+            <a:lvl5pPr marL="1828800" indent="0">
+              <a:buNone/>
+              <a:defRPr sz="1000"/>
+            </a:lvl5pPr>
+            <a:lvl6pPr marL="2286000" indent="0">
+              <a:buNone/>
+              <a:defRPr sz="1000"/>
+            </a:lvl6pPr>
+            <a:lvl7pPr marL="2743200" indent="0">
+              <a:buNone/>
+              <a:defRPr sz="1000"/>
+            </a:lvl7pPr>
+            <a:lvl8pPr marL="3200400" indent="0">
+              <a:buNone/>
+              <a:defRPr sz="1000"/>
+            </a:lvl8pPr>
+            <a:lvl9pPr marL="3657600" indent="0">
+              <a:buNone/>
+              <a:defRPr sz="1000"/>
+            </a:lvl9pPr>
+          </a:lstStyle>
+          <a:p>
+            <a:pPr lvl="0"/>
+            <a:r>
+              <a:rPr lang="en-US" smtClean="0"/>
+              <a:t>Click to edit Master text styles</a:t>
+            </a:r>
+          </a:p>
+        </p:txBody>
+      </p:sp>
+      <p:sp>
+        <p:nvSpPr>
+          <p:cNvPr id="5" name="Date Placeholder 4"/>
+          <p:cNvSpPr>
+            <a:spLocks noGrp="1"/>
+          </p:cNvSpPr>
+          <p:nvPr>
+            <p:ph type="dt" sz="half" idx="10"/>
+          </p:nvPr>
+        </p:nvSpPr>
+        <p:spPr/>
+        <p:txBody>
+          <a:bodyPr/>
+          <a:lstStyle/>
+          <a:p>
+            <a:fld id="{EBF6BD28-F0C9-409B-9FA9-079ADCA1D9BA}" type="datetimeFigureOut">
+              <a:rPr lang="en-GB" smtClean="0"/>
+              <a:t>01/05/2018</a:t>
+            </a:fld>
+            <a:endParaRPr lang="en-GB"/>
+          </a:p>
+        </p:txBody>
+      </p:sp>
+      <p:sp>
+        <p:nvSpPr>
+          <p:cNvPr id="6" name="Footer Placeholder 5"/>
+          <p:cNvSpPr>
+            <a:spLocks noGrp="1"/>
+          </p:cNvSpPr>
+          <p:nvPr>
+            <p:ph type="ftr" sz="quarter" idx="11"/>
+          </p:nvPr>
+        </p:nvSpPr>
+        <p:spPr/>
+        <p:txBody>
+          <a:bodyPr/>
+          <a:lstStyle/>
+          <a:p>
+            <a:endParaRPr lang="en-GB"/>
+          </a:p>
+        </p:txBody>
+      </p:sp>
+      <p:sp>
+        <p:nvSpPr>
+          <p:cNvPr id="7" name="Slide Number Placeholder 6"/>
+          <p:cNvSpPr>
+            <a:spLocks noGrp="1"/>
+          </p:cNvSpPr>
+          <p:nvPr>
+            <p:ph type="sldNum" sz="quarter" idx="12"/>
+          </p:nvPr>
+        </p:nvSpPr>
+        <p:spPr/>
+        <p:txBody>
+          <a:bodyPr/>
+          <a:lstStyle/>
+          <a:p>
+            <a:fld id="{C327A3D7-E9B9-4233-A6ED-3253844CD1A9}" type="slidenum">
+              <a:rPr lang="en-GB" smtClean="0"/>
+              <a:t>‹#›</a:t>
+            </a:fld>
+            <a:endParaRPr lang="en-GB"/>
+          </a:p>
+        </p:txBody>
+      </p:sp>
+    </p:spTree>
+    <p:extLst>
+      <p:ext uri="{BB962C8B-B14F-4D97-AF65-F5344CB8AC3E}">
+        <p14:creationId xmlns:p14="http://schemas.microsoft.com/office/powerpoint/2010/main" val="1038782062"/>
+      </p:ext>
+    </p:extLst>
+  </p:cSld>
+  <p:clrMapOvr>
+    <a:masterClrMapping/>
+  </p:clrMapOvr>
+</p:sldLayout>
+</file>
+
+<file path=ppt/slideLayouts/slideLayout12.xml><?xml version="1.0" encoding="utf-8"?>
+<p:sldLayout xmlns:a="http://schemas.openxmlformats.org/drawingml/2006/main" xmlns:r="http://schemas.openxmlformats.org/officeDocument/2006/relationships" xmlns:p="http://schemas.openxmlformats.org/presentationml/2006/main" preserve="1">
+  <p:cSld name="Quote with Caption">
+    <p:spTree>
+      <p:nvGrpSpPr>
+        <p:cNvPr id="1" name=""/>
+        <p:cNvGrpSpPr/>
+        <p:nvPr/>
+      </p:nvGrpSpPr>
+      <p:grpSpPr>
+        <a:xfrm>
+          <a:off x="0" y="0"/>
+          <a:ext cx="0" cy="0"/>
+          <a:chOff x="0" y="0"/>
+          <a:chExt cx="0" cy="0"/>
+        </a:xfrm>
+      </p:grpSpPr>
+      <p:pic>
+        <p:nvPicPr>
+          <p:cNvPr id="11" name="Picture 10" descr="Droplets-HD-Content-R1d.png"/>
+          <p:cNvPicPr>
+            <a:picLocks noChangeAspect="1"/>
+          </p:cNvPicPr>
+          <p:nvPr/>
+        </p:nvPicPr>
+        <p:blipFill>
+          <a:blip r:embed="rId2">
+            <a:extLst>
+              <a:ext uri="{28A0092B-C50C-407E-A947-70E740481C1C}">
+                <a14:useLocalDpi xmlns:a14="http://schemas.microsoft.com/office/drawing/2010/main" val="0"/>
+              </a:ext>
+            </a:extLst>
+          </a:blip>
+          <a:stretch>
+            <a:fillRect/>
+          </a:stretch>
+        </p:blipFill>
+        <p:spPr>
+          <a:xfrm>
+            <a:off x="0" y="0"/>
+            <a:ext cx="12192000" cy="6858000"/>
+          </a:xfrm>
+          <a:prstGeom prst="rect">
+            <a:avLst/>
+          </a:prstGeom>
+        </p:spPr>
+      </p:pic>
+      <p:sp>
+        <p:nvSpPr>
+          <p:cNvPr id="2" name="Title 1"/>
+          <p:cNvSpPr>
+            <a:spLocks noGrp="1"/>
+          </p:cNvSpPr>
+          <p:nvPr>
+            <p:ph type="title"/>
+          </p:nvPr>
+        </p:nvSpPr>
+        <p:spPr>
+          <a:xfrm>
+            <a:off x="1446212" y="609600"/>
+            <a:ext cx="9302752" cy="2992904"/>
+          </a:xfrm>
+        </p:spPr>
+        <p:txBody>
+          <a:bodyPr anchor="ctr"/>
+          <a:lstStyle>
+            <a:lvl1pPr>
+              <a:defRPr sz="3200"/>
+            </a:lvl1pPr>
+          </a:lstStyle>
+          <a:p>
+            <a:r>
+              <a:rPr lang="en-US" smtClean="0"/>
+              <a:t>Click to edit Master title style</a:t>
+            </a:r>
+            <a:endParaRPr lang="en-US" dirty="0"/>
+          </a:p>
+        </p:txBody>
+      </p:sp>
+      <p:sp>
+        <p:nvSpPr>
+          <p:cNvPr id="12" name="Text Placeholder 3"/>
+          <p:cNvSpPr>
+            <a:spLocks noGrp="1"/>
+          </p:cNvSpPr>
+          <p:nvPr>
+            <p:ph type="body" sz="half" idx="13"/>
+          </p:nvPr>
+        </p:nvSpPr>
+        <p:spPr>
+          <a:xfrm>
+            <a:off x="1720644" y="3610032"/>
+            <a:ext cx="8752299" cy="594788"/>
+          </a:xfrm>
+        </p:spPr>
+        <p:txBody>
+          <a:bodyPr anchor="t">
+            <a:normAutofit/>
+          </a:bodyPr>
+          <a:lstStyle>
+            <a:lvl1pPr marL="0" indent="0">
+              <a:buNone/>
+              <a:defRPr sz="1400"/>
+            </a:lvl1pPr>
+            <a:lvl2pPr marL="457200" indent="0">
+              <a:buNone/>
+              <a:defRPr sz="1400"/>
+            </a:lvl2pPr>
+            <a:lvl3pPr marL="914400" indent="0">
+              <a:buNone/>
+              <a:defRPr sz="1200"/>
+            </a:lvl3pPr>
+            <a:lvl4pPr marL="1371600" indent="0">
+              <a:buNone/>
+              <a:defRPr sz="1000"/>
+            </a:lvl4pPr>
+            <a:lvl5pPr marL="1828800" indent="0">
+              <a:buNone/>
+              <a:defRPr sz="1000"/>
+            </a:lvl5pPr>
+            <a:lvl6pPr marL="2286000" indent="0">
+              <a:buNone/>
+              <a:defRPr sz="1000"/>
+            </a:lvl6pPr>
+            <a:lvl7pPr marL="2743200" indent="0">
+              <a:buNone/>
+              <a:defRPr sz="1000"/>
+            </a:lvl7pPr>
+            <a:lvl8pPr marL="3200400" indent="0">
+              <a:buNone/>
+              <a:defRPr sz="1000"/>
+            </a:lvl8pPr>
+            <a:lvl9pPr marL="3657600" indent="0">
+              <a:buNone/>
+              <a:defRPr sz="1000"/>
+            </a:lvl9pPr>
+          </a:lstStyle>
+          <a:p>
+            <a:pPr lvl="0"/>
+            <a:r>
+              <a:rPr lang="en-US" smtClean="0"/>
+              <a:t>Click to edit Master text styles</a:t>
+            </a:r>
+          </a:p>
+        </p:txBody>
+      </p:sp>
+      <p:sp>
+        <p:nvSpPr>
+          <p:cNvPr id="4" name="Text Placeholder 3"/>
+          <p:cNvSpPr>
+            <a:spLocks noGrp="1"/>
+          </p:cNvSpPr>
+          <p:nvPr>
+            <p:ph type="body" sz="half" idx="2"/>
+          </p:nvPr>
+        </p:nvSpPr>
+        <p:spPr>
+          <a:xfrm>
+            <a:off x="913774" y="4372796"/>
+            <a:ext cx="10364452" cy="1421053"/>
+          </a:xfrm>
+        </p:spPr>
+        <p:txBody>
+          <a:bodyPr anchor="ctr">
+            <a:normAutofit/>
+          </a:bodyPr>
+          <a:lstStyle>
+            <a:lvl1pPr marL="0" indent="0" algn="ctr">
+              <a:buNone/>
+              <a:defRPr sz="1600"/>
+            </a:lvl1pPr>
+            <a:lvl2pPr marL="457200" indent="0">
+              <a:buNone/>
+              <a:defRPr sz="1400"/>
+            </a:lvl2pPr>
+            <a:lvl3pPr marL="914400" indent="0">
+              <a:buNone/>
+              <a:defRPr sz="1200"/>
+            </a:lvl3pPr>
+            <a:lvl4pPr marL="1371600" indent="0">
+              <a:buNone/>
+              <a:defRPr sz="1000"/>
+            </a:lvl4pPr>
+            <a:lvl5pPr marL="1828800" indent="0">
+              <a:buNone/>
+              <a:defRPr sz="1000"/>
+            </a:lvl5pPr>
+            <a:lvl6pPr marL="2286000" indent="0">
+              <a:buNone/>
+              <a:defRPr sz="1000"/>
+            </a:lvl6pPr>
+            <a:lvl7pPr marL="2743200" indent="0">
+              <a:buNone/>
+              <a:defRPr sz="1000"/>
+            </a:lvl7pPr>
+            <a:lvl8pPr marL="3200400" indent="0">
+              <a:buNone/>
+              <a:defRPr sz="1000"/>
+            </a:lvl8pPr>
+            <a:lvl9pPr marL="3657600" indent="0">
+              <a:buNone/>
+              <a:defRPr sz="1000"/>
+            </a:lvl9pPr>
+          </a:lstStyle>
+          <a:p>
+            <a:pPr lvl="0"/>
+            <a:r>
+              <a:rPr lang="en-US" smtClean="0"/>
+              <a:t>Click to edit Master text styles</a:t>
+            </a:r>
+          </a:p>
+        </p:txBody>
+      </p:sp>
+      <p:sp>
+        <p:nvSpPr>
+          <p:cNvPr id="5" name="Date Placeholder 4"/>
+          <p:cNvSpPr>
+            <a:spLocks noGrp="1"/>
+          </p:cNvSpPr>
+          <p:nvPr>
+            <p:ph type="dt" sz="half" idx="10"/>
+          </p:nvPr>
+        </p:nvSpPr>
+        <p:spPr/>
+        <p:txBody>
+          <a:bodyPr/>
+          <a:lstStyle/>
+          <a:p>
+            <a:fld id="{EBF6BD28-F0C9-409B-9FA9-079ADCA1D9BA}" type="datetimeFigureOut">
+              <a:rPr lang="en-GB" smtClean="0"/>
+              <a:t>01/05/2018</a:t>
+            </a:fld>
+            <a:endParaRPr lang="en-GB"/>
+          </a:p>
+        </p:txBody>
+      </p:sp>
+      <p:sp>
+        <p:nvSpPr>
+          <p:cNvPr id="6" name="Footer Placeholder 5"/>
+          <p:cNvSpPr>
+            <a:spLocks noGrp="1"/>
+          </p:cNvSpPr>
+          <p:nvPr>
+            <p:ph type="ftr" sz="quarter" idx="11"/>
+          </p:nvPr>
+        </p:nvSpPr>
+        <p:spPr/>
+        <p:txBody>
+          <a:bodyPr/>
+          <a:lstStyle/>
+          <a:p>
+            <a:endParaRPr lang="en-GB"/>
+          </a:p>
+        </p:txBody>
+      </p:sp>
+      <p:sp>
+        <p:nvSpPr>
+          <p:cNvPr id="7" name="Slide Number Placeholder 6"/>
+          <p:cNvSpPr>
+            <a:spLocks noGrp="1"/>
+          </p:cNvSpPr>
+          <p:nvPr>
+            <p:ph type="sldNum" sz="quarter" idx="12"/>
+          </p:nvPr>
+        </p:nvSpPr>
+        <p:spPr/>
+        <p:txBody>
+          <a:bodyPr/>
+          <a:lstStyle/>
+          <a:p>
+            <a:fld id="{C327A3D7-E9B9-4233-A6ED-3253844CD1A9}" type="slidenum">
+              <a:rPr lang="en-GB" smtClean="0"/>
+              <a:t>‹#›</a:t>
+            </a:fld>
+            <a:endParaRPr lang="en-GB"/>
+          </a:p>
+        </p:txBody>
+      </p:sp>
+      <p:sp>
+        <p:nvSpPr>
+          <p:cNvPr id="13" name="TextBox 12"/>
+          <p:cNvSpPr txBox="1"/>
+          <p:nvPr/>
+        </p:nvSpPr>
+        <p:spPr>
+          <a:xfrm>
+            <a:off x="1001488" y="754166"/>
+            <a:ext cx="609600" cy="584776"/>
+          </a:xfrm>
+          <a:prstGeom prst="rect">
+            <a:avLst/>
+          </a:prstGeom>
+        </p:spPr>
+        <p:txBody>
+          <a:bodyPr vert="horz" lIns="91440" tIns="45720" rIns="91440" bIns="45720" rtlCol="0" anchor="ctr">
+            <a:noAutofit/>
+          </a:bodyPr>
+          <a:lstStyle>
+            <a:lvl1pPr>
+              <a:spcBef>
+                <a:spcPct val="0"/>
+              </a:spcBef>
+              <a:buNone/>
+              <a:defRPr sz="3200" b="0" cap="all">
+                <a:ln w="3175" cmpd="sng">
+                  <a:noFill/>
+                </a:ln>
+                <a:effectLst>
+                  <a:glow rad="38100">
+                    <a:schemeClr val="bg1">
+                      <a:lumMod val="65000"/>
+                      <a:lumOff val="35000"/>
+                      <a:alpha val="40000"/>
+                    </a:schemeClr>
+                  </a:glow>
+                  <a:outerShdw blurRad="28575" dist="38100" dir="14040000" algn="tl" rotWithShape="0">
+                    <a:srgbClr val="000000">
+                      <a:alpha val="25000"/>
+                    </a:srgbClr>
+                  </a:outerShdw>
+                </a:effectLst>
+              </a:defRPr>
+            </a:lvl1pPr>
+            <a:lvl2pPr>
+              <a:defRPr>
+                <a:solidFill>
+                  <a:schemeClr val="tx2"/>
+                </a:solidFill>
+              </a:defRPr>
+            </a:lvl2pPr>
+            <a:lvl3pPr>
+              <a:defRPr>
+                <a:solidFill>
+                  <a:schemeClr val="tx2"/>
+                </a:solidFill>
+              </a:defRPr>
+            </a:lvl3pPr>
+            <a:lvl4pPr>
+              <a:defRPr>
+                <a:solidFill>
+                  <a:schemeClr val="tx2"/>
+                </a:solidFill>
+              </a:defRPr>
+            </a:lvl4pPr>
+            <a:lvl5pPr>
+              <a:defRPr>
+                <a:solidFill>
+                  <a:schemeClr val="tx2"/>
+                </a:solidFill>
+              </a:defRPr>
+            </a:lvl5pPr>
+            <a:lvl6pPr>
+              <a:defRPr>
+                <a:solidFill>
+                  <a:schemeClr val="tx2"/>
+                </a:solidFill>
+              </a:defRPr>
+            </a:lvl6pPr>
+            <a:lvl7pPr>
+              <a:defRPr>
+                <a:solidFill>
+                  <a:schemeClr val="tx2"/>
+                </a:solidFill>
+              </a:defRPr>
+            </a:lvl7pPr>
+            <a:lvl8pPr>
+              <a:defRPr>
+                <a:solidFill>
+                  <a:schemeClr val="tx2"/>
+                </a:solidFill>
+              </a:defRPr>
+            </a:lvl8pPr>
+            <a:lvl9pPr>
+              <a:defRPr>
+                <a:solidFill>
+                  <a:schemeClr val="tx2"/>
+                </a:solidFill>
+              </a:defRPr>
+            </a:lvl9pPr>
+          </a:lstStyle>
+          <a:p>
+            <a:pPr lvl="0"/>
+            <a:r>
+              <a:rPr lang="en-US" sz="8000" dirty="0">
+                <a:solidFill>
+                  <a:schemeClr val="tx1"/>
+                </a:solidFill>
+                <a:effectLst/>
+              </a:rPr>
+              <a:t>“</a:t>
+            </a:r>
+          </a:p>
+        </p:txBody>
+      </p:sp>
+      <p:sp>
+        <p:nvSpPr>
+          <p:cNvPr id="14" name="TextBox 13"/>
+          <p:cNvSpPr txBox="1"/>
+          <p:nvPr/>
+        </p:nvSpPr>
+        <p:spPr>
+          <a:xfrm>
+            <a:off x="10557558" y="2993578"/>
+            <a:ext cx="609600" cy="584776"/>
+          </a:xfrm>
+          <a:prstGeom prst="rect">
+            <a:avLst/>
+          </a:prstGeom>
+        </p:spPr>
+        <p:txBody>
+          <a:bodyPr vert="horz" lIns="91440" tIns="45720" rIns="91440" bIns="45720" rtlCol="0" anchor="ctr">
+            <a:noAutofit/>
+          </a:bodyPr>
+          <a:lstStyle>
+            <a:lvl1pPr>
+              <a:spcBef>
+                <a:spcPct val="0"/>
+              </a:spcBef>
+              <a:buNone/>
+              <a:defRPr sz="3200" b="0" cap="all">
+                <a:ln w="3175" cmpd="sng">
+                  <a:noFill/>
+                </a:ln>
+                <a:effectLst>
+                  <a:glow rad="38100">
+                    <a:schemeClr val="bg1">
+                      <a:lumMod val="65000"/>
+                      <a:lumOff val="35000"/>
+                      <a:alpha val="40000"/>
+                    </a:schemeClr>
+                  </a:glow>
+                  <a:outerShdw blurRad="28575" dist="38100" dir="14040000" algn="tl" rotWithShape="0">
+                    <a:srgbClr val="000000">
+                      <a:alpha val="25000"/>
+                    </a:srgbClr>
+                  </a:outerShdw>
+                </a:effectLst>
+              </a:defRPr>
+            </a:lvl1pPr>
+            <a:lvl2pPr>
+              <a:defRPr>
+                <a:solidFill>
+                  <a:schemeClr val="tx2"/>
+                </a:solidFill>
+              </a:defRPr>
+            </a:lvl2pPr>
+            <a:lvl3pPr>
+              <a:defRPr>
+                <a:solidFill>
+                  <a:schemeClr val="tx2"/>
+                </a:solidFill>
+              </a:defRPr>
+            </a:lvl3pPr>
+            <a:lvl4pPr>
+              <a:defRPr>
+                <a:solidFill>
+                  <a:schemeClr val="tx2"/>
+                </a:solidFill>
+              </a:defRPr>
+            </a:lvl4pPr>
+            <a:lvl5pPr>
+              <a:defRPr>
+                <a:solidFill>
+                  <a:schemeClr val="tx2"/>
+                </a:solidFill>
+              </a:defRPr>
+            </a:lvl5pPr>
+            <a:lvl6pPr>
+              <a:defRPr>
+                <a:solidFill>
+                  <a:schemeClr val="tx2"/>
+                </a:solidFill>
+              </a:defRPr>
+            </a:lvl6pPr>
+            <a:lvl7pPr>
+              <a:defRPr>
+                <a:solidFill>
+                  <a:schemeClr val="tx2"/>
+                </a:solidFill>
+              </a:defRPr>
+            </a:lvl7pPr>
+            <a:lvl8pPr>
+              <a:defRPr>
+                <a:solidFill>
+                  <a:schemeClr val="tx2"/>
+                </a:solidFill>
+              </a:defRPr>
+            </a:lvl8pPr>
+            <a:lvl9pPr>
+              <a:defRPr>
+                <a:solidFill>
+                  <a:schemeClr val="tx2"/>
+                </a:solidFill>
+              </a:defRPr>
+            </a:lvl9pPr>
+          </a:lstStyle>
+          <a:p>
+            <a:pPr lvl="0" algn="r"/>
+            <a:r>
+              <a:rPr lang="en-US" sz="8000" dirty="0">
+                <a:solidFill>
+                  <a:schemeClr val="tx1"/>
+                </a:solidFill>
+                <a:effectLst/>
+              </a:rPr>
+              <a:t>”</a:t>
+            </a:r>
+          </a:p>
+        </p:txBody>
+      </p:sp>
+    </p:spTree>
+    <p:extLst>
+      <p:ext uri="{BB962C8B-B14F-4D97-AF65-F5344CB8AC3E}">
+        <p14:creationId xmlns:p14="http://schemas.microsoft.com/office/powerpoint/2010/main" val="3654933777"/>
+      </p:ext>
+    </p:extLst>
+  </p:cSld>
+  <p:clrMapOvr>
+    <a:masterClrMapping/>
+  </p:clrMapOvr>
+</p:sldLayout>
+</file>
+
+<file path=ppt/slideLayouts/slideLayout13.xml><?xml version="1.0" encoding="utf-8"?>
+<p:sldLayout xmlns:a="http://schemas.openxmlformats.org/drawingml/2006/main" xmlns:r="http://schemas.openxmlformats.org/officeDocument/2006/relationships" xmlns:p="http://schemas.openxmlformats.org/presentationml/2006/main" preserve="1">
+  <p:cSld name="Name Card">
+    <p:spTree>
+      <p:nvGrpSpPr>
+        <p:cNvPr id="1" name=""/>
+        <p:cNvGrpSpPr/>
+        <p:nvPr/>
+      </p:nvGrpSpPr>
+      <p:grpSpPr>
+        <a:xfrm>
+          <a:off x="0" y="0"/>
+          <a:ext cx="0" cy="0"/>
+          <a:chOff x="0" y="0"/>
+          <a:chExt cx="0" cy="0"/>
+        </a:xfrm>
+      </p:grpSpPr>
+      <p:pic>
+        <p:nvPicPr>
+          <p:cNvPr id="8" name="Picture 7" descr="Droplets-HD-Content-R1d.png"/>
+          <p:cNvPicPr>
+            <a:picLocks noChangeAspect="1"/>
+          </p:cNvPicPr>
+          <p:nvPr/>
+        </p:nvPicPr>
+        <p:blipFill>
+          <a:blip r:embed="rId2">
+            <a:extLst>
+              <a:ext uri="{28A0092B-C50C-407E-A947-70E740481C1C}">
+                <a14:useLocalDpi xmlns:a14="http://schemas.microsoft.com/office/drawing/2010/main" val="0"/>
+              </a:ext>
+            </a:extLst>
+          </a:blip>
+          <a:stretch>
+            <a:fillRect/>
+          </a:stretch>
+        </p:blipFill>
+        <p:spPr>
+          <a:xfrm>
+            <a:off x="0" y="0"/>
+            <a:ext cx="12192000" cy="6858000"/>
+          </a:xfrm>
+          <a:prstGeom prst="rect">
+            <a:avLst/>
+          </a:prstGeom>
+        </p:spPr>
+      </p:pic>
+      <p:sp>
+        <p:nvSpPr>
+          <p:cNvPr id="2" name="Title 1"/>
+          <p:cNvSpPr>
+            <a:spLocks noGrp="1"/>
+          </p:cNvSpPr>
+          <p:nvPr>
+            <p:ph type="title"/>
+          </p:nvPr>
+        </p:nvSpPr>
+        <p:spPr>
+          <a:xfrm>
+            <a:off x="913775" y="2138721"/>
+            <a:ext cx="10364452" cy="2511835"/>
+          </a:xfrm>
+        </p:spPr>
+        <p:txBody>
+          <a:bodyPr anchor="b"/>
+          <a:lstStyle>
+            <a:lvl1pPr algn="ctr">
+              <a:defRPr sz="3200"/>
+            </a:lvl1pPr>
+          </a:lstStyle>
+          <a:p>
+            <a:r>
+              <a:rPr lang="en-US" smtClean="0"/>
+              <a:t>Click to edit Master title style</a:t>
+            </a:r>
+            <a:endParaRPr lang="en-US" dirty="0"/>
+          </a:p>
+        </p:txBody>
+      </p:sp>
+      <p:sp>
+        <p:nvSpPr>
+          <p:cNvPr id="4" name="Text Placeholder 3"/>
+          <p:cNvSpPr>
+            <a:spLocks noGrp="1"/>
+          </p:cNvSpPr>
+          <p:nvPr>
+            <p:ph type="body" sz="half" idx="2"/>
+          </p:nvPr>
+        </p:nvSpPr>
+        <p:spPr>
+          <a:xfrm>
+            <a:off x="913775" y="4662335"/>
+            <a:ext cx="10364452" cy="1140644"/>
+          </a:xfrm>
+        </p:spPr>
+        <p:txBody>
+          <a:bodyPr anchor="t"/>
+          <a:lstStyle>
+            <a:lvl1pPr marL="0" indent="0" algn="ctr">
+              <a:buNone/>
+              <a:defRPr sz="1600"/>
+            </a:lvl1pPr>
+            <a:lvl2pPr marL="457200" indent="0">
+              <a:buNone/>
+              <a:defRPr sz="1400"/>
+            </a:lvl2pPr>
+            <a:lvl3pPr marL="914400" indent="0">
+              <a:buNone/>
+              <a:defRPr sz="1200"/>
+            </a:lvl3pPr>
+            <a:lvl4pPr marL="1371600" indent="0">
+              <a:buNone/>
+              <a:defRPr sz="1000"/>
+            </a:lvl4pPr>
+            <a:lvl5pPr marL="1828800" indent="0">
+              <a:buNone/>
+              <a:defRPr sz="1000"/>
+            </a:lvl5pPr>
+            <a:lvl6pPr marL="2286000" indent="0">
+              <a:buNone/>
+              <a:defRPr sz="1000"/>
+            </a:lvl6pPr>
+            <a:lvl7pPr marL="2743200" indent="0">
+              <a:buNone/>
+              <a:defRPr sz="1000"/>
+            </a:lvl7pPr>
+            <a:lvl8pPr marL="3200400" indent="0">
+              <a:buNone/>
+              <a:defRPr sz="1000"/>
+            </a:lvl8pPr>
+            <a:lvl9pPr marL="3657600" indent="0">
+              <a:buNone/>
+              <a:defRPr sz="1000"/>
+            </a:lvl9pPr>
+          </a:lstStyle>
+          <a:p>
+            <a:pPr lvl="0"/>
+            <a:r>
+              <a:rPr lang="en-US" smtClean="0"/>
+              <a:t>Click to edit Master text styles</a:t>
+            </a:r>
+          </a:p>
+        </p:txBody>
+      </p:sp>
+      <p:sp>
+        <p:nvSpPr>
+          <p:cNvPr id="5" name="Date Placeholder 4"/>
+          <p:cNvSpPr>
+            <a:spLocks noGrp="1"/>
+          </p:cNvSpPr>
+          <p:nvPr>
+            <p:ph type="dt" sz="half" idx="10"/>
+          </p:nvPr>
+        </p:nvSpPr>
+        <p:spPr/>
+        <p:txBody>
+          <a:bodyPr/>
+          <a:lstStyle/>
+          <a:p>
+            <a:fld id="{EBF6BD28-F0C9-409B-9FA9-079ADCA1D9BA}" type="datetimeFigureOut">
+              <a:rPr lang="en-GB" smtClean="0"/>
+              <a:t>01/05/2018</a:t>
+            </a:fld>
+            <a:endParaRPr lang="en-GB"/>
+          </a:p>
+        </p:txBody>
+      </p:sp>
+      <p:sp>
+        <p:nvSpPr>
+          <p:cNvPr id="6" name="Footer Placeholder 5"/>
+          <p:cNvSpPr>
+            <a:spLocks noGrp="1"/>
+          </p:cNvSpPr>
+          <p:nvPr>
+            <p:ph type="ftr" sz="quarter" idx="11"/>
+          </p:nvPr>
+        </p:nvSpPr>
+        <p:spPr/>
+        <p:txBody>
+          <a:bodyPr/>
+          <a:lstStyle/>
+          <a:p>
+            <a:endParaRPr lang="en-GB"/>
+          </a:p>
+        </p:txBody>
+      </p:sp>
+      <p:sp>
+        <p:nvSpPr>
+          <p:cNvPr id="7" name="Slide Number Placeholder 6"/>
+          <p:cNvSpPr>
+            <a:spLocks noGrp="1"/>
+          </p:cNvSpPr>
+          <p:nvPr>
+            <p:ph type="sldNum" sz="quarter" idx="12"/>
+          </p:nvPr>
+        </p:nvSpPr>
+        <p:spPr/>
+        <p:txBody>
+          <a:bodyPr/>
+          <a:lstStyle/>
+          <a:p>
+            <a:fld id="{C327A3D7-E9B9-4233-A6ED-3253844CD1A9}" type="slidenum">
+              <a:rPr lang="en-GB" smtClean="0"/>
+              <a:t>‹#›</a:t>
+            </a:fld>
+            <a:endParaRPr lang="en-GB"/>
+          </a:p>
+        </p:txBody>
+      </p:sp>
+    </p:spTree>
+    <p:extLst>
+      <p:ext uri="{BB962C8B-B14F-4D97-AF65-F5344CB8AC3E}">
+        <p14:creationId xmlns:p14="http://schemas.microsoft.com/office/powerpoint/2010/main" val="3830553372"/>
+      </p:ext>
+    </p:extLst>
+  </p:cSld>
+  <p:clrMapOvr>
+    <a:masterClrMapping/>
+  </p:clrMapOvr>
+</p:sldLayout>
+</file>
+
+<file path=ppt/slideLayouts/slideLayout14.xml><?xml version="1.0" encoding="utf-8"?>
+<p:sldLayout xmlns:a="http://schemas.openxmlformats.org/drawingml/2006/main" xmlns:r="http://schemas.openxmlformats.org/officeDocument/2006/relationships" xmlns:p="http://schemas.openxmlformats.org/presentationml/2006/main" preserve="1">
+  <p:cSld name="3 Column">
+    <p:spTree>
+      <p:nvGrpSpPr>
+        <p:cNvPr id="1" name=""/>
+        <p:cNvGrpSpPr/>
+        <p:nvPr/>
+      </p:nvGrpSpPr>
+      <p:grpSpPr>
+        <a:xfrm>
+          <a:off x="0" y="0"/>
+          <a:ext cx="0" cy="0"/>
+          <a:chOff x="0" y="0"/>
+          <a:chExt cx="0" cy="0"/>
+        </a:xfrm>
+      </p:grpSpPr>
+      <p:pic>
+        <p:nvPicPr>
+          <p:cNvPr id="13" name="Picture 12" descr="Droplets-HD-Content-R1d.png"/>
+          <p:cNvPicPr>
+            <a:picLocks noChangeAspect="1"/>
+          </p:cNvPicPr>
+          <p:nvPr/>
+        </p:nvPicPr>
+        <p:blipFill>
+          <a:blip r:embed="rId2">
+            <a:extLst>
+              <a:ext uri="{28A0092B-C50C-407E-A947-70E740481C1C}">
+                <a14:useLocalDpi xmlns:a14="http://schemas.microsoft.com/office/drawing/2010/main" val="0"/>
+              </a:ext>
+            </a:extLst>
+          </a:blip>
+          <a:stretch>
+            <a:fillRect/>
+          </a:stretch>
+        </p:blipFill>
+        <p:spPr>
+          <a:xfrm>
+            <a:off x="0" y="0"/>
+            <a:ext cx="12192000" cy="6858000"/>
+          </a:xfrm>
+          <a:prstGeom prst="rect">
+            <a:avLst/>
+          </a:prstGeom>
+        </p:spPr>
+      </p:pic>
+      <p:sp>
+        <p:nvSpPr>
+          <p:cNvPr id="15" name="Title 1"/>
+          <p:cNvSpPr>
+            <a:spLocks noGrp="1"/>
+          </p:cNvSpPr>
+          <p:nvPr>
+            <p:ph type="title"/>
+          </p:nvPr>
+        </p:nvSpPr>
+        <p:spPr>
+          <a:xfrm>
+            <a:off x="913774" y="609600"/>
+            <a:ext cx="10364452" cy="1605094"/>
+          </a:xfrm>
+        </p:spPr>
+        <p:txBody>
+          <a:bodyPr/>
+          <a:lstStyle/>
+          <a:p>
+            <a:r>
+              <a:rPr lang="en-US" smtClean="0"/>
+              <a:t>Click to edit Master title style</a:t>
+            </a:r>
+            <a:endParaRPr lang="en-US" dirty="0"/>
+          </a:p>
+        </p:txBody>
+      </p:sp>
+      <p:sp>
+        <p:nvSpPr>
+          <p:cNvPr id="7" name="Text Placeholder 2"/>
+          <p:cNvSpPr>
+            <a:spLocks noGrp="1"/>
+          </p:cNvSpPr>
+          <p:nvPr>
+            <p:ph type="body" idx="1"/>
+          </p:nvPr>
+        </p:nvSpPr>
+        <p:spPr>
+          <a:xfrm>
+            <a:off x="913774" y="2367093"/>
+            <a:ext cx="3298976" cy="576262"/>
+          </a:xfrm>
+        </p:spPr>
+        <p:txBody>
+          <a:bodyPr anchor="b">
+            <a:noAutofit/>
+          </a:bodyPr>
+          <a:lstStyle>
+            <a:lvl1pPr marL="0" indent="0" algn="ctr">
+              <a:lnSpc>
+                <a:spcPct val="85000"/>
+              </a:lnSpc>
+              <a:buNone/>
+              <a:defRPr sz="2400" b="0">
+                <a:solidFill>
+                  <a:schemeClr val="tx1"/>
+                </a:solidFill>
+              </a:defRPr>
+            </a:lvl1pPr>
+            <a:lvl2pPr marL="457200" indent="0">
+              <a:buNone/>
+              <a:defRPr sz="2000" b="1"/>
+            </a:lvl2pPr>
+            <a:lvl3pPr marL="914400" indent="0">
+              <a:buNone/>
+              <a:defRPr sz="1800" b="1"/>
+            </a:lvl3pPr>
+            <a:lvl4pPr marL="1371600" indent="0">
+              <a:buNone/>
+              <a:defRPr sz="1600" b="1"/>
+            </a:lvl4pPr>
+            <a:lvl5pPr marL="1828800" indent="0">
+              <a:buNone/>
+              <a:defRPr sz="1600" b="1"/>
+            </a:lvl5pPr>
+            <a:lvl6pPr marL="2286000" indent="0">
+              <a:buNone/>
+              <a:defRPr sz="1600" b="1"/>
+            </a:lvl6pPr>
+            <a:lvl7pPr marL="2743200" indent="0">
+              <a:buNone/>
+              <a:defRPr sz="1600" b="1"/>
+            </a:lvl7pPr>
+            <a:lvl8pPr marL="3200400" indent="0">
+              <a:buNone/>
+              <a:defRPr sz="1600" b="1"/>
+            </a:lvl8pPr>
+            <a:lvl9pPr marL="3657600" indent="0">
+              <a:buNone/>
+              <a:defRPr sz="1600" b="1"/>
+            </a:lvl9pPr>
+          </a:lstStyle>
+          <a:p>
+            <a:pPr lvl="0"/>
+            <a:r>
+              <a:rPr lang="en-US" smtClean="0"/>
+              <a:t>Click to edit Master text styles</a:t>
+            </a:r>
+          </a:p>
+        </p:txBody>
+      </p:sp>
+      <p:sp>
+        <p:nvSpPr>
+          <p:cNvPr id="8" name="Text Placeholder 3"/>
+          <p:cNvSpPr>
+            <a:spLocks noGrp="1"/>
+          </p:cNvSpPr>
+          <p:nvPr>
+            <p:ph type="body" sz="half" idx="15"/>
+          </p:nvPr>
+        </p:nvSpPr>
+        <p:spPr>
+          <a:xfrm>
+            <a:off x="913774" y="2943355"/>
+            <a:ext cx="3298976" cy="2847845"/>
+          </a:xfrm>
+        </p:spPr>
+        <p:txBody>
+          <a:bodyPr anchor="t">
+            <a:normAutofit/>
+          </a:bodyPr>
+          <a:lstStyle>
+            <a:lvl1pPr marL="0" indent="0" algn="ctr">
+              <a:buNone/>
+              <a:defRPr sz="1400"/>
+            </a:lvl1pPr>
+            <a:lvl2pPr marL="457200" indent="0">
+              <a:buNone/>
+              <a:defRPr sz="1200"/>
+            </a:lvl2pPr>
+            <a:lvl3pPr marL="914400" indent="0">
+              <a:buNone/>
+              <a:defRPr sz="1000"/>
+            </a:lvl3pPr>
+            <a:lvl4pPr marL="1371600" indent="0">
+              <a:buNone/>
+              <a:defRPr sz="900"/>
+            </a:lvl4pPr>
+            <a:lvl5pPr marL="1828800" indent="0">
+              <a:buNone/>
+              <a:defRPr sz="900"/>
+            </a:lvl5pPr>
+            <a:lvl6pPr marL="2286000" indent="0">
+              <a:buNone/>
+              <a:defRPr sz="900"/>
+            </a:lvl6pPr>
+            <a:lvl7pPr marL="2743200" indent="0">
+              <a:buNone/>
+              <a:defRPr sz="900"/>
+            </a:lvl7pPr>
+            <a:lvl8pPr marL="3200400" indent="0">
+              <a:buNone/>
+              <a:defRPr sz="900"/>
+            </a:lvl8pPr>
+            <a:lvl9pPr marL="3657600" indent="0">
+              <a:buNone/>
+              <a:defRPr sz="900"/>
+            </a:lvl9pPr>
+          </a:lstStyle>
+          <a:p>
+            <a:pPr lvl="0"/>
+            <a:r>
+              <a:rPr lang="en-US" smtClean="0"/>
+              <a:t>Click to edit Master text styles</a:t>
+            </a:r>
+          </a:p>
+        </p:txBody>
+      </p:sp>
+      <p:sp>
+        <p:nvSpPr>
+          <p:cNvPr id="9" name="Text Placeholder 4"/>
+          <p:cNvSpPr>
+            <a:spLocks noGrp="1"/>
+          </p:cNvSpPr>
+          <p:nvPr>
+            <p:ph type="body" sz="quarter" idx="3"/>
+          </p:nvPr>
+        </p:nvSpPr>
+        <p:spPr>
+          <a:xfrm>
+            <a:off x="4452389" y="2367093"/>
+            <a:ext cx="3291521" cy="576262"/>
+          </a:xfrm>
+        </p:spPr>
+        <p:txBody>
+          <a:bodyPr anchor="b">
+            <a:noAutofit/>
+          </a:bodyPr>
+          <a:lstStyle>
+            <a:lvl1pPr marL="0" indent="0" algn="ctr">
+              <a:lnSpc>
+                <a:spcPct val="85000"/>
+              </a:lnSpc>
+              <a:buNone/>
+              <a:defRPr sz="2400" b="0">
+                <a:solidFill>
+                  <a:schemeClr val="tx1"/>
+                </a:solidFill>
+              </a:defRPr>
+            </a:lvl1pPr>
+            <a:lvl2pPr marL="457200" indent="0">
+              <a:buNone/>
+              <a:defRPr sz="2000" b="1"/>
+            </a:lvl2pPr>
+            <a:lvl3pPr marL="914400" indent="0">
+              <a:buNone/>
+              <a:defRPr sz="1800" b="1"/>
+            </a:lvl3pPr>
+            <a:lvl4pPr marL="1371600" indent="0">
+              <a:buNone/>
+              <a:defRPr sz="1600" b="1"/>
+            </a:lvl4pPr>
+            <a:lvl5pPr marL="1828800" indent="0">
+              <a:buNone/>
+              <a:defRPr sz="1600" b="1"/>
+            </a:lvl5pPr>
+            <a:lvl6pPr marL="2286000" indent="0">
+              <a:buNone/>
+              <a:defRPr sz="1600" b="1"/>
+            </a:lvl6pPr>
+            <a:lvl7pPr marL="2743200" indent="0">
+              <a:buNone/>
+              <a:defRPr sz="1600" b="1"/>
+            </a:lvl7pPr>
+            <a:lvl8pPr marL="3200400" indent="0">
+              <a:buNone/>
+              <a:defRPr sz="1600" b="1"/>
+            </a:lvl8pPr>
+            <a:lvl9pPr marL="3657600" indent="0">
+              <a:buNone/>
+              <a:defRPr sz="1600" b="1"/>
+            </a:lvl9pPr>
+          </a:lstStyle>
+          <a:p>
+            <a:pPr lvl="0"/>
+            <a:r>
+              <a:rPr lang="en-US" smtClean="0"/>
+              <a:t>Click to edit Master text styles</a:t>
+            </a:r>
+          </a:p>
+        </p:txBody>
+      </p:sp>
+      <p:sp>
+        <p:nvSpPr>
+          <p:cNvPr id="10" name="Text Placeholder 3"/>
+          <p:cNvSpPr>
+            <a:spLocks noGrp="1"/>
+          </p:cNvSpPr>
+          <p:nvPr>
+            <p:ph type="body" sz="half" idx="16"/>
+          </p:nvPr>
+        </p:nvSpPr>
+        <p:spPr>
+          <a:xfrm>
+            <a:off x="4441348" y="2943355"/>
+            <a:ext cx="3303351" cy="2847845"/>
+          </a:xfrm>
+        </p:spPr>
+        <p:txBody>
+          <a:bodyPr anchor="t">
+            <a:normAutofit/>
+          </a:bodyPr>
+          <a:lstStyle>
+            <a:lvl1pPr marL="0" indent="0" algn="ctr">
+              <a:buNone/>
+              <a:defRPr sz="1400"/>
+            </a:lvl1pPr>
+            <a:lvl2pPr marL="457200" indent="0">
+              <a:buNone/>
+              <a:defRPr sz="1200"/>
+            </a:lvl2pPr>
+            <a:lvl3pPr marL="914400" indent="0">
+              <a:buNone/>
+              <a:defRPr sz="1000"/>
+            </a:lvl3pPr>
+            <a:lvl4pPr marL="1371600" indent="0">
+              <a:buNone/>
+              <a:defRPr sz="900"/>
+            </a:lvl4pPr>
+            <a:lvl5pPr marL="1828800" indent="0">
+              <a:buNone/>
+              <a:defRPr sz="900"/>
+            </a:lvl5pPr>
+            <a:lvl6pPr marL="2286000" indent="0">
+              <a:buNone/>
+              <a:defRPr sz="900"/>
+            </a:lvl6pPr>
+            <a:lvl7pPr marL="2743200" indent="0">
+              <a:buNone/>
+              <a:defRPr sz="900"/>
+            </a:lvl7pPr>
+            <a:lvl8pPr marL="3200400" indent="0">
+              <a:buNone/>
+              <a:defRPr sz="900"/>
+            </a:lvl8pPr>
+            <a:lvl9pPr marL="3657600" indent="0">
+              <a:buNone/>
+              <a:defRPr sz="900"/>
+            </a:lvl9pPr>
+          </a:lstStyle>
+          <a:p>
+            <a:pPr lvl="0"/>
+            <a:r>
+              <a:rPr lang="en-US" smtClean="0"/>
+              <a:t>Click to edit Master text styles</a:t>
+            </a:r>
+          </a:p>
+        </p:txBody>
+      </p:sp>
+      <p:sp>
+        <p:nvSpPr>
+          <p:cNvPr id="11" name="Text Placeholder 4"/>
+          <p:cNvSpPr>
+            <a:spLocks noGrp="1"/>
+          </p:cNvSpPr>
+          <p:nvPr>
+            <p:ph type="body" sz="quarter" idx="13"/>
+          </p:nvPr>
+        </p:nvSpPr>
+        <p:spPr>
+          <a:xfrm>
+            <a:off x="7973298" y="2367093"/>
+            <a:ext cx="3304928" cy="576262"/>
+          </a:xfrm>
+        </p:spPr>
+        <p:txBody>
+          <a:bodyPr anchor="b">
+            <a:noAutofit/>
+          </a:bodyPr>
+          <a:lstStyle>
+            <a:lvl1pPr marL="0" indent="0" algn="ctr">
+              <a:lnSpc>
+                <a:spcPct val="85000"/>
+              </a:lnSpc>
+              <a:buNone/>
+              <a:defRPr sz="2400" b="0">
+                <a:solidFill>
+                  <a:schemeClr val="tx1"/>
+                </a:solidFill>
+              </a:defRPr>
+            </a:lvl1pPr>
+            <a:lvl2pPr marL="457200" indent="0">
+              <a:buNone/>
+              <a:defRPr sz="2000" b="1"/>
+            </a:lvl2pPr>
+            <a:lvl3pPr marL="914400" indent="0">
+              <a:buNone/>
+              <a:defRPr sz="1800" b="1"/>
+            </a:lvl3pPr>
+            <a:lvl4pPr marL="1371600" indent="0">
+              <a:buNone/>
+              <a:defRPr sz="1600" b="1"/>
+            </a:lvl4pPr>
+            <a:lvl5pPr marL="1828800" indent="0">
+              <a:buNone/>
+              <a:defRPr sz="1600" b="1"/>
+            </a:lvl5pPr>
+            <a:lvl6pPr marL="2286000" indent="0">
+              <a:buNone/>
+              <a:defRPr sz="1600" b="1"/>
+            </a:lvl6pPr>
+            <a:lvl7pPr marL="2743200" indent="0">
+              <a:buNone/>
+              <a:defRPr sz="1600" b="1"/>
+            </a:lvl7pPr>
+            <a:lvl8pPr marL="3200400" indent="0">
+              <a:buNone/>
+              <a:defRPr sz="1600" b="1"/>
+            </a:lvl8pPr>
+            <a:lvl9pPr marL="3657600" indent="0">
+              <a:buNone/>
+              <a:defRPr sz="1600" b="1"/>
+            </a:lvl9pPr>
+          </a:lstStyle>
+          <a:p>
+            <a:pPr lvl="0"/>
+            <a:r>
+              <a:rPr lang="en-US" smtClean="0"/>
+              <a:t>Click to edit Master text styles</a:t>
+            </a:r>
+          </a:p>
+        </p:txBody>
+      </p:sp>
+      <p:sp>
+        <p:nvSpPr>
+          <p:cNvPr id="12" name="Text Placeholder 3"/>
+          <p:cNvSpPr>
+            <a:spLocks noGrp="1"/>
+          </p:cNvSpPr>
+          <p:nvPr>
+            <p:ph type="body" sz="half" idx="17"/>
+          </p:nvPr>
+        </p:nvSpPr>
+        <p:spPr>
+          <a:xfrm>
+            <a:off x="7973298" y="2943355"/>
+            <a:ext cx="3304928" cy="2847845"/>
+          </a:xfrm>
+        </p:spPr>
+        <p:txBody>
+          <a:bodyPr anchor="t">
+            <a:normAutofit/>
+          </a:bodyPr>
+          <a:lstStyle>
+            <a:lvl1pPr marL="0" indent="0" algn="ctr">
+              <a:buNone/>
+              <a:defRPr sz="1400"/>
+            </a:lvl1pPr>
+            <a:lvl2pPr marL="457200" indent="0">
+              <a:buNone/>
+              <a:defRPr sz="1200"/>
+            </a:lvl2pPr>
+            <a:lvl3pPr marL="914400" indent="0">
+              <a:buNone/>
+              <a:defRPr sz="1000"/>
+            </a:lvl3pPr>
+            <a:lvl4pPr marL="1371600" indent="0">
+              <a:buNone/>
+              <a:defRPr sz="900"/>
+            </a:lvl4pPr>
+            <a:lvl5pPr marL="1828800" indent="0">
+              <a:buNone/>
+              <a:defRPr sz="900"/>
+            </a:lvl5pPr>
+            <a:lvl6pPr marL="2286000" indent="0">
+              <a:buNone/>
+              <a:defRPr sz="900"/>
+            </a:lvl6pPr>
+            <a:lvl7pPr marL="2743200" indent="0">
+              <a:buNone/>
+              <a:defRPr sz="900"/>
+            </a:lvl7pPr>
+            <a:lvl8pPr marL="3200400" indent="0">
+              <a:buNone/>
+              <a:defRPr sz="900"/>
+            </a:lvl8pPr>
+            <a:lvl9pPr marL="3657600" indent="0">
+              <a:buNone/>
+              <a:defRPr sz="900"/>
+            </a:lvl9pPr>
+          </a:lstStyle>
+          <a:p>
+            <a:pPr lvl="0"/>
+            <a:r>
+              <a:rPr lang="en-US" smtClean="0"/>
+              <a:t>Click to edit Master text styles</a:t>
+            </a:r>
+          </a:p>
+        </p:txBody>
+      </p:sp>
+      <p:sp>
+        <p:nvSpPr>
+          <p:cNvPr id="3" name="Date Placeholder 2"/>
+          <p:cNvSpPr>
+            <a:spLocks noGrp="1"/>
+          </p:cNvSpPr>
+          <p:nvPr>
+            <p:ph type="dt" sz="half" idx="10"/>
+          </p:nvPr>
+        </p:nvSpPr>
+        <p:spPr/>
+        <p:txBody>
+          <a:bodyPr/>
+          <a:lstStyle/>
+          <a:p>
+            <a:fld id="{EBF6BD28-F0C9-409B-9FA9-079ADCA1D9BA}" type="datetimeFigureOut">
+              <a:rPr lang="en-GB" smtClean="0"/>
+              <a:t>01/05/2018</a:t>
+            </a:fld>
+            <a:endParaRPr lang="en-GB"/>
+          </a:p>
+        </p:txBody>
+      </p:sp>
+      <p:sp>
+        <p:nvSpPr>
+          <p:cNvPr id="4" name="Footer Placeholder 3"/>
+          <p:cNvSpPr>
+            <a:spLocks noGrp="1"/>
+          </p:cNvSpPr>
+          <p:nvPr>
+            <p:ph type="ftr" sz="quarter" idx="11"/>
+          </p:nvPr>
+        </p:nvSpPr>
+        <p:spPr/>
+        <p:txBody>
+          <a:bodyPr/>
+          <a:lstStyle/>
+          <a:p>
+            <a:endParaRPr lang="en-GB"/>
+          </a:p>
+        </p:txBody>
+      </p:sp>
+      <p:sp>
+        <p:nvSpPr>
+          <p:cNvPr id="5" name="Slide Number Placeholder 4"/>
+          <p:cNvSpPr>
+            <a:spLocks noGrp="1"/>
+          </p:cNvSpPr>
+          <p:nvPr>
+            <p:ph type="sldNum" sz="quarter" idx="12"/>
+          </p:nvPr>
+        </p:nvSpPr>
+        <p:spPr/>
+        <p:txBody>
+          <a:bodyPr/>
+          <a:lstStyle/>
+          <a:p>
+            <a:fld id="{C327A3D7-E9B9-4233-A6ED-3253844CD1A9}" type="slidenum">
+              <a:rPr lang="en-GB" smtClean="0"/>
+              <a:t>‹#›</a:t>
+            </a:fld>
+            <a:endParaRPr lang="en-GB"/>
+          </a:p>
+        </p:txBody>
+      </p:sp>
+    </p:spTree>
+    <p:extLst>
+      <p:ext uri="{BB962C8B-B14F-4D97-AF65-F5344CB8AC3E}">
+        <p14:creationId xmlns:p14="http://schemas.microsoft.com/office/powerpoint/2010/main" val="440393595"/>
+      </p:ext>
+    </p:extLst>
+  </p:cSld>
+  <p:clrMapOvr>
+    <a:masterClrMapping/>
+  </p:clrMapOvr>
+</p:sldLayout>
+</file>
+
+<file path=ppt/slideLayouts/slideLayout15.xml><?xml version="1.0" encoding="utf-8"?>
+<p:sldLayout xmlns:a="http://schemas.openxmlformats.org/drawingml/2006/main" xmlns:r="http://schemas.openxmlformats.org/officeDocument/2006/relationships" xmlns:p="http://schemas.openxmlformats.org/presentationml/2006/main" preserve="1">
+  <p:cSld name="3 Picture Column">
+    <p:spTree>
+      <p:nvGrpSpPr>
+        <p:cNvPr id="1" name=""/>
+        <p:cNvGrpSpPr/>
+        <p:nvPr/>
+      </p:nvGrpSpPr>
+      <p:grpSpPr>
+        <a:xfrm>
+          <a:off x="0" y="0"/>
+          <a:ext cx="0" cy="0"/>
+          <a:chOff x="0" y="0"/>
+          <a:chExt cx="0" cy="0"/>
+        </a:xfrm>
+      </p:grpSpPr>
+      <p:pic>
+        <p:nvPicPr>
+          <p:cNvPr id="16" name="Picture 15" descr="Droplets-HD-Content-R1d.png"/>
+          <p:cNvPicPr>
+            <a:picLocks noChangeAspect="1"/>
+          </p:cNvPicPr>
+          <p:nvPr/>
+        </p:nvPicPr>
+        <p:blipFill>
+          <a:blip r:embed="rId2">
+            <a:extLst>
+              <a:ext uri="{28A0092B-C50C-407E-A947-70E740481C1C}">
+                <a14:useLocalDpi xmlns:a14="http://schemas.microsoft.com/office/drawing/2010/main" val="0"/>
+              </a:ext>
+            </a:extLst>
+          </a:blip>
+          <a:stretch>
+            <a:fillRect/>
+          </a:stretch>
+        </p:blipFill>
+        <p:spPr>
+          <a:xfrm>
+            <a:off x="0" y="0"/>
+            <a:ext cx="12192000" cy="6858000"/>
+          </a:xfrm>
+          <a:prstGeom prst="rect">
+            <a:avLst/>
+          </a:prstGeom>
+        </p:spPr>
+      </p:pic>
+      <p:sp>
+        <p:nvSpPr>
+          <p:cNvPr id="30" name="Title 1"/>
+          <p:cNvSpPr>
+            <a:spLocks noGrp="1"/>
+          </p:cNvSpPr>
+          <p:nvPr>
+            <p:ph type="title"/>
+          </p:nvPr>
+        </p:nvSpPr>
+        <p:spPr>
+          <a:xfrm>
+            <a:off x="913774" y="610772"/>
+            <a:ext cx="10364452" cy="1603922"/>
+          </a:xfrm>
+        </p:spPr>
+        <p:txBody>
+          <a:bodyPr/>
+          <a:lstStyle/>
+          <a:p>
+            <a:r>
+              <a:rPr lang="en-US" smtClean="0"/>
+              <a:t>Click to edit Master title style</a:t>
+            </a:r>
+            <a:endParaRPr lang="en-US" dirty="0"/>
+          </a:p>
+        </p:txBody>
+      </p:sp>
+      <p:sp>
+        <p:nvSpPr>
+          <p:cNvPr id="19" name="Text Placeholder 2"/>
+          <p:cNvSpPr>
+            <a:spLocks noGrp="1"/>
+          </p:cNvSpPr>
+          <p:nvPr>
+            <p:ph type="body" idx="1"/>
+          </p:nvPr>
+        </p:nvSpPr>
+        <p:spPr>
+          <a:xfrm>
+            <a:off x="913774" y="4204820"/>
+            <a:ext cx="3296409" cy="576262"/>
+          </a:xfrm>
+        </p:spPr>
+        <p:txBody>
+          <a:bodyPr anchor="b">
+            <a:noAutofit/>
+          </a:bodyPr>
+          <a:lstStyle>
+            <a:lvl1pPr marL="0" indent="0" algn="ctr">
+              <a:lnSpc>
+                <a:spcPct val="85000"/>
+              </a:lnSpc>
+              <a:buNone/>
+              <a:defRPr sz="2200" b="0">
+                <a:solidFill>
+                  <a:schemeClr val="tx1"/>
+                </a:solidFill>
+              </a:defRPr>
+            </a:lvl1pPr>
+            <a:lvl2pPr marL="457200" indent="0">
+              <a:buNone/>
+              <a:defRPr sz="2000" b="1"/>
+            </a:lvl2pPr>
+            <a:lvl3pPr marL="914400" indent="0">
+              <a:buNone/>
+              <a:defRPr sz="1800" b="1"/>
+            </a:lvl3pPr>
+            <a:lvl4pPr marL="1371600" indent="0">
+              <a:buNone/>
+              <a:defRPr sz="1600" b="1"/>
+            </a:lvl4pPr>
+            <a:lvl5pPr marL="1828800" indent="0">
+              <a:buNone/>
+              <a:defRPr sz="1600" b="1"/>
+            </a:lvl5pPr>
+            <a:lvl6pPr marL="2286000" indent="0">
+              <a:buNone/>
+              <a:defRPr sz="1600" b="1"/>
+            </a:lvl6pPr>
+            <a:lvl7pPr marL="2743200" indent="0">
+              <a:buNone/>
+              <a:defRPr sz="1600" b="1"/>
+            </a:lvl7pPr>
+            <a:lvl8pPr marL="3200400" indent="0">
+              <a:buNone/>
+              <a:defRPr sz="1600" b="1"/>
+            </a:lvl8pPr>
+            <a:lvl9pPr marL="3657600" indent="0">
+              <a:buNone/>
+              <a:defRPr sz="1600" b="1"/>
+            </a:lvl9pPr>
+          </a:lstStyle>
+          <a:p>
+            <a:pPr lvl="0"/>
+            <a:r>
+              <a:rPr lang="en-US" smtClean="0"/>
+              <a:t>Click to edit Master text styles</a:t>
+            </a:r>
+          </a:p>
+        </p:txBody>
+      </p:sp>
+      <p:sp>
+        <p:nvSpPr>
+          <p:cNvPr id="20" name="Picture Placeholder 2"/>
+          <p:cNvSpPr>
+            <a:spLocks noGrp="1" noChangeAspect="1"/>
+          </p:cNvSpPr>
+          <p:nvPr>
+            <p:ph type="pic" idx="15"/>
+          </p:nvPr>
+        </p:nvSpPr>
+        <p:spPr>
+          <a:xfrm>
+            <a:off x="913774" y="2367093"/>
+            <a:ext cx="3296409" cy="1524000"/>
+          </a:xfrm>
+          <a:prstGeom prst="roundRect">
+            <a:avLst>
+              <a:gd name="adj" fmla="val 9363"/>
+            </a:avLst>
+          </a:prstGeom>
+          <a:noFill/>
+          <a:ln w="82550" cap="sq">
+            <a:solidFill>
+              <a:schemeClr val="bg2">
+                <a:lumMod val="60000"/>
+                <a:lumOff val="40000"/>
+              </a:schemeClr>
+            </a:solidFill>
+            <a:miter lim="800000"/>
+          </a:ln>
+          <a:effectLst/>
+          <a:scene3d>
+            <a:camera prst="orthographicFront"/>
+            <a:lightRig rig="threePt" dir="t">
+              <a:rot lat="0" lon="0" rev="2700000"/>
+            </a:lightRig>
+          </a:scene3d>
+          <a:sp3d contourW="6350">
+            <a:bevelT h="38100"/>
+            <a:contourClr>
+              <a:srgbClr val="C0C0C0"/>
+            </a:contourClr>
+          </a:sp3d>
+        </p:spPr>
+        <p:txBody>
+          <a:bodyPr anchor="t">
+            <a:normAutofit/>
+          </a:bodyPr>
+          <a:lstStyle>
+            <a:lvl1pPr marL="0" indent="0" algn="ctr">
+              <a:buNone/>
+              <a:defRPr sz="1600"/>
+            </a:lvl1pPr>
+            <a:lvl2pPr marL="457200" indent="0">
+              <a:buNone/>
+              <a:defRPr sz="1600"/>
+            </a:lvl2pPr>
+            <a:lvl3pPr marL="914400" indent="0">
+              <a:buNone/>
+              <a:defRPr sz="1600"/>
+            </a:lvl3pPr>
+            <a:lvl4pPr marL="1371600" indent="0">
+              <a:buNone/>
+              <a:defRPr sz="1600"/>
+            </a:lvl4pPr>
+            <a:lvl5pPr marL="1828800" indent="0">
+              <a:buNone/>
+              <a:defRPr sz="1600"/>
+            </a:lvl5pPr>
+            <a:lvl6pPr marL="2286000" indent="0">
+              <a:buNone/>
+              <a:defRPr sz="1600"/>
+            </a:lvl6pPr>
+            <a:lvl7pPr marL="2743200" indent="0">
+              <a:buNone/>
+              <a:defRPr sz="1600"/>
+            </a:lvl7pPr>
+            <a:lvl8pPr marL="3200400" indent="0">
+              <a:buNone/>
+              <a:defRPr sz="1600"/>
+            </a:lvl8pPr>
+            <a:lvl9pPr marL="3657600" indent="0">
+              <a:buNone/>
+              <a:defRPr sz="1600"/>
+            </a:lvl9pPr>
+          </a:lstStyle>
+          <a:p>
+            <a:r>
+              <a:rPr lang="en-US" smtClean="0"/>
+              <a:t>Click icon to add picture</a:t>
+            </a:r>
+            <a:endParaRPr lang="en-US" dirty="0"/>
+          </a:p>
+        </p:txBody>
+      </p:sp>
+      <p:sp>
+        <p:nvSpPr>
+          <p:cNvPr id="21" name="Text Placeholder 3"/>
+          <p:cNvSpPr>
+            <a:spLocks noGrp="1"/>
+          </p:cNvSpPr>
+          <p:nvPr>
+            <p:ph type="body" sz="half" idx="18"/>
+          </p:nvPr>
+        </p:nvSpPr>
+        <p:spPr>
+          <a:xfrm>
+            <a:off x="913774" y="4781082"/>
+            <a:ext cx="3296409" cy="1010118"/>
+          </a:xfrm>
+        </p:spPr>
+        <p:txBody>
+          <a:bodyPr anchor="t">
+            <a:normAutofit/>
+          </a:bodyPr>
+          <a:lstStyle>
+            <a:lvl1pPr marL="0" indent="0" algn="ctr">
+              <a:buNone/>
+              <a:defRPr sz="1400"/>
+            </a:lvl1pPr>
+            <a:lvl2pPr marL="457200" indent="0">
+              <a:buNone/>
+              <a:defRPr sz="1200"/>
+            </a:lvl2pPr>
+            <a:lvl3pPr marL="914400" indent="0">
+              <a:buNone/>
+              <a:defRPr sz="1000"/>
+            </a:lvl3pPr>
+            <a:lvl4pPr marL="1371600" indent="0">
+              <a:buNone/>
+              <a:defRPr sz="900"/>
+            </a:lvl4pPr>
+            <a:lvl5pPr marL="1828800" indent="0">
+              <a:buNone/>
+              <a:defRPr sz="900"/>
+            </a:lvl5pPr>
+            <a:lvl6pPr marL="2286000" indent="0">
+              <a:buNone/>
+              <a:defRPr sz="900"/>
+            </a:lvl6pPr>
+            <a:lvl7pPr marL="2743200" indent="0">
+              <a:buNone/>
+              <a:defRPr sz="900"/>
+            </a:lvl7pPr>
+            <a:lvl8pPr marL="3200400" indent="0">
+              <a:buNone/>
+              <a:defRPr sz="900"/>
+            </a:lvl8pPr>
+            <a:lvl9pPr marL="3657600" indent="0">
+              <a:buNone/>
+              <a:defRPr sz="900"/>
+            </a:lvl9pPr>
+          </a:lstStyle>
+          <a:p>
+            <a:pPr lvl="0"/>
+            <a:r>
+              <a:rPr lang="en-US" smtClean="0"/>
+              <a:t>Click to edit Master text styles</a:t>
+            </a:r>
+          </a:p>
+        </p:txBody>
+      </p:sp>
+      <p:sp>
+        <p:nvSpPr>
+          <p:cNvPr id="22" name="Text Placeholder 4"/>
+          <p:cNvSpPr>
+            <a:spLocks noGrp="1"/>
+          </p:cNvSpPr>
+          <p:nvPr>
+            <p:ph type="body" sz="quarter" idx="3"/>
+          </p:nvPr>
+        </p:nvSpPr>
+        <p:spPr>
+          <a:xfrm>
+            <a:off x="4442759" y="4204820"/>
+            <a:ext cx="3301828" cy="576262"/>
+          </a:xfrm>
+        </p:spPr>
+        <p:txBody>
+          <a:bodyPr anchor="b">
+            <a:noAutofit/>
+          </a:bodyPr>
+          <a:lstStyle>
+            <a:lvl1pPr marL="0" indent="0" algn="ctr">
+              <a:lnSpc>
+                <a:spcPct val="85000"/>
+              </a:lnSpc>
+              <a:buNone/>
+              <a:defRPr sz="2200" b="0">
+                <a:solidFill>
+                  <a:schemeClr val="tx1"/>
+                </a:solidFill>
+              </a:defRPr>
+            </a:lvl1pPr>
+            <a:lvl2pPr marL="457200" indent="0">
+              <a:buNone/>
+              <a:defRPr sz="2000" b="1"/>
+            </a:lvl2pPr>
+            <a:lvl3pPr marL="914400" indent="0">
+              <a:buNone/>
+              <a:defRPr sz="1800" b="1"/>
+            </a:lvl3pPr>
+            <a:lvl4pPr marL="1371600" indent="0">
+              <a:buNone/>
+              <a:defRPr sz="1600" b="1"/>
+            </a:lvl4pPr>
+            <a:lvl5pPr marL="1828800" indent="0">
+              <a:buNone/>
+              <a:defRPr sz="1600" b="1"/>
+            </a:lvl5pPr>
+            <a:lvl6pPr marL="2286000" indent="0">
+              <a:buNone/>
+              <a:defRPr sz="1600" b="1"/>
+            </a:lvl6pPr>
+            <a:lvl7pPr marL="2743200" indent="0">
+              <a:buNone/>
+              <a:defRPr sz="1600" b="1"/>
+            </a:lvl7pPr>
+            <a:lvl8pPr marL="3200400" indent="0">
+              <a:buNone/>
+              <a:defRPr sz="1600" b="1"/>
+            </a:lvl8pPr>
+            <a:lvl9pPr marL="3657600" indent="0">
+              <a:buNone/>
+              <a:defRPr sz="1600" b="1"/>
+            </a:lvl9pPr>
+          </a:lstStyle>
+          <a:p>
+            <a:pPr lvl="0"/>
+            <a:r>
+              <a:rPr lang="en-US" smtClean="0"/>
+              <a:t>Click to edit Master text styles</a:t>
+            </a:r>
+          </a:p>
+        </p:txBody>
+      </p:sp>
+      <p:sp>
+        <p:nvSpPr>
+          <p:cNvPr id="23" name="Picture Placeholder 2"/>
+          <p:cNvSpPr>
+            <a:spLocks noGrp="1" noChangeAspect="1"/>
+          </p:cNvSpPr>
+          <p:nvPr>
+            <p:ph type="pic" idx="21"/>
+          </p:nvPr>
+        </p:nvSpPr>
+        <p:spPr>
+          <a:xfrm>
+            <a:off x="4441348" y="2367093"/>
+            <a:ext cx="3303352" cy="1524000"/>
+          </a:xfrm>
+          <a:prstGeom prst="roundRect">
+            <a:avLst>
+              <a:gd name="adj" fmla="val 8841"/>
+            </a:avLst>
+          </a:prstGeom>
+          <a:noFill/>
+          <a:ln w="82550" cap="sq">
+            <a:solidFill>
+              <a:schemeClr val="bg2">
+                <a:lumMod val="60000"/>
+                <a:lumOff val="40000"/>
+              </a:schemeClr>
+            </a:solidFill>
+            <a:miter lim="800000"/>
+          </a:ln>
+          <a:effectLst/>
+          <a:scene3d>
+            <a:camera prst="orthographicFront"/>
+            <a:lightRig rig="threePt" dir="t">
+              <a:rot lat="0" lon="0" rev="2700000"/>
+            </a:lightRig>
+          </a:scene3d>
+          <a:sp3d contourW="6350">
+            <a:bevelT h="38100"/>
+            <a:contourClr>
+              <a:srgbClr val="C0C0C0"/>
+            </a:contourClr>
+          </a:sp3d>
+        </p:spPr>
+        <p:txBody>
+          <a:bodyPr anchor="t">
+            <a:normAutofit/>
+          </a:bodyPr>
+          <a:lstStyle>
+            <a:lvl1pPr marL="0" indent="0" algn="ctr">
+              <a:buNone/>
+              <a:defRPr sz="1600"/>
+            </a:lvl1pPr>
+            <a:lvl2pPr marL="457200" indent="0">
+              <a:buNone/>
+              <a:defRPr sz="1600"/>
+            </a:lvl2pPr>
+            <a:lvl3pPr marL="914400" indent="0">
+              <a:buNone/>
+              <a:defRPr sz="1600"/>
+            </a:lvl3pPr>
+            <a:lvl4pPr marL="1371600" indent="0">
+              <a:buNone/>
+              <a:defRPr sz="1600"/>
+            </a:lvl4pPr>
+            <a:lvl5pPr marL="1828800" indent="0">
+              <a:buNone/>
+              <a:defRPr sz="1600"/>
+            </a:lvl5pPr>
+            <a:lvl6pPr marL="2286000" indent="0">
+              <a:buNone/>
+              <a:defRPr sz="1600"/>
+            </a:lvl6pPr>
+            <a:lvl7pPr marL="2743200" indent="0">
+              <a:buNone/>
+              <a:defRPr sz="1600"/>
+            </a:lvl7pPr>
+            <a:lvl8pPr marL="3200400" indent="0">
+              <a:buNone/>
+              <a:defRPr sz="1600"/>
+            </a:lvl8pPr>
+            <a:lvl9pPr marL="3657600" indent="0">
+              <a:buNone/>
+              <a:defRPr sz="1600"/>
+            </a:lvl9pPr>
+          </a:lstStyle>
+          <a:p>
+            <a:r>
+              <a:rPr lang="en-US" smtClean="0"/>
+              <a:t>Click icon to add picture</a:t>
+            </a:r>
+            <a:endParaRPr lang="en-US" dirty="0"/>
+          </a:p>
+        </p:txBody>
+      </p:sp>
+      <p:sp>
+        <p:nvSpPr>
+          <p:cNvPr id="24" name="Text Placeholder 3"/>
+          <p:cNvSpPr>
+            <a:spLocks noGrp="1"/>
+          </p:cNvSpPr>
+          <p:nvPr>
+            <p:ph type="body" sz="half" idx="19"/>
+          </p:nvPr>
+        </p:nvSpPr>
+        <p:spPr>
+          <a:xfrm>
+            <a:off x="4441348" y="4781080"/>
+            <a:ext cx="3303352" cy="1010119"/>
+          </a:xfrm>
+        </p:spPr>
+        <p:txBody>
+          <a:bodyPr anchor="t">
+            <a:normAutofit/>
+          </a:bodyPr>
+          <a:lstStyle>
+            <a:lvl1pPr marL="0" indent="0" algn="ctr">
+              <a:buNone/>
+              <a:defRPr sz="1400"/>
+            </a:lvl1pPr>
+            <a:lvl2pPr marL="457200" indent="0">
+              <a:buNone/>
+              <a:defRPr sz="1200"/>
+            </a:lvl2pPr>
+            <a:lvl3pPr marL="914400" indent="0">
+              <a:buNone/>
+              <a:defRPr sz="1000"/>
+            </a:lvl3pPr>
+            <a:lvl4pPr marL="1371600" indent="0">
+              <a:buNone/>
+              <a:defRPr sz="900"/>
+            </a:lvl4pPr>
+            <a:lvl5pPr marL="1828800" indent="0">
+              <a:buNone/>
+              <a:defRPr sz="900"/>
+            </a:lvl5pPr>
+            <a:lvl6pPr marL="2286000" indent="0">
+              <a:buNone/>
+              <a:defRPr sz="900"/>
+            </a:lvl6pPr>
+            <a:lvl7pPr marL="2743200" indent="0">
+              <a:buNone/>
+              <a:defRPr sz="900"/>
+            </a:lvl7pPr>
+            <a:lvl8pPr marL="3200400" indent="0">
+              <a:buNone/>
+              <a:defRPr sz="900"/>
+            </a:lvl8pPr>
+            <a:lvl9pPr marL="3657600" indent="0">
+              <a:buNone/>
+              <a:defRPr sz="900"/>
+            </a:lvl9pPr>
+          </a:lstStyle>
+          <a:p>
+            <a:pPr lvl="0"/>
+            <a:r>
+              <a:rPr lang="en-US" smtClean="0"/>
+              <a:t>Click to edit Master text styles</a:t>
+            </a:r>
+          </a:p>
+        </p:txBody>
+      </p:sp>
+      <p:sp>
+        <p:nvSpPr>
+          <p:cNvPr id="25" name="Text Placeholder 4"/>
+          <p:cNvSpPr>
+            <a:spLocks noGrp="1"/>
+          </p:cNvSpPr>
+          <p:nvPr>
+            <p:ph type="body" sz="quarter" idx="13"/>
+          </p:nvPr>
+        </p:nvSpPr>
+        <p:spPr>
+          <a:xfrm>
+            <a:off x="7973298" y="4204820"/>
+            <a:ext cx="3300681" cy="576262"/>
+          </a:xfrm>
+        </p:spPr>
+        <p:txBody>
+          <a:bodyPr anchor="b">
+            <a:noAutofit/>
+          </a:bodyPr>
+          <a:lstStyle>
+            <a:lvl1pPr marL="0" indent="0" algn="ctr">
+              <a:lnSpc>
+                <a:spcPct val="85000"/>
+              </a:lnSpc>
+              <a:buNone/>
+              <a:defRPr sz="2200" b="0">
+                <a:solidFill>
+                  <a:schemeClr val="tx1"/>
+                </a:solidFill>
+              </a:defRPr>
+            </a:lvl1pPr>
+            <a:lvl2pPr marL="457200" indent="0">
+              <a:buNone/>
+              <a:defRPr sz="2000" b="1"/>
+            </a:lvl2pPr>
+            <a:lvl3pPr marL="914400" indent="0">
+              <a:buNone/>
+              <a:defRPr sz="1800" b="1"/>
+            </a:lvl3pPr>
+            <a:lvl4pPr marL="1371600" indent="0">
+              <a:buNone/>
+              <a:defRPr sz="1600" b="1"/>
+            </a:lvl4pPr>
+            <a:lvl5pPr marL="1828800" indent="0">
+              <a:buNone/>
+              <a:defRPr sz="1600" b="1"/>
+            </a:lvl5pPr>
+            <a:lvl6pPr marL="2286000" indent="0">
+              <a:buNone/>
+              <a:defRPr sz="1600" b="1"/>
+            </a:lvl6pPr>
+            <a:lvl7pPr marL="2743200" indent="0">
+              <a:buNone/>
+              <a:defRPr sz="1600" b="1"/>
+            </a:lvl7pPr>
+            <a:lvl8pPr marL="3200400" indent="0">
+              <a:buNone/>
+              <a:defRPr sz="1600" b="1"/>
+            </a:lvl8pPr>
+            <a:lvl9pPr marL="3657600" indent="0">
+              <a:buNone/>
+              <a:defRPr sz="1600" b="1"/>
+            </a:lvl9pPr>
+          </a:lstStyle>
+          <a:p>
+            <a:pPr lvl="0"/>
+            <a:r>
+              <a:rPr lang="en-US" smtClean="0"/>
+              <a:t>Click to edit Master text styles</a:t>
+            </a:r>
+          </a:p>
+        </p:txBody>
+      </p:sp>
+      <p:sp>
+        <p:nvSpPr>
+          <p:cNvPr id="26" name="Picture Placeholder 2"/>
+          <p:cNvSpPr>
+            <a:spLocks noGrp="1" noChangeAspect="1"/>
+          </p:cNvSpPr>
+          <p:nvPr>
+            <p:ph type="pic" idx="22"/>
+          </p:nvPr>
+        </p:nvSpPr>
+        <p:spPr>
+          <a:xfrm>
+            <a:off x="7973298" y="2367093"/>
+            <a:ext cx="3304928" cy="1524000"/>
+          </a:xfrm>
+          <a:prstGeom prst="roundRect">
+            <a:avLst>
+              <a:gd name="adj" fmla="val 8841"/>
+            </a:avLst>
+          </a:prstGeom>
+          <a:noFill/>
+          <a:ln w="82550" cap="sq">
+            <a:solidFill>
+              <a:schemeClr val="bg2">
+                <a:lumMod val="60000"/>
+                <a:lumOff val="40000"/>
+              </a:schemeClr>
+            </a:solidFill>
+            <a:miter lim="800000"/>
+          </a:ln>
+          <a:effectLst/>
+          <a:scene3d>
+            <a:camera prst="orthographicFront"/>
+            <a:lightRig rig="threePt" dir="t">
+              <a:rot lat="0" lon="0" rev="2700000"/>
+            </a:lightRig>
+          </a:scene3d>
+          <a:sp3d contourW="6350">
+            <a:bevelT h="38100"/>
+            <a:contourClr>
+              <a:srgbClr val="C0C0C0"/>
+            </a:contourClr>
+          </a:sp3d>
+        </p:spPr>
+        <p:txBody>
+          <a:bodyPr anchor="t">
+            <a:normAutofit/>
+          </a:bodyPr>
+          <a:lstStyle>
+            <a:lvl1pPr marL="0" indent="0" algn="ctr">
+              <a:buNone/>
+              <a:defRPr sz="1600"/>
+            </a:lvl1pPr>
+            <a:lvl2pPr marL="457200" indent="0">
+              <a:buNone/>
+              <a:defRPr sz="1600"/>
+            </a:lvl2pPr>
+            <a:lvl3pPr marL="914400" indent="0">
+              <a:buNone/>
+              <a:defRPr sz="1600"/>
+            </a:lvl3pPr>
+            <a:lvl4pPr marL="1371600" indent="0">
+              <a:buNone/>
+              <a:defRPr sz="1600"/>
+            </a:lvl4pPr>
+            <a:lvl5pPr marL="1828800" indent="0">
+              <a:buNone/>
+              <a:defRPr sz="1600"/>
+            </a:lvl5pPr>
+            <a:lvl6pPr marL="2286000" indent="0">
+              <a:buNone/>
+              <a:defRPr sz="1600"/>
+            </a:lvl6pPr>
+            <a:lvl7pPr marL="2743200" indent="0">
+              <a:buNone/>
+              <a:defRPr sz="1600"/>
+            </a:lvl7pPr>
+            <a:lvl8pPr marL="3200400" indent="0">
+              <a:buNone/>
+              <a:defRPr sz="1600"/>
+            </a:lvl8pPr>
+            <a:lvl9pPr marL="3657600" indent="0">
+              <a:buNone/>
+              <a:defRPr sz="1600"/>
+            </a:lvl9pPr>
+          </a:lstStyle>
+          <a:p>
+            <a:r>
+              <a:rPr lang="en-US" smtClean="0"/>
+              <a:t>Click icon to add picture</a:t>
+            </a:r>
+            <a:endParaRPr lang="en-US" dirty="0"/>
+          </a:p>
+        </p:txBody>
+      </p:sp>
+      <p:sp>
+        <p:nvSpPr>
+          <p:cNvPr id="27" name="Text Placeholder 3"/>
+          <p:cNvSpPr>
+            <a:spLocks noGrp="1"/>
+          </p:cNvSpPr>
+          <p:nvPr>
+            <p:ph type="body" sz="half" idx="20"/>
+          </p:nvPr>
+        </p:nvSpPr>
+        <p:spPr>
+          <a:xfrm>
+            <a:off x="7973173" y="4781078"/>
+            <a:ext cx="3305053" cy="1010121"/>
+          </a:xfrm>
+        </p:spPr>
+        <p:txBody>
+          <a:bodyPr anchor="t">
+            <a:normAutofit/>
+          </a:bodyPr>
+          <a:lstStyle>
+            <a:lvl1pPr marL="0" indent="0" algn="ctr">
+              <a:buNone/>
+              <a:defRPr sz="1400"/>
+            </a:lvl1pPr>
+            <a:lvl2pPr marL="457200" indent="0">
+              <a:buNone/>
+              <a:defRPr sz="1200"/>
+            </a:lvl2pPr>
+            <a:lvl3pPr marL="914400" indent="0">
+              <a:buNone/>
+              <a:defRPr sz="1000"/>
+            </a:lvl3pPr>
+            <a:lvl4pPr marL="1371600" indent="0">
+              <a:buNone/>
+              <a:defRPr sz="900"/>
+            </a:lvl4pPr>
+            <a:lvl5pPr marL="1828800" indent="0">
+              <a:buNone/>
+              <a:defRPr sz="900"/>
+            </a:lvl5pPr>
+            <a:lvl6pPr marL="2286000" indent="0">
+              <a:buNone/>
+              <a:defRPr sz="900"/>
+            </a:lvl6pPr>
+            <a:lvl7pPr marL="2743200" indent="0">
+              <a:buNone/>
+              <a:defRPr sz="900"/>
+            </a:lvl7pPr>
+            <a:lvl8pPr marL="3200400" indent="0">
+              <a:buNone/>
+              <a:defRPr sz="900"/>
+            </a:lvl8pPr>
+            <a:lvl9pPr marL="3657600" indent="0">
+              <a:buNone/>
+              <a:defRPr sz="900"/>
+            </a:lvl9pPr>
+          </a:lstStyle>
+          <a:p>
+            <a:pPr lvl="0"/>
+            <a:r>
+              <a:rPr lang="en-US" smtClean="0"/>
+              <a:t>Click to edit Master text styles</a:t>
+            </a:r>
+          </a:p>
+        </p:txBody>
+      </p:sp>
+      <p:sp>
+        <p:nvSpPr>
+          <p:cNvPr id="3" name="Date Placeholder 2"/>
+          <p:cNvSpPr>
+            <a:spLocks noGrp="1"/>
+          </p:cNvSpPr>
+          <p:nvPr>
+            <p:ph type="dt" sz="half" idx="10"/>
+          </p:nvPr>
+        </p:nvSpPr>
+        <p:spPr/>
+        <p:txBody>
+          <a:bodyPr/>
+          <a:lstStyle/>
+          <a:p>
+            <a:fld id="{EBF6BD28-F0C9-409B-9FA9-079ADCA1D9BA}" type="datetimeFigureOut">
+              <a:rPr lang="en-GB" smtClean="0"/>
+              <a:t>01/05/2018</a:t>
+            </a:fld>
+            <a:endParaRPr lang="en-GB"/>
+          </a:p>
+        </p:txBody>
+      </p:sp>
+      <p:sp>
+        <p:nvSpPr>
+          <p:cNvPr id="4" name="Footer Placeholder 3"/>
+          <p:cNvSpPr>
+            <a:spLocks noGrp="1"/>
+          </p:cNvSpPr>
+          <p:nvPr>
+            <p:ph type="ftr" sz="quarter" idx="11"/>
+          </p:nvPr>
+        </p:nvSpPr>
+        <p:spPr/>
+        <p:txBody>
+          <a:bodyPr/>
+          <a:lstStyle/>
+          <a:p>
+            <a:endParaRPr lang="en-GB"/>
+          </a:p>
+        </p:txBody>
+      </p:sp>
+      <p:sp>
+        <p:nvSpPr>
+          <p:cNvPr id="5" name="Slide Number Placeholder 4"/>
+          <p:cNvSpPr>
+            <a:spLocks noGrp="1"/>
+          </p:cNvSpPr>
+          <p:nvPr>
+            <p:ph type="sldNum" sz="quarter" idx="12"/>
+          </p:nvPr>
+        </p:nvSpPr>
+        <p:spPr/>
+        <p:txBody>
+          <a:bodyPr/>
+          <a:lstStyle/>
+          <a:p>
+            <a:fld id="{C327A3D7-E9B9-4233-A6ED-3253844CD1A9}" type="slidenum">
+              <a:rPr lang="en-GB" smtClean="0"/>
+              <a:t>‹#›</a:t>
+            </a:fld>
+            <a:endParaRPr lang="en-GB"/>
+          </a:p>
+        </p:txBody>
+      </p:sp>
+    </p:spTree>
+    <p:extLst>
+      <p:ext uri="{BB962C8B-B14F-4D97-AF65-F5344CB8AC3E}">
+        <p14:creationId xmlns:p14="http://schemas.microsoft.com/office/powerpoint/2010/main" val="19473162"/>
+      </p:ext>
+    </p:extLst>
+  </p:cSld>
+  <p:clrMapOvr>
+    <a:masterClrMapping/>
+  </p:clrMapOvr>
+</p:sldLayout>
+</file>
+
+<file path=ppt/slideLayouts/slideLayout16.xml><?xml version="1.0" encoding="utf-8"?>
 <p:sldLayout xmlns:a="http://schemas.openxmlformats.org/drawingml/2006/main" xmlns:r="http://schemas.openxmlformats.org/officeDocument/2006/relationships" xmlns:p="http://schemas.openxmlformats.org/presentationml/2006/main" type="vertTx" preserve="1">
   <p:cSld name="Title and Vertical Text">
     <p:spTree>
@@ -335,6 +3094,36 @@
           <a:chExt cx="0" cy="0"/>
         </a:xfrm>
       </p:grpSpPr>
+      <p:pic>
+        <p:nvPicPr>
+          <p:cNvPr id="8" name="Picture 7" descr="Droplets-HD-Content-R1d.png"/>
+          <p:cNvPicPr>
+            <a:picLocks noChangeAspect="1"/>
+          </p:cNvPicPr>
+          <p:nvPr/>
+        </p:nvPicPr>
+        <p:blipFill>
+          <a:blip r:embed="rId2">
+            <a:extLst>
+              <a:ext uri="{28A0092B-C50C-407E-A947-70E740481C1C}">
+                <a14:useLocalDpi xmlns:a14="http://schemas.microsoft.com/office/drawing/2010/main" val="0"/>
+              </a:ext>
+            </a:extLst>
+          </a:blip>
+          <a:stretch>
+            <a:fillRect/>
+          </a:stretch>
+        </p:blipFill>
+        <p:spPr>
+          <a:xfrm>
+            <a:off x="0" y="0"/>
+            <a:ext cx="12192000" cy="6858000"/>
+          </a:xfrm>
+          <a:prstGeom prst="rect">
+            <a:avLst/>
+          </a:prstGeom>
+        </p:spPr>
+      </p:pic>
       <p:sp>
         <p:nvSpPr>
           <p:cNvPr id="2" name="Title 1"/>
@@ -354,21 +3143,26 @@
               <a:rPr lang="en-US" smtClean="0"/>
               <a:t>Click to edit Master title style</a:t>
             </a:r>
-            <a:endParaRPr lang="en-GB"/>
-          </a:p>
-        </p:txBody>
-      </p:sp>
-      <p:sp>
-        <p:nvSpPr>
-          <p:cNvPr id="3" name="Vertical Text Placeholder 2"/>
-          <p:cNvSpPr>
-            <a:spLocks noGrp="1"/>
-          </p:cNvSpPr>
-          <p:nvPr>
-            <p:ph type="body" orient="vert" idx="1"/>
-          </p:nvPr>
-        </p:nvSpPr>
-        <p:spPr/>
+            <a:endParaRPr lang="en-US" dirty="0"/>
+          </a:p>
+        </p:txBody>
+      </p:sp>
+      <p:sp>
+        <p:nvSpPr>
+          <p:cNvPr id="11" name="Vertical Text Placeholder 2"/>
+          <p:cNvSpPr>
+            <a:spLocks noGrp="1"/>
+          </p:cNvSpPr>
+          <p:nvPr>
+            <p:ph type="body" orient="vert" sz="quarter" idx="13"/>
+          </p:nvPr>
+        </p:nvSpPr>
+        <p:spPr>
+          <a:xfrm>
+            <a:off x="913775" y="2367093"/>
+            <a:ext cx="10364452" cy="3424107"/>
+          </a:xfrm>
+        </p:spPr>
         <p:txBody>
           <a:bodyPr vert="eaVert"/>
           <a:lstStyle/>
@@ -406,7 +3200,7 @@
               <a:rPr lang="en-US" smtClean="0"/>
               <a:t>Fifth level</a:t>
             </a:r>
-            <a:endParaRPr lang="en-GB"/>
+            <a:endParaRPr lang="en-US" dirty="0"/>
           </a:p>
         </p:txBody>
       </p:sp>
@@ -478,7 +3272,7 @@
     </p:spTree>
     <p:extLst>
       <p:ext uri="{BB962C8B-B14F-4D97-AF65-F5344CB8AC3E}">
-        <p14:creationId xmlns:p14="http://schemas.microsoft.com/office/powerpoint/2010/main" val="3747524892"/>
+        <p14:creationId xmlns:p14="http://schemas.microsoft.com/office/powerpoint/2010/main" val="49064046"/>
       </p:ext>
     </p:extLst>
   </p:cSld>
@@ -488,7 +3282,7 @@
 </p:sldLayout>
 </file>
 
-<file path=ppt/slideLayouts/slideLayout11.xml><?xml version="1.0" encoding="utf-8"?>
+<file path=ppt/slideLayouts/slideLayout17.xml><?xml version="1.0" encoding="utf-8"?>
 <p:sldLayout xmlns:a="http://schemas.openxmlformats.org/drawingml/2006/main" xmlns:r="http://schemas.openxmlformats.org/officeDocument/2006/relationships" xmlns:p="http://schemas.openxmlformats.org/presentationml/2006/main" type="vertTitleAndTx" preserve="1">
   <p:cSld name="Vertical Title and Text">
     <p:spTree>
@@ -505,6 +3299,36 @@
           <a:chExt cx="0" cy="0"/>
         </a:xfrm>
       </p:grpSpPr>
+      <p:pic>
+        <p:nvPicPr>
+          <p:cNvPr id="9" name="Picture 8" descr="Droplets-HD-Content-R1d.png"/>
+          <p:cNvPicPr>
+            <a:picLocks noChangeAspect="1"/>
+          </p:cNvPicPr>
+          <p:nvPr/>
+        </p:nvPicPr>
+        <p:blipFill>
+          <a:blip r:embed="rId2">
+            <a:extLst>
+              <a:ext uri="{28A0092B-C50C-407E-A947-70E740481C1C}">
+                <a14:useLocalDpi xmlns:a14="http://schemas.microsoft.com/office/drawing/2010/main" val="0"/>
+              </a:ext>
+            </a:extLst>
+          </a:blip>
+          <a:stretch>
+            <a:fillRect/>
+          </a:stretch>
+        </p:blipFill>
+        <p:spPr>
+          <a:xfrm>
+            <a:off x="0" y="0"/>
+            <a:ext cx="12192000" cy="6858000"/>
+          </a:xfrm>
+          <a:prstGeom prst="rect">
+            <a:avLst/>
+          </a:prstGeom>
+        </p:spPr>
+      </p:pic>
       <p:sp>
         <p:nvSpPr>
           <p:cNvPr id="2" name="Vertical Title 1"/>
@@ -517,36 +3341,40 @@
         </p:nvSpPr>
         <p:spPr>
           <a:xfrm>
-            <a:off x="8724900" y="365125"/>
-            <a:ext cx="2628900" cy="5811838"/>
+            <a:off x="8724900" y="609601"/>
+            <a:ext cx="2553326" cy="5181599"/>
           </a:xfrm>
         </p:spPr>
         <p:txBody>
           <a:bodyPr vert="eaVert"/>
-          <a:lstStyle/>
+          <a:lstStyle>
+            <a:lvl1pPr algn="l">
+              <a:defRPr/>
+            </a:lvl1pPr>
+          </a:lstStyle>
           <a:p>
             <a:r>
               <a:rPr lang="en-US" smtClean="0"/>
               <a:t>Click to edit Master title style</a:t>
             </a:r>
-            <a:endParaRPr lang="en-GB"/>
-          </a:p>
-        </p:txBody>
-      </p:sp>
-      <p:sp>
-        <p:nvSpPr>
-          <p:cNvPr id="3" name="Vertical Text Placeholder 2"/>
-          <p:cNvSpPr>
-            <a:spLocks noGrp="1"/>
-          </p:cNvSpPr>
-          <p:nvPr>
-            <p:ph type="body" orient="vert" idx="1"/>
-          </p:nvPr>
-        </p:nvSpPr>
-        <p:spPr>
-          <a:xfrm>
-            <a:off x="838200" y="365125"/>
-            <a:ext cx="7734300" cy="5811838"/>
+            <a:endParaRPr lang="en-US" dirty="0"/>
+          </a:p>
+        </p:txBody>
+      </p:sp>
+      <p:sp>
+        <p:nvSpPr>
+          <p:cNvPr id="8" name="Vertical Text Placeholder 2"/>
+          <p:cNvSpPr>
+            <a:spLocks noGrp="1"/>
+          </p:cNvSpPr>
+          <p:nvPr>
+            <p:ph type="body" orient="vert" sz="quarter" idx="13"/>
+          </p:nvPr>
+        </p:nvSpPr>
+        <p:spPr>
+          <a:xfrm>
+            <a:off x="913775" y="609601"/>
+            <a:ext cx="7658724" cy="5181599"/>
           </a:xfrm>
         </p:spPr>
         <p:txBody>
@@ -586,7 +3414,7 @@
               <a:rPr lang="en-US" smtClean="0"/>
               <a:t>Fifth level</a:t>
             </a:r>
-            <a:endParaRPr lang="en-GB"/>
+            <a:endParaRPr lang="en-US" dirty="0"/>
           </a:p>
         </p:txBody>
       </p:sp>
@@ -658,7 +3486,7 @@
     </p:spTree>
     <p:extLst>
       <p:ext uri="{BB962C8B-B14F-4D97-AF65-F5344CB8AC3E}">
-        <p14:creationId xmlns:p14="http://schemas.microsoft.com/office/powerpoint/2010/main" val="1733257891"/>
+        <p14:creationId xmlns:p14="http://schemas.microsoft.com/office/powerpoint/2010/main" val="1272553761"/>
       </p:ext>
     </p:extLst>
   </p:cSld>
@@ -685,6 +3513,36 @@
           <a:chExt cx="0" cy="0"/>
         </a:xfrm>
       </p:grpSpPr>
+      <p:pic>
+        <p:nvPicPr>
+          <p:cNvPr id="3" name="Picture 2" descr="Droplets-HD-Content-R1d.png"/>
+          <p:cNvPicPr>
+            <a:picLocks noChangeAspect="1"/>
+          </p:cNvPicPr>
+          <p:nvPr/>
+        </p:nvPicPr>
+        <p:blipFill>
+          <a:blip r:embed="rId2">
+            <a:extLst>
+              <a:ext uri="{28A0092B-C50C-407E-A947-70E740481C1C}">
+                <a14:useLocalDpi xmlns:a14="http://schemas.microsoft.com/office/drawing/2010/main" val="0"/>
+              </a:ext>
+            </a:extLst>
+          </a:blip>
+          <a:stretch>
+            <a:fillRect/>
+          </a:stretch>
+        </p:blipFill>
+        <p:spPr>
+          <a:xfrm>
+            <a:off x="0" y="0"/>
+            <a:ext cx="12192000" cy="6858000"/>
+          </a:xfrm>
+          <a:prstGeom prst="rect">
+            <a:avLst/>
+          </a:prstGeom>
+        </p:spPr>
+      </p:pic>
       <p:sp>
         <p:nvSpPr>
           <p:cNvPr id="2" name="Title 1"/>
@@ -704,21 +3562,26 @@
               <a:rPr lang="en-US" smtClean="0"/>
               <a:t>Click to edit Master title style</a:t>
             </a:r>
-            <a:endParaRPr lang="en-GB"/>
-          </a:p>
-        </p:txBody>
-      </p:sp>
-      <p:sp>
-        <p:nvSpPr>
-          <p:cNvPr id="3" name="Content Placeholder 2"/>
-          <p:cNvSpPr>
-            <a:spLocks noGrp="1"/>
-          </p:cNvSpPr>
-          <p:nvPr>
-            <p:ph idx="1"/>
-          </p:nvPr>
-        </p:nvSpPr>
-        <p:spPr/>
+            <a:endParaRPr lang="en-US" dirty="0"/>
+          </a:p>
+        </p:txBody>
+      </p:sp>
+      <p:sp>
+        <p:nvSpPr>
+          <p:cNvPr id="12" name="Content Placeholder 2"/>
+          <p:cNvSpPr>
+            <a:spLocks noGrp="1"/>
+          </p:cNvSpPr>
+          <p:nvPr>
+            <p:ph sz="quarter" idx="13"/>
+          </p:nvPr>
+        </p:nvSpPr>
+        <p:spPr>
+          <a:xfrm>
+            <a:off x="913774" y="2367092"/>
+            <a:ext cx="10363826" cy="3424107"/>
+          </a:xfrm>
+        </p:spPr>
         <p:txBody>
           <a:bodyPr/>
           <a:lstStyle/>
@@ -756,7 +3619,7 @@
               <a:rPr lang="en-US" smtClean="0"/>
               <a:t>Fifth level</a:t>
             </a:r>
-            <a:endParaRPr lang="en-GB"/>
+            <a:endParaRPr lang="en-US" dirty="0"/>
           </a:p>
         </p:txBody>
       </p:sp>
@@ -828,7 +3691,7 @@
     </p:spTree>
     <p:extLst>
       <p:ext uri="{BB962C8B-B14F-4D97-AF65-F5344CB8AC3E}">
-        <p14:creationId xmlns:p14="http://schemas.microsoft.com/office/powerpoint/2010/main" val="2736037560"/>
+        <p14:creationId xmlns:p14="http://schemas.microsoft.com/office/powerpoint/2010/main" val="2461306221"/>
       </p:ext>
     </p:extLst>
   </p:cSld>
@@ -855,6 +3718,36 @@
           <a:chExt cx="0" cy="0"/>
         </a:xfrm>
       </p:grpSpPr>
+      <p:pic>
+        <p:nvPicPr>
+          <p:cNvPr id="9" name="Picture 8" descr="Droplets-HD-Content-R1d.png"/>
+          <p:cNvPicPr>
+            <a:picLocks noChangeAspect="1"/>
+          </p:cNvPicPr>
+          <p:nvPr/>
+        </p:nvPicPr>
+        <p:blipFill>
+          <a:blip r:embed="rId2">
+            <a:extLst>
+              <a:ext uri="{28A0092B-C50C-407E-A947-70E740481C1C}">
+                <a14:useLocalDpi xmlns:a14="http://schemas.microsoft.com/office/drawing/2010/main" val="0"/>
+              </a:ext>
+            </a:extLst>
+          </a:blip>
+          <a:stretch>
+            <a:fillRect/>
+          </a:stretch>
+        </p:blipFill>
+        <p:spPr>
+          <a:xfrm>
+            <a:off x="0" y="0"/>
+            <a:ext cx="12192000" cy="6858000"/>
+          </a:xfrm>
+          <a:prstGeom prst="rect">
+            <a:avLst/>
+          </a:prstGeom>
+        </p:spPr>
+      </p:pic>
       <p:sp>
         <p:nvSpPr>
           <p:cNvPr id="2" name="Title 1"/>
@@ -867,15 +3760,17 @@
         </p:nvSpPr>
         <p:spPr>
           <a:xfrm>
-            <a:off x="831850" y="1709738"/>
-            <a:ext cx="10515600" cy="2852737"/>
-          </a:xfrm>
-        </p:spPr>
-        <p:txBody>
-          <a:bodyPr anchor="b"/>
+            <a:off x="913774" y="828563"/>
+            <a:ext cx="10351752" cy="2736819"/>
+          </a:xfrm>
+        </p:spPr>
+        <p:txBody>
+          <a:bodyPr anchor="b">
+            <a:normAutofit/>
+          </a:bodyPr>
           <a:lstStyle>
             <a:lvl1pPr>
-              <a:defRPr sz="6000"/>
+              <a:defRPr sz="4000"/>
             </a:lvl1pPr>
           </a:lstStyle>
           <a:p>
@@ -883,7 +3778,7 @@
               <a:rPr lang="en-US" smtClean="0"/>
               <a:t>Click to edit Master title style</a:t>
             </a:r>
-            <a:endParaRPr lang="en-GB"/>
+            <a:endParaRPr lang="en-US" dirty="0"/>
           </a:p>
         </p:txBody>
       </p:sp>
@@ -899,19 +3794,21 @@
         </p:nvSpPr>
         <p:spPr>
           <a:xfrm>
-            <a:off x="831850" y="4589463"/>
-            <a:ext cx="10515600" cy="1500187"/>
-          </a:xfrm>
-        </p:spPr>
-        <p:txBody>
-          <a:bodyPr/>
+            <a:off x="913774" y="3657457"/>
+            <a:ext cx="10351752" cy="1368183"/>
+          </a:xfrm>
+        </p:spPr>
+        <p:txBody>
+          <a:bodyPr>
+            <a:normAutofit/>
+          </a:bodyPr>
           <a:lstStyle>
-            <a:lvl1pPr marL="0" indent="0">
-              <a:buNone/>
-              <a:defRPr sz="2400">
+            <a:lvl1pPr marL="0" indent="0" algn="ctr">
+              <a:buNone/>
+              <a:defRPr sz="2000">
                 <a:solidFill>
-                  <a:schemeClr val="tx1">
-                    <a:tint val="75000"/>
+                  <a:schemeClr val="bg1">
+                    <a:lumMod val="50000"/>
                   </a:schemeClr>
                 </a:solidFill>
               </a:defRPr>
@@ -1074,7 +3971,7 @@
     </p:spTree>
     <p:extLst>
       <p:ext uri="{BB962C8B-B14F-4D97-AF65-F5344CB8AC3E}">
-        <p14:creationId xmlns:p14="http://schemas.microsoft.com/office/powerpoint/2010/main" val="1522731193"/>
+        <p14:creationId xmlns:p14="http://schemas.microsoft.com/office/powerpoint/2010/main" val="3940176196"/>
       </p:ext>
     </p:extLst>
   </p:cSld>
@@ -1101,9 +3998,39 @@
           <a:chExt cx="0" cy="0"/>
         </a:xfrm>
       </p:grpSpPr>
-      <p:sp>
-        <p:nvSpPr>
-          <p:cNvPr id="2" name="Title 1"/>
+      <p:pic>
+        <p:nvPicPr>
+          <p:cNvPr id="10" name="Picture 9" descr="Droplets-HD-Content-R1d.png"/>
+          <p:cNvPicPr>
+            <a:picLocks noChangeAspect="1"/>
+          </p:cNvPicPr>
+          <p:nvPr/>
+        </p:nvPicPr>
+        <p:blipFill>
+          <a:blip r:embed="rId2">
+            <a:extLst>
+              <a:ext uri="{28A0092B-C50C-407E-A947-70E740481C1C}">
+                <a14:useLocalDpi xmlns:a14="http://schemas.microsoft.com/office/drawing/2010/main" val="0"/>
+              </a:ext>
+            </a:extLst>
+          </a:blip>
+          <a:stretch>
+            <a:fillRect/>
+          </a:stretch>
+        </p:blipFill>
+        <p:spPr>
+          <a:xfrm>
+            <a:off x="0" y="0"/>
+            <a:ext cx="12192000" cy="6858000"/>
+          </a:xfrm>
+          <a:prstGeom prst="rect">
+            <a:avLst/>
+          </a:prstGeom>
+        </p:spPr>
+      </p:pic>
+      <p:sp>
+        <p:nvSpPr>
+          <p:cNvPr id="14" name="Title 1"/>
           <p:cNvSpPr>
             <a:spLocks noGrp="1"/>
           </p:cNvSpPr>
@@ -1111,7 +4038,12 @@
             <p:ph type="title"/>
           </p:nvPr>
         </p:nvSpPr>
-        <p:spPr/>
+        <p:spPr>
+          <a:xfrm>
+            <a:off x="913775" y="618517"/>
+            <a:ext cx="10364451" cy="1596177"/>
+          </a:xfrm>
+        </p:spPr>
         <p:txBody>
           <a:bodyPr/>
           <a:lstStyle/>
@@ -1120,24 +4052,24 @@
               <a:rPr lang="en-US" smtClean="0"/>
               <a:t>Click to edit Master title style</a:t>
             </a:r>
-            <a:endParaRPr lang="en-GB"/>
-          </a:p>
-        </p:txBody>
-      </p:sp>
-      <p:sp>
-        <p:nvSpPr>
-          <p:cNvPr id="3" name="Content Placeholder 2"/>
-          <p:cNvSpPr>
-            <a:spLocks noGrp="1"/>
-          </p:cNvSpPr>
-          <p:nvPr>
-            <p:ph sz="half" idx="1"/>
-          </p:nvPr>
-        </p:nvSpPr>
-        <p:spPr>
-          <a:xfrm>
-            <a:off x="838200" y="1825625"/>
-            <a:ext cx="5181600" cy="4351338"/>
+            <a:endParaRPr lang="en-US" dirty="0"/>
+          </a:p>
+        </p:txBody>
+      </p:sp>
+      <p:sp>
+        <p:nvSpPr>
+          <p:cNvPr id="12" name="Content Placeholder 2"/>
+          <p:cNvSpPr>
+            <a:spLocks noGrp="1"/>
+          </p:cNvSpPr>
+          <p:nvPr>
+            <p:ph sz="quarter" idx="13"/>
+          </p:nvPr>
+        </p:nvSpPr>
+        <p:spPr>
+          <a:xfrm>
+            <a:off x="913774" y="2367092"/>
+            <a:ext cx="5106026" cy="3424107"/>
           </a:xfrm>
         </p:spPr>
         <p:txBody>
@@ -1177,24 +4109,24 @@
               <a:rPr lang="en-US" smtClean="0"/>
               <a:t>Fifth level</a:t>
             </a:r>
-            <a:endParaRPr lang="en-GB"/>
-          </a:p>
-        </p:txBody>
-      </p:sp>
-      <p:sp>
-        <p:nvSpPr>
-          <p:cNvPr id="4" name="Content Placeholder 3"/>
-          <p:cNvSpPr>
-            <a:spLocks noGrp="1"/>
-          </p:cNvSpPr>
-          <p:nvPr>
-            <p:ph sz="half" idx="2"/>
-          </p:nvPr>
-        </p:nvSpPr>
-        <p:spPr>
-          <a:xfrm>
-            <a:off x="6172200" y="1825625"/>
-            <a:ext cx="5181600" cy="4351338"/>
+            <a:endParaRPr lang="en-US" dirty="0"/>
+          </a:p>
+        </p:txBody>
+      </p:sp>
+      <p:sp>
+        <p:nvSpPr>
+          <p:cNvPr id="13" name="Content Placeholder 3"/>
+          <p:cNvSpPr>
+            <a:spLocks noGrp="1"/>
+          </p:cNvSpPr>
+          <p:nvPr>
+            <p:ph sz="quarter" idx="14"/>
+          </p:nvPr>
+        </p:nvSpPr>
+        <p:spPr>
+          <a:xfrm>
+            <a:off x="6172200" y="2367092"/>
+            <a:ext cx="5105400" cy="3424107"/>
           </a:xfrm>
         </p:spPr>
         <p:txBody>
@@ -1234,7 +4166,7 @@
               <a:rPr lang="en-US" smtClean="0"/>
               <a:t>Fifth level</a:t>
             </a:r>
-            <a:endParaRPr lang="en-GB"/>
+            <a:endParaRPr lang="en-US" dirty="0"/>
           </a:p>
         </p:txBody>
       </p:sp>
@@ -1306,7 +4238,7 @@
     </p:spTree>
     <p:extLst>
       <p:ext uri="{BB962C8B-B14F-4D97-AF65-F5344CB8AC3E}">
-        <p14:creationId xmlns:p14="http://schemas.microsoft.com/office/powerpoint/2010/main" val="2360279482"/>
+        <p14:creationId xmlns:p14="http://schemas.microsoft.com/office/powerpoint/2010/main" val="3231777625"/>
       </p:ext>
     </p:extLst>
   </p:cSld>
@@ -1333,9 +4265,39 @@
           <a:chExt cx="0" cy="0"/>
         </a:xfrm>
       </p:grpSpPr>
-      <p:sp>
-        <p:nvSpPr>
-          <p:cNvPr id="2" name="Title 1"/>
+      <p:pic>
+        <p:nvPicPr>
+          <p:cNvPr id="15" name="Picture 14" descr="Droplets-HD-Content-R1d.png"/>
+          <p:cNvPicPr>
+            <a:picLocks noChangeAspect="1"/>
+          </p:cNvPicPr>
+          <p:nvPr/>
+        </p:nvPicPr>
+        <p:blipFill>
+          <a:blip r:embed="rId2">
+            <a:extLst>
+              <a:ext uri="{28A0092B-C50C-407E-A947-70E740481C1C}">
+                <a14:useLocalDpi xmlns:a14="http://schemas.microsoft.com/office/drawing/2010/main" val="0"/>
+              </a:ext>
+            </a:extLst>
+          </a:blip>
+          <a:stretch>
+            <a:fillRect/>
+          </a:stretch>
+        </p:blipFill>
+        <p:spPr>
+          <a:xfrm>
+            <a:off x="0" y="0"/>
+            <a:ext cx="12192000" cy="6858000"/>
+          </a:xfrm>
+          <a:prstGeom prst="rect">
+            <a:avLst/>
+          </a:prstGeom>
+        </p:spPr>
+      </p:pic>
+      <p:sp>
+        <p:nvSpPr>
+          <p:cNvPr id="14" name="Title 1"/>
           <p:cNvSpPr>
             <a:spLocks noGrp="1"/>
           </p:cNvSpPr>
@@ -1345,8 +4307,8 @@
         </p:nvSpPr>
         <p:spPr>
           <a:xfrm>
-            <a:off x="839788" y="365125"/>
-            <a:ext cx="10515600" cy="1325563"/>
+            <a:off x="913775" y="618517"/>
+            <a:ext cx="10364451" cy="1596177"/>
           </a:xfrm>
         </p:spPr>
         <p:txBody>
@@ -1357,7 +4319,7 @@
               <a:rPr lang="en-US" smtClean="0"/>
               <a:t>Click to edit Master title style</a:t>
             </a:r>
-            <a:endParaRPr lang="en-GB"/>
+            <a:endParaRPr lang="en-US" dirty="0"/>
           </a:p>
         </p:txBody>
       </p:sp>
@@ -1373,16 +4335,25 @@
         </p:nvSpPr>
         <p:spPr>
           <a:xfrm>
-            <a:off x="839788" y="1681163"/>
-            <a:ext cx="5157787" cy="823912"/>
-          </a:xfrm>
-        </p:spPr>
-        <p:txBody>
-          <a:bodyPr anchor="b"/>
+            <a:off x="1146328" y="2371018"/>
+            <a:ext cx="4873474" cy="679994"/>
+          </a:xfrm>
+        </p:spPr>
+        <p:txBody>
+          <a:bodyPr anchor="b">
+            <a:noAutofit/>
+          </a:bodyPr>
           <a:lstStyle>
             <a:lvl1pPr marL="0" indent="0">
-              <a:buNone/>
-              <a:defRPr sz="2400" b="1"/>
+              <a:lnSpc>
+                <a:spcPct val="85000"/>
+              </a:lnSpc>
+              <a:buNone/>
+              <a:defRPr sz="2600" b="0">
+                <a:solidFill>
+                  <a:schemeClr val="tx1"/>
+                </a:solidFill>
+              </a:defRPr>
             </a:lvl1pPr>
             <a:lvl2pPr marL="457200" indent="0">
               <a:buNone/>
@@ -1428,18 +4399,18 @@
       </p:sp>
       <p:sp>
         <p:nvSpPr>
-          <p:cNvPr id="4" name="Content Placeholder 3"/>
-          <p:cNvSpPr>
-            <a:spLocks noGrp="1"/>
-          </p:cNvSpPr>
-          <p:nvPr>
-            <p:ph sz="half" idx="2"/>
-          </p:nvPr>
-        </p:nvSpPr>
-        <p:spPr>
-          <a:xfrm>
-            <a:off x="839788" y="2505075"/>
-            <a:ext cx="5157787" cy="3684588"/>
+          <p:cNvPr id="12" name="Content Placeholder 3"/>
+          <p:cNvSpPr>
+            <a:spLocks noGrp="1"/>
+          </p:cNvSpPr>
+          <p:nvPr>
+            <p:ph sz="quarter" idx="13"/>
+          </p:nvPr>
+        </p:nvSpPr>
+        <p:spPr>
+          <a:xfrm>
+            <a:off x="913774" y="3051012"/>
+            <a:ext cx="5106027" cy="2740187"/>
           </a:xfrm>
         </p:spPr>
         <p:txBody>
@@ -1479,7 +4450,7 @@
               <a:rPr lang="en-US" smtClean="0"/>
               <a:t>Fifth level</a:t>
             </a:r>
-            <a:endParaRPr lang="en-GB"/>
+            <a:endParaRPr lang="en-US" dirty="0"/>
           </a:p>
         </p:txBody>
       </p:sp>
@@ -1495,16 +4466,25 @@
         </p:nvSpPr>
         <p:spPr>
           <a:xfrm>
-            <a:off x="6172200" y="1681163"/>
-            <a:ext cx="5183188" cy="823912"/>
-          </a:xfrm>
-        </p:spPr>
-        <p:txBody>
-          <a:bodyPr anchor="b"/>
+            <a:off x="6396423" y="2371018"/>
+            <a:ext cx="4881804" cy="679994"/>
+          </a:xfrm>
+        </p:spPr>
+        <p:txBody>
+          <a:bodyPr anchor="b">
+            <a:noAutofit/>
+          </a:bodyPr>
           <a:lstStyle>
             <a:lvl1pPr marL="0" indent="0">
-              <a:buNone/>
-              <a:defRPr sz="2400" b="1"/>
+              <a:lnSpc>
+                <a:spcPct val="85000"/>
+              </a:lnSpc>
+              <a:buNone/>
+              <a:defRPr sz="2600" b="0">
+                <a:solidFill>
+                  <a:schemeClr val="tx1"/>
+                </a:solidFill>
+              </a:defRPr>
             </a:lvl1pPr>
             <a:lvl2pPr marL="457200" indent="0">
               <a:buNone/>
@@ -1550,18 +4530,18 @@
       </p:sp>
       <p:sp>
         <p:nvSpPr>
-          <p:cNvPr id="6" name="Content Placeholder 5"/>
-          <p:cNvSpPr>
-            <a:spLocks noGrp="1"/>
-          </p:cNvSpPr>
-          <p:nvPr>
-            <p:ph sz="quarter" idx="4"/>
-          </p:nvPr>
-        </p:nvSpPr>
-        <p:spPr>
-          <a:xfrm>
-            <a:off x="6172200" y="2505075"/>
-            <a:ext cx="5183188" cy="3684588"/>
+          <p:cNvPr id="13" name="Content Placeholder 5"/>
+          <p:cNvSpPr>
+            <a:spLocks noGrp="1"/>
+          </p:cNvSpPr>
+          <p:nvPr>
+            <p:ph sz="quarter" idx="14"/>
+          </p:nvPr>
+        </p:nvSpPr>
+        <p:spPr>
+          <a:xfrm>
+            <a:off x="6172200" y="3051012"/>
+            <a:ext cx="5105401" cy="2740187"/>
           </a:xfrm>
         </p:spPr>
         <p:txBody>
@@ -1601,7 +4581,7 @@
               <a:rPr lang="en-US" smtClean="0"/>
               <a:t>Fifth level</a:t>
             </a:r>
-            <a:endParaRPr lang="en-GB"/>
+            <a:endParaRPr lang="en-US" dirty="0"/>
           </a:p>
         </p:txBody>
       </p:sp>
@@ -1673,7 +4653,7 @@
     </p:spTree>
     <p:extLst>
       <p:ext uri="{BB962C8B-B14F-4D97-AF65-F5344CB8AC3E}">
-        <p14:creationId xmlns:p14="http://schemas.microsoft.com/office/powerpoint/2010/main" val="722820178"/>
+        <p14:creationId xmlns:p14="http://schemas.microsoft.com/office/powerpoint/2010/main" val="2446758874"/>
       </p:ext>
     </p:extLst>
   </p:cSld>
@@ -1700,6 +4680,36 @@
           <a:chExt cx="0" cy="0"/>
         </a:xfrm>
       </p:grpSpPr>
+      <p:pic>
+        <p:nvPicPr>
+          <p:cNvPr id="8" name="Picture 7" descr="Droplets-HD-Content-R1d.png"/>
+          <p:cNvPicPr>
+            <a:picLocks noChangeAspect="1"/>
+          </p:cNvPicPr>
+          <p:nvPr/>
+        </p:nvPicPr>
+        <p:blipFill>
+          <a:blip r:embed="rId2">
+            <a:extLst>
+              <a:ext uri="{28A0092B-C50C-407E-A947-70E740481C1C}">
+                <a14:useLocalDpi xmlns:a14="http://schemas.microsoft.com/office/drawing/2010/main" val="0"/>
+              </a:ext>
+            </a:extLst>
+          </a:blip>
+          <a:stretch>
+            <a:fillRect/>
+          </a:stretch>
+        </p:blipFill>
+        <p:spPr>
+          <a:xfrm>
+            <a:off x="0" y="0"/>
+            <a:ext cx="12192000" cy="6858000"/>
+          </a:xfrm>
+          <a:prstGeom prst="rect">
+            <a:avLst/>
+          </a:prstGeom>
+        </p:spPr>
+      </p:pic>
       <p:sp>
         <p:nvSpPr>
           <p:cNvPr id="2" name="Title 1"/>
@@ -1719,7 +4729,7 @@
               <a:rPr lang="en-US" smtClean="0"/>
               <a:t>Click to edit Master title style</a:t>
             </a:r>
-            <a:endParaRPr lang="en-GB"/>
+            <a:endParaRPr lang="en-US" dirty="0"/>
           </a:p>
         </p:txBody>
       </p:sp>
@@ -1791,7 +4801,7 @@
     </p:spTree>
     <p:extLst>
       <p:ext uri="{BB962C8B-B14F-4D97-AF65-F5344CB8AC3E}">
-        <p14:creationId xmlns:p14="http://schemas.microsoft.com/office/powerpoint/2010/main" val="1811139465"/>
+        <p14:creationId xmlns:p14="http://schemas.microsoft.com/office/powerpoint/2010/main" val="2270330533"/>
       </p:ext>
     </p:extLst>
   </p:cSld>
@@ -1818,6 +4828,36 @@
           <a:chExt cx="0" cy="0"/>
         </a:xfrm>
       </p:grpSpPr>
+      <p:pic>
+        <p:nvPicPr>
+          <p:cNvPr id="7" name="Picture 6" descr="Droplets-HD-Content-R1d.png"/>
+          <p:cNvPicPr>
+            <a:picLocks noChangeAspect="1"/>
+          </p:cNvPicPr>
+          <p:nvPr/>
+        </p:nvPicPr>
+        <p:blipFill>
+          <a:blip r:embed="rId2">
+            <a:extLst>
+              <a:ext uri="{28A0092B-C50C-407E-A947-70E740481C1C}">
+                <a14:useLocalDpi xmlns:a14="http://schemas.microsoft.com/office/drawing/2010/main" val="0"/>
+              </a:ext>
+            </a:extLst>
+          </a:blip>
+          <a:stretch>
+            <a:fillRect/>
+          </a:stretch>
+        </p:blipFill>
+        <p:spPr>
+          <a:xfrm>
+            <a:off x="0" y="0"/>
+            <a:ext cx="12192000" cy="6858000"/>
+          </a:xfrm>
+          <a:prstGeom prst="rect">
+            <a:avLst/>
+          </a:prstGeom>
+        </p:spPr>
+      </p:pic>
       <p:sp>
         <p:nvSpPr>
           <p:cNvPr id="2" name="Date Placeholder 1"/>
@@ -1886,7 +4926,7 @@
     </p:spTree>
     <p:extLst>
       <p:ext uri="{BB962C8B-B14F-4D97-AF65-F5344CB8AC3E}">
-        <p14:creationId xmlns:p14="http://schemas.microsoft.com/office/powerpoint/2010/main" val="636630885"/>
+        <p14:creationId xmlns:p14="http://schemas.microsoft.com/office/powerpoint/2010/main" val="4079268231"/>
       </p:ext>
     </p:extLst>
   </p:cSld>
@@ -1913,6 +4953,36 @@
           <a:chExt cx="0" cy="0"/>
         </a:xfrm>
       </p:grpSpPr>
+      <p:pic>
+        <p:nvPicPr>
+          <p:cNvPr id="11" name="Picture 10" descr="Droplets-HD-Content-R1d.png"/>
+          <p:cNvPicPr>
+            <a:picLocks noChangeAspect="1"/>
+          </p:cNvPicPr>
+          <p:nvPr/>
+        </p:nvPicPr>
+        <p:blipFill>
+          <a:blip r:embed="rId2">
+            <a:extLst>
+              <a:ext uri="{28A0092B-C50C-407E-A947-70E740481C1C}">
+                <a14:useLocalDpi xmlns:a14="http://schemas.microsoft.com/office/drawing/2010/main" val="0"/>
+              </a:ext>
+            </a:extLst>
+          </a:blip>
+          <a:stretch>
+            <a:fillRect/>
+          </a:stretch>
+        </p:blipFill>
+        <p:spPr>
+          <a:xfrm>
+            <a:off x="0" y="0"/>
+            <a:ext cx="12192000" cy="6858000"/>
+          </a:xfrm>
+          <a:prstGeom prst="rect">
+            <a:avLst/>
+          </a:prstGeom>
+        </p:spPr>
+      </p:pic>
       <p:sp>
         <p:nvSpPr>
           <p:cNvPr id="2" name="Title 1"/>
@@ -1925,14 +4995,14 @@
         </p:nvSpPr>
         <p:spPr>
           <a:xfrm>
-            <a:off x="839788" y="457200"/>
-            <a:ext cx="3932237" cy="1600200"/>
+            <a:off x="913775" y="609600"/>
+            <a:ext cx="3935688" cy="2023252"/>
           </a:xfrm>
         </p:spPr>
         <p:txBody>
           <a:bodyPr anchor="b"/>
           <a:lstStyle>
-            <a:lvl1pPr>
+            <a:lvl1pPr algn="ctr">
               <a:defRPr sz="3200"/>
             </a:lvl1pPr>
           </a:lstStyle>
@@ -1941,115 +5011,87 @@
               <a:rPr lang="en-US" smtClean="0"/>
               <a:t>Click to edit Master title style</a:t>
             </a:r>
-            <a:endParaRPr lang="en-GB"/>
-          </a:p>
-        </p:txBody>
-      </p:sp>
-      <p:sp>
-        <p:nvSpPr>
-          <p:cNvPr id="3" name="Content Placeholder 2"/>
-          <p:cNvSpPr>
-            <a:spLocks noGrp="1"/>
-          </p:cNvSpPr>
-          <p:nvPr>
-            <p:ph idx="1"/>
-          </p:nvPr>
-        </p:nvSpPr>
-        <p:spPr>
-          <a:xfrm>
-            <a:off x="5183188" y="987425"/>
-            <a:ext cx="6172200" cy="4873625"/>
+            <a:endParaRPr lang="en-US" dirty="0"/>
+          </a:p>
+        </p:txBody>
+      </p:sp>
+      <p:sp>
+        <p:nvSpPr>
+          <p:cNvPr id="10" name="Content Placeholder 2"/>
+          <p:cNvSpPr>
+            <a:spLocks noGrp="1"/>
+          </p:cNvSpPr>
+          <p:nvPr>
+            <p:ph sz="quarter" idx="13"/>
+          </p:nvPr>
+        </p:nvSpPr>
+        <p:spPr>
+          <a:xfrm>
+            <a:off x="5078062" y="609600"/>
+            <a:ext cx="6200163" cy="5181599"/>
+          </a:xfrm>
+        </p:spPr>
+        <p:txBody>
+          <a:bodyPr/>
+          <a:lstStyle/>
+          <a:p>
+            <a:pPr lvl="0"/>
+            <a:r>
+              <a:rPr lang="en-US" smtClean="0"/>
+              <a:t>Click to edit Master text styles</a:t>
+            </a:r>
+          </a:p>
+          <a:p>
+            <a:pPr lvl="1"/>
+            <a:r>
+              <a:rPr lang="en-US" smtClean="0"/>
+              <a:t>Second level</a:t>
+            </a:r>
+          </a:p>
+          <a:p>
+            <a:pPr lvl="2"/>
+            <a:r>
+              <a:rPr lang="en-US" smtClean="0"/>
+              <a:t>Third level</a:t>
+            </a:r>
+          </a:p>
+          <a:p>
+            <a:pPr lvl="3"/>
+            <a:r>
+              <a:rPr lang="en-US" smtClean="0"/>
+              <a:t>Fourth level</a:t>
+            </a:r>
+          </a:p>
+          <a:p>
+            <a:pPr lvl="4"/>
+            <a:r>
+              <a:rPr lang="en-US" smtClean="0"/>
+              <a:t>Fifth level</a:t>
+            </a:r>
+            <a:endParaRPr lang="en-US" dirty="0"/>
+          </a:p>
+        </p:txBody>
+      </p:sp>
+      <p:sp>
+        <p:nvSpPr>
+          <p:cNvPr id="4" name="Text Placeholder 3"/>
+          <p:cNvSpPr>
+            <a:spLocks noGrp="1"/>
+          </p:cNvSpPr>
+          <p:nvPr>
+            <p:ph type="body" sz="half" idx="2"/>
+          </p:nvPr>
+        </p:nvSpPr>
+        <p:spPr>
+          <a:xfrm>
+            <a:off x="913774" y="2632852"/>
+            <a:ext cx="3935689" cy="3158348"/>
           </a:xfrm>
         </p:spPr>
         <p:txBody>
           <a:bodyPr/>
           <a:lstStyle>
-            <a:lvl1pPr>
-              <a:defRPr sz="3200"/>
-            </a:lvl1pPr>
-            <a:lvl2pPr>
-              <a:defRPr sz="2800"/>
-            </a:lvl2pPr>
-            <a:lvl3pPr>
-              <a:defRPr sz="2400"/>
-            </a:lvl3pPr>
-            <a:lvl4pPr>
-              <a:defRPr sz="2000"/>
-            </a:lvl4pPr>
-            <a:lvl5pPr>
-              <a:defRPr sz="2000"/>
-            </a:lvl5pPr>
-            <a:lvl6pPr>
-              <a:defRPr sz="2000"/>
-            </a:lvl6pPr>
-            <a:lvl7pPr>
-              <a:defRPr sz="2000"/>
-            </a:lvl7pPr>
-            <a:lvl8pPr>
-              <a:defRPr sz="2000"/>
-            </a:lvl8pPr>
-            <a:lvl9pPr>
-              <a:defRPr sz="2000"/>
-            </a:lvl9pPr>
-          </a:lstStyle>
-          <a:p>
-            <a:pPr lvl="0"/>
-            <a:r>
-              <a:rPr lang="en-US" smtClean="0"/>
-              <a:t>Click to edit Master text styles</a:t>
-            </a:r>
-          </a:p>
-          <a:p>
-            <a:pPr lvl="1"/>
-            <a:r>
-              <a:rPr lang="en-US" smtClean="0"/>
-              <a:t>Second level</a:t>
-            </a:r>
-          </a:p>
-          <a:p>
-            <a:pPr lvl="2"/>
-            <a:r>
-              <a:rPr lang="en-US" smtClean="0"/>
-              <a:t>Third level</a:t>
-            </a:r>
-          </a:p>
-          <a:p>
-            <a:pPr lvl="3"/>
-            <a:r>
-              <a:rPr lang="en-US" smtClean="0"/>
-              <a:t>Fourth level</a:t>
-            </a:r>
-          </a:p>
-          <a:p>
-            <a:pPr lvl="4"/>
-            <a:r>
-              <a:rPr lang="en-US" smtClean="0"/>
-              <a:t>Fifth level</a:t>
-            </a:r>
-            <a:endParaRPr lang="en-GB"/>
-          </a:p>
-        </p:txBody>
-      </p:sp>
-      <p:sp>
-        <p:nvSpPr>
-          <p:cNvPr id="4" name="Text Placeholder 3"/>
-          <p:cNvSpPr>
-            <a:spLocks noGrp="1"/>
-          </p:cNvSpPr>
-          <p:nvPr>
-            <p:ph type="body" sz="half" idx="2"/>
-          </p:nvPr>
-        </p:nvSpPr>
-        <p:spPr>
-          <a:xfrm>
-            <a:off x="839788" y="2057400"/>
-            <a:ext cx="3932237" cy="3811588"/>
-          </a:xfrm>
-        </p:spPr>
-        <p:txBody>
-          <a:bodyPr/>
-          <a:lstStyle>
-            <a:lvl1pPr marL="0" indent="0">
+            <a:lvl1pPr marL="0" indent="0" algn="ctr">
               <a:buNone/>
               <a:defRPr sz="1600"/>
             </a:lvl1pPr>
@@ -2163,7 +5205,7 @@
     </p:spTree>
     <p:extLst>
       <p:ext uri="{BB962C8B-B14F-4D97-AF65-F5344CB8AC3E}">
-        <p14:creationId xmlns:p14="http://schemas.microsoft.com/office/powerpoint/2010/main" val="1495195287"/>
+        <p14:creationId xmlns:p14="http://schemas.microsoft.com/office/powerpoint/2010/main" val="267800420"/>
       </p:ext>
     </p:extLst>
   </p:cSld>
@@ -2190,6 +5232,36 @@
           <a:chExt cx="0" cy="0"/>
         </a:xfrm>
       </p:grpSpPr>
+      <p:pic>
+        <p:nvPicPr>
+          <p:cNvPr id="10" name="Picture 9" descr="Droplets-HD-Content-R1d.png"/>
+          <p:cNvPicPr>
+            <a:picLocks noChangeAspect="1"/>
+          </p:cNvPicPr>
+          <p:nvPr/>
+        </p:nvPicPr>
+        <p:blipFill>
+          <a:blip r:embed="rId2">
+            <a:extLst>
+              <a:ext uri="{28A0092B-C50C-407E-A947-70E740481C1C}">
+                <a14:useLocalDpi xmlns:a14="http://schemas.microsoft.com/office/drawing/2010/main" val="0"/>
+              </a:ext>
+            </a:extLst>
+          </a:blip>
+          <a:stretch>
+            <a:fillRect/>
+          </a:stretch>
+        </p:blipFill>
+        <p:spPr>
+          <a:xfrm>
+            <a:off x="0" y="0"/>
+            <a:ext cx="12192000" cy="6858000"/>
+          </a:xfrm>
+          <a:prstGeom prst="rect">
+            <a:avLst/>
+          </a:prstGeom>
+        </p:spPr>
+      </p:pic>
       <p:sp>
         <p:nvSpPr>
           <p:cNvPr id="2" name="Title 1"/>
@@ -2202,14 +5274,14 @@
         </p:nvSpPr>
         <p:spPr>
           <a:xfrm>
-            <a:off x="839788" y="457200"/>
-            <a:ext cx="3932237" cy="1600200"/>
+            <a:off x="913774" y="609600"/>
+            <a:ext cx="5934969" cy="2023254"/>
           </a:xfrm>
         </p:spPr>
         <p:txBody>
           <a:bodyPr anchor="b"/>
           <a:lstStyle>
-            <a:lvl1pPr>
+            <a:lvl1pPr algn="ctr">
               <a:defRPr sz="3200"/>
             </a:lvl1pPr>
           </a:lstStyle>
@@ -2218,7 +5290,7 @@
               <a:rPr lang="en-US" smtClean="0"/>
               <a:t>Click to edit Master title style</a:t>
             </a:r>
-            <a:endParaRPr lang="en-GB"/>
+            <a:endParaRPr lang="en-US" dirty="0"/>
           </a:p>
         </p:txBody>
       </p:sp>
@@ -2226,7 +5298,7 @@
         <p:nvSpPr>
           <p:cNvPr id="3" name="Picture Placeholder 2"/>
           <p:cNvSpPr>
-            <a:spLocks noGrp="1"/>
+            <a:spLocks noGrp="1" noChangeAspect="1"/>
           </p:cNvSpPr>
           <p:nvPr>
             <p:ph type="pic" idx="1"/>
@@ -2234,12 +5306,40 @@
         </p:nvSpPr>
         <p:spPr>
           <a:xfrm>
-            <a:off x="5183188" y="987425"/>
-            <a:ext cx="6172200" cy="4873625"/>
-          </a:xfrm>
-        </p:spPr>
-        <p:txBody>
-          <a:bodyPr/>
+            <a:off x="7424803" y="609601"/>
+            <a:ext cx="3255358" cy="5181600"/>
+          </a:xfrm>
+          <a:prstGeom prst="roundRect">
+            <a:avLst>
+              <a:gd name="adj" fmla="val 4943"/>
+            </a:avLst>
+          </a:prstGeom>
+          <a:noFill/>
+          <a:ln w="82550" cap="sq">
+            <a:solidFill>
+              <a:schemeClr val="bg2">
+                <a:lumMod val="60000"/>
+                <a:lumOff val="40000"/>
+              </a:schemeClr>
+            </a:solidFill>
+            <a:miter lim="800000"/>
+          </a:ln>
+          <a:effectLst/>
+          <a:scene3d>
+            <a:camera prst="orthographicFront"/>
+            <a:lightRig rig="threePt" dir="t">
+              <a:rot lat="0" lon="0" rev="2700000"/>
+            </a:lightRig>
+          </a:scene3d>
+          <a:sp3d contourW="6350">
+            <a:bevelT h="38100"/>
+            <a:contourClr>
+              <a:srgbClr val="C0C0C0"/>
+            </a:contourClr>
+          </a:sp3d>
+        </p:spPr>
+        <p:txBody>
+          <a:bodyPr anchor="t"/>
           <a:lstStyle>
             <a:lvl1pPr marL="0" indent="0">
               <a:buNone/>
@@ -2279,7 +5379,11 @@
             </a:lvl9pPr>
           </a:lstStyle>
           <a:p>
-            <a:endParaRPr lang="en-GB"/>
+            <a:r>
+              <a:rPr lang="en-US" smtClean="0"/>
+              <a:t>Click icon to add picture</a:t>
+            </a:r>
+            <a:endParaRPr lang="en-US" dirty="0"/>
           </a:p>
         </p:txBody>
       </p:sp>
@@ -2295,14 +5399,14 @@
         </p:nvSpPr>
         <p:spPr>
           <a:xfrm>
-            <a:off x="839788" y="2057400"/>
-            <a:ext cx="3932237" cy="3811588"/>
+            <a:off x="913794" y="2632852"/>
+            <a:ext cx="5934949" cy="3158347"/>
           </a:xfrm>
         </p:spPr>
         <p:txBody>
           <a:bodyPr/>
           <a:lstStyle>
-            <a:lvl1pPr marL="0" indent="0">
+            <a:lvl1pPr marL="0" indent="0" algn="ctr">
               <a:buNone/>
               <a:defRPr sz="1600"/>
             </a:lvl1pPr>
@@ -2416,7 +5520,7 @@
     </p:spTree>
     <p:extLst>
       <p:ext uri="{BB962C8B-B14F-4D97-AF65-F5344CB8AC3E}">
-        <p14:creationId xmlns:p14="http://schemas.microsoft.com/office/powerpoint/2010/main" val="2358625694"/>
+        <p14:creationId xmlns:p14="http://schemas.microsoft.com/office/powerpoint/2010/main" val="2213391098"/>
       </p:ext>
     </p:extLst>
   </p:cSld>
@@ -2430,8 +5534,8 @@
 <p:sldMaster xmlns:a="http://schemas.openxmlformats.org/drawingml/2006/main" xmlns:r="http://schemas.openxmlformats.org/officeDocument/2006/relationships" xmlns:p="http://schemas.openxmlformats.org/presentationml/2006/main">
   <p:cSld>
     <p:bg>
-      <p:bgRef idx="1001">
-        <a:schemeClr val="bg1"/>
+      <p:bgRef idx="1003">
+        <a:schemeClr val="bg2"/>
       </p:bgRef>
     </p:bg>
     <p:spTree>
@@ -2448,24 +5552,66 @@
           <a:chExt cx="0" cy="0"/>
         </a:xfrm>
       </p:grpSpPr>
-      <p:sp>
-        <p:nvSpPr>
-          <p:cNvPr id="2" name="Title Placeholder 1"/>
-          <p:cNvSpPr>
-            <a:spLocks noGrp="1"/>
-          </p:cNvSpPr>
-          <p:nvPr>
-            <p:ph type="title"/>
-          </p:nvPr>
-        </p:nvSpPr>
-        <p:spPr>
-          <a:xfrm>
-            <a:off x="838200" y="365125"/>
-            <a:ext cx="10515600" cy="1325563"/>
+      <p:pic>
+        <p:nvPicPr>
+          <p:cNvPr id="1026" name="Picture 2" descr="\\DROBO-FS\QuickDrops\JB\PPTX NG\Droplets\LightingOverlay.png"/>
+          <p:cNvPicPr>
+            <a:picLocks noChangeAspect="1" noChangeArrowheads="1"/>
+          </p:cNvPicPr>
+          <p:nvPr/>
+        </p:nvPicPr>
+        <p:blipFill>
+          <a:blip r:embed="rId19">
+            <a:alphaModFix amt="70000"/>
+            <a:extLst>
+              <a:ext uri="{28A0092B-C50C-407E-A947-70E740481C1C}">
+                <a14:useLocalDpi xmlns:a14="http://schemas.microsoft.com/office/drawing/2010/main" val="0"/>
+              </a:ext>
+            </a:extLst>
+          </a:blip>
+          <a:srcRect/>
+          <a:stretch>
+            <a:fillRect/>
+          </a:stretch>
+        </p:blipFill>
+        <p:spPr bwMode="auto">
+          <a:xfrm>
+            <a:off x="0" y="0"/>
+            <a:ext cx="12192003" cy="6858001"/>
           </a:xfrm>
           <a:prstGeom prst="rect">
             <a:avLst/>
           </a:prstGeom>
+          <a:noFill/>
+          <a:extLst>
+            <a:ext uri="{909E8E84-426E-40DD-AFC4-6F175D3DCCD1}">
+              <a14:hiddenFill xmlns:a14="http://schemas.microsoft.com/office/drawing/2010/main">
+                <a:solidFill>
+                  <a:srgbClr val="FFFFFF"/>
+                </a:solidFill>
+              </a14:hiddenFill>
+            </a:ext>
+          </a:extLst>
+        </p:spPr>
+      </p:pic>
+      <p:sp>
+        <p:nvSpPr>
+          <p:cNvPr id="2" name="Title Placeholder 1"/>
+          <p:cNvSpPr>
+            <a:spLocks noGrp="1"/>
+          </p:cNvSpPr>
+          <p:nvPr>
+            <p:ph type="title"/>
+          </p:nvPr>
+        </p:nvSpPr>
+        <p:spPr>
+          <a:xfrm>
+            <a:off x="913775" y="618517"/>
+            <a:ext cx="10364451" cy="1596177"/>
+          </a:xfrm>
+          <a:prstGeom prst="rect">
+            <a:avLst/>
+          </a:prstGeom>
         </p:spPr>
         <p:txBody>
           <a:bodyPr vert="horz" lIns="91440" tIns="45720" rIns="91440" bIns="45720" rtlCol="0" anchor="ctr">
@@ -2477,7 +5623,7 @@
               <a:rPr lang="en-US" smtClean="0"/>
               <a:t>Click to edit Master title style</a:t>
             </a:r>
-            <a:endParaRPr lang="en-GB"/>
+            <a:endParaRPr lang="en-US" dirty="0"/>
           </a:p>
         </p:txBody>
       </p:sp>
@@ -2493,8 +5639,8 @@
         </p:nvSpPr>
         <p:spPr>
           <a:xfrm>
-            <a:off x="838200" y="1825625"/>
-            <a:ext cx="10515600" cy="4351338"/>
+            <a:off x="913775" y="2367093"/>
+            <a:ext cx="10364452" cy="3424107"/>
           </a:xfrm>
           <a:prstGeom prst="rect">
             <a:avLst/>
@@ -2539,7 +5685,7 @@
               <a:rPr lang="en-US" smtClean="0"/>
               <a:t>Fifth level</a:t>
             </a:r>
-            <a:endParaRPr lang="en-GB"/>
+            <a:endParaRPr lang="en-US" dirty="0"/>
           </a:p>
         </p:txBody>
       </p:sp>
@@ -2555,7 +5701,7 @@
         </p:nvSpPr>
         <p:spPr>
           <a:xfrm>
-            <a:off x="838200" y="6356350"/>
+            <a:off x="7678737" y="5883275"/>
             <a:ext cx="2743200" cy="365125"/>
           </a:xfrm>
           <a:prstGeom prst="rect">
@@ -2565,12 +5711,10 @@
         <p:txBody>
           <a:bodyPr vert="horz" lIns="91440" tIns="45720" rIns="91440" bIns="45720" rtlCol="0" anchor="ctr"/>
           <a:lstStyle>
-            <a:lvl1pPr algn="l">
-              <a:defRPr sz="1200">
+            <a:lvl1pPr algn="r">
+              <a:defRPr sz="1000">
                 <a:solidFill>
-                  <a:schemeClr val="tx1">
-                    <a:tint val="75000"/>
-                  </a:schemeClr>
+                  <a:schemeClr val="tx1"/>
                 </a:solidFill>
               </a:defRPr>
             </a:lvl1pPr>
@@ -2596,8 +5740,8 @@
         </p:nvSpPr>
         <p:spPr>
           <a:xfrm>
-            <a:off x="4038600" y="6356350"/>
-            <a:ext cx="4114800" cy="365125"/>
+            <a:off x="913774" y="5883275"/>
+            <a:ext cx="6672887" cy="365125"/>
           </a:xfrm>
           <a:prstGeom prst="rect">
             <a:avLst/>
@@ -2606,12 +5750,10 @@
         <p:txBody>
           <a:bodyPr vert="horz" lIns="91440" tIns="45720" rIns="91440" bIns="45720" rtlCol="0" anchor="ctr"/>
           <a:lstStyle>
-            <a:lvl1pPr algn="ctr">
-              <a:defRPr sz="1200">
+            <a:lvl1pPr algn="l">
+              <a:defRPr sz="1000">
                 <a:solidFill>
-                  <a:schemeClr val="tx1">
-                    <a:tint val="75000"/>
-                  </a:schemeClr>
+                  <a:schemeClr val="tx1"/>
                 </a:solidFill>
               </a:defRPr>
             </a:lvl1pPr>
@@ -2633,8 +5775,8 @@
         </p:nvSpPr>
         <p:spPr>
           <a:xfrm>
-            <a:off x="8610600" y="6356350"/>
-            <a:ext cx="2743200" cy="365125"/>
+            <a:off x="10514011" y="5883275"/>
+            <a:ext cx="764215" cy="365125"/>
           </a:xfrm>
           <a:prstGeom prst="rect">
             <a:avLst/>
@@ -2644,11 +5786,9 @@
           <a:bodyPr vert="horz" lIns="91440" tIns="45720" rIns="91440" bIns="45720" rtlCol="0" anchor="ctr"/>
           <a:lstStyle>
             <a:lvl1pPr algn="r">
-              <a:defRPr sz="1200">
+              <a:defRPr sz="1000">
                 <a:solidFill>
-                  <a:schemeClr val="tx1">
-                    <a:tint val="75000"/>
-                  </a:schemeClr>
+                  <a:schemeClr val="tx1"/>
                 </a:solidFill>
               </a:defRPr>
             </a:lvl1pPr>
@@ -2665,27 +5805,33 @@
     </p:spTree>
     <p:extLst>
       <p:ext uri="{BB962C8B-B14F-4D97-AF65-F5344CB8AC3E}">
-        <p14:creationId xmlns:p14="http://schemas.microsoft.com/office/powerpoint/2010/main" val="761265269"/>
+        <p14:creationId xmlns:p14="http://schemas.microsoft.com/office/powerpoint/2010/main" val="1201722020"/>
       </p:ext>
     </p:extLst>
   </p:cSld>
   <p:clrMap bg1="lt1" tx1="dk1" bg2="lt2" tx2="dk2" accent1="accent1" accent2="accent2" accent3="accent3" accent4="accent4" accent5="accent5" accent6="accent6" hlink="hlink" folHlink="folHlink"/>
   <p:sldLayoutIdLst>
-    <p:sldLayoutId id="2147483649" r:id="rId1"/>
-    <p:sldLayoutId id="2147483650" r:id="rId2"/>
-    <p:sldLayoutId id="2147483651" r:id="rId3"/>
-    <p:sldLayoutId id="2147483652" r:id="rId4"/>
-    <p:sldLayoutId id="2147483653" r:id="rId5"/>
-    <p:sldLayoutId id="2147483654" r:id="rId6"/>
-    <p:sldLayoutId id="2147483655" r:id="rId7"/>
-    <p:sldLayoutId id="2147483656" r:id="rId8"/>
-    <p:sldLayoutId id="2147483657" r:id="rId9"/>
-    <p:sldLayoutId id="2147483658" r:id="rId10"/>
-    <p:sldLayoutId id="2147483659" r:id="rId11"/>
+    <p:sldLayoutId id="2147483763" r:id="rId1"/>
+    <p:sldLayoutId id="2147483764" r:id="rId2"/>
+    <p:sldLayoutId id="2147483765" r:id="rId3"/>
+    <p:sldLayoutId id="2147483766" r:id="rId4"/>
+    <p:sldLayoutId id="2147483767" r:id="rId5"/>
+    <p:sldLayoutId id="2147483768" r:id="rId6"/>
+    <p:sldLayoutId id="2147483769" r:id="rId7"/>
+    <p:sldLayoutId id="2147483770" r:id="rId8"/>
+    <p:sldLayoutId id="2147483771" r:id="rId9"/>
+    <p:sldLayoutId id="2147483772" r:id="rId10"/>
+    <p:sldLayoutId id="2147483773" r:id="rId11"/>
+    <p:sldLayoutId id="2147483774" r:id="rId12"/>
+    <p:sldLayoutId id="2147483775" r:id="rId13"/>
+    <p:sldLayoutId id="2147483776" r:id="rId14"/>
+    <p:sldLayoutId id="2147483777" r:id="rId15"/>
+    <p:sldLayoutId id="2147483778" r:id="rId16"/>
+    <p:sldLayoutId id="2147483779" r:id="rId17"/>
   </p:sldLayoutIdLst>
   <p:txStyles>
     <p:titleStyle>
-      <a:lvl1pPr algn="l" defTabSz="914400" rtl="0" eaLnBrk="1" latinLnBrk="0" hangingPunct="1">
+      <a:lvl1pPr algn="ctr" defTabSz="914400" rtl="0" eaLnBrk="1" latinLnBrk="0" hangingPunct="1">
         <a:lnSpc>
           <a:spcPct val="90000"/>
         </a:lnSpc>
@@ -2693,10 +5839,11 @@
           <a:spcPct val="0"/>
         </a:spcBef>
         <a:buNone/>
-        <a:defRPr sz="4400" kern="1200">
+        <a:defRPr sz="3600" kern="1200" cap="all" baseline="0">
           <a:solidFill>
             <a:schemeClr val="tx1"/>
           </a:solidFill>
+          <a:effectLst/>
           <a:latin typeface="+mj-lt"/>
           <a:ea typeface="+mj-ea"/>
           <a:cs typeface="+mj-cs"/>
@@ -2706,17 +5853,21 @@
     <p:bodyStyle>
       <a:lvl1pPr marL="228600" indent="-228600" algn="l" defTabSz="914400" rtl="0" eaLnBrk="1" latinLnBrk="0" hangingPunct="1">
         <a:lnSpc>
-          <a:spcPct val="90000"/>
+          <a:spcPct val="120000"/>
         </a:lnSpc>
         <a:spcBef>
           <a:spcPts val="1000"/>
         </a:spcBef>
+        <a:buClr>
+          <a:schemeClr val="tx1"/>
+        </a:buClr>
         <a:buFont typeface="Arial" panose="020B0604020202020204" pitchFamily="34" charset="0"/>
         <a:buChar char="•"/>
-        <a:defRPr sz="2800" kern="1200">
+        <a:defRPr sz="2000" kern="1200" cap="all" baseline="0">
           <a:solidFill>
             <a:schemeClr val="tx1"/>
           </a:solidFill>
+          <a:effectLst/>
           <a:latin typeface="+mn-lt"/>
           <a:ea typeface="+mn-ea"/>
           <a:cs typeface="+mn-cs"/>
@@ -2724,17 +5875,21 @@
       </a:lvl1pPr>
       <a:lvl2pPr marL="685800" indent="-228600" algn="l" defTabSz="914400" rtl="0" eaLnBrk="1" latinLnBrk="0" hangingPunct="1">
         <a:lnSpc>
-          <a:spcPct val="90000"/>
+          <a:spcPct val="120000"/>
         </a:lnSpc>
         <a:spcBef>
           <a:spcPts val="500"/>
         </a:spcBef>
+        <a:buClr>
+          <a:schemeClr val="tx1"/>
+        </a:buClr>
         <a:buFont typeface="Arial" panose="020B0604020202020204" pitchFamily="34" charset="0"/>
         <a:buChar char="•"/>
-        <a:defRPr sz="2400" kern="1200">
+        <a:defRPr sz="1800" kern="1200" cap="all" baseline="0">
           <a:solidFill>
             <a:schemeClr val="tx1"/>
           </a:solidFill>
+          <a:effectLst/>
           <a:latin typeface="+mn-lt"/>
           <a:ea typeface="+mn-ea"/>
           <a:cs typeface="+mn-cs"/>
@@ -2742,17 +5897,21 @@
       </a:lvl2pPr>
       <a:lvl3pPr marL="1143000" indent="-228600" algn="l" defTabSz="914400" rtl="0" eaLnBrk="1" latinLnBrk="0" hangingPunct="1">
         <a:lnSpc>
-          <a:spcPct val="90000"/>
+          <a:spcPct val="120000"/>
         </a:lnSpc>
         <a:spcBef>
           <a:spcPts val="500"/>
         </a:spcBef>
+        <a:buClr>
+          <a:schemeClr val="tx1"/>
+        </a:buClr>
         <a:buFont typeface="Arial" panose="020B0604020202020204" pitchFamily="34" charset="0"/>
         <a:buChar char="•"/>
-        <a:defRPr sz="2000" kern="1200">
+        <a:defRPr sz="1600" kern="1200" cap="all" baseline="0">
           <a:solidFill>
             <a:schemeClr val="tx1"/>
           </a:solidFill>
+          <a:effectLst/>
           <a:latin typeface="+mn-lt"/>
           <a:ea typeface="+mn-ea"/>
           <a:cs typeface="+mn-cs"/>
@@ -2760,17 +5919,21 @@
       </a:lvl3pPr>
       <a:lvl4pPr marL="1600200" indent="-228600" algn="l" defTabSz="914400" rtl="0" eaLnBrk="1" latinLnBrk="0" hangingPunct="1">
         <a:lnSpc>
-          <a:spcPct val="90000"/>
+          <a:spcPct val="120000"/>
         </a:lnSpc>
         <a:spcBef>
           <a:spcPts val="500"/>
         </a:spcBef>
+        <a:buClr>
+          <a:schemeClr val="tx1"/>
+        </a:buClr>
         <a:buFont typeface="Arial" panose="020B0604020202020204" pitchFamily="34" charset="0"/>
         <a:buChar char="•"/>
-        <a:defRPr sz="1800" kern="1200">
+        <a:defRPr sz="1400" kern="1200" cap="all" baseline="0">
           <a:solidFill>
             <a:schemeClr val="tx1"/>
           </a:solidFill>
+          <a:effectLst/>
           <a:latin typeface="+mn-lt"/>
           <a:ea typeface="+mn-ea"/>
           <a:cs typeface="+mn-cs"/>
@@ -2778,17 +5941,21 @@
       </a:lvl4pPr>
       <a:lvl5pPr marL="2057400" indent="-228600" algn="l" defTabSz="914400" rtl="0" eaLnBrk="1" latinLnBrk="0" hangingPunct="1">
         <a:lnSpc>
-          <a:spcPct val="90000"/>
+          <a:spcPct val="120000"/>
         </a:lnSpc>
         <a:spcBef>
           <a:spcPts val="500"/>
         </a:spcBef>
+        <a:buClr>
+          <a:schemeClr val="tx1"/>
+        </a:buClr>
         <a:buFont typeface="Arial" panose="020B0604020202020204" pitchFamily="34" charset="0"/>
         <a:buChar char="•"/>
-        <a:defRPr sz="1800" kern="1200">
+        <a:defRPr sz="1400" kern="1200" cap="all" baseline="0">
           <a:solidFill>
             <a:schemeClr val="tx1"/>
           </a:solidFill>
+          <a:effectLst/>
           <a:latin typeface="+mn-lt"/>
           <a:ea typeface="+mn-ea"/>
           <a:cs typeface="+mn-cs"/>
@@ -2796,17 +5963,21 @@
       </a:lvl5pPr>
       <a:lvl6pPr marL="2514600" indent="-228600" algn="l" defTabSz="914400" rtl="0" eaLnBrk="1" latinLnBrk="0" hangingPunct="1">
         <a:lnSpc>
-          <a:spcPct val="90000"/>
+          <a:spcPct val="120000"/>
         </a:lnSpc>
         <a:spcBef>
           <a:spcPts val="500"/>
         </a:spcBef>
+        <a:buClr>
+          <a:schemeClr val="tx1"/>
+        </a:buClr>
         <a:buFont typeface="Arial" panose="020B0604020202020204" pitchFamily="34" charset="0"/>
         <a:buChar char="•"/>
-        <a:defRPr sz="1800" kern="1200">
+        <a:defRPr sz="1400" kern="1200" cap="all" baseline="0">
           <a:solidFill>
             <a:schemeClr val="tx1"/>
           </a:solidFill>
+          <a:effectLst/>
           <a:latin typeface="+mn-lt"/>
           <a:ea typeface="+mn-ea"/>
           <a:cs typeface="+mn-cs"/>
@@ -2814,17 +5985,21 @@
       </a:lvl6pPr>
       <a:lvl7pPr marL="2971800" indent="-228600" algn="l" defTabSz="914400" rtl="0" eaLnBrk="1" latinLnBrk="0" hangingPunct="1">
         <a:lnSpc>
-          <a:spcPct val="90000"/>
+          <a:spcPct val="120000"/>
         </a:lnSpc>
         <a:spcBef>
           <a:spcPts val="500"/>
         </a:spcBef>
+        <a:buClr>
+          <a:schemeClr val="tx1"/>
+        </a:buClr>
         <a:buFont typeface="Arial" panose="020B0604020202020204" pitchFamily="34" charset="0"/>
         <a:buChar char="•"/>
-        <a:defRPr sz="1800" kern="1200">
+        <a:defRPr sz="1400" kern="1200" cap="all" baseline="0">
           <a:solidFill>
             <a:schemeClr val="tx1"/>
           </a:solidFill>
+          <a:effectLst/>
           <a:latin typeface="+mn-lt"/>
           <a:ea typeface="+mn-ea"/>
           <a:cs typeface="+mn-cs"/>
@@ -2832,17 +6007,21 @@
       </a:lvl7pPr>
       <a:lvl8pPr marL="3429000" indent="-228600" algn="l" defTabSz="914400" rtl="0" eaLnBrk="1" latinLnBrk="0" hangingPunct="1">
         <a:lnSpc>
-          <a:spcPct val="90000"/>
+          <a:spcPct val="120000"/>
         </a:lnSpc>
         <a:spcBef>
           <a:spcPts val="500"/>
         </a:spcBef>
+        <a:buClr>
+          <a:schemeClr val="tx1"/>
+        </a:buClr>
         <a:buFont typeface="Arial" panose="020B0604020202020204" pitchFamily="34" charset="0"/>
         <a:buChar char="•"/>
-        <a:defRPr sz="1800" kern="1200">
+        <a:defRPr sz="1400" kern="1200" cap="all" baseline="0">
           <a:solidFill>
             <a:schemeClr val="tx1"/>
           </a:solidFill>
+          <a:effectLst/>
           <a:latin typeface="+mn-lt"/>
           <a:ea typeface="+mn-ea"/>
           <a:cs typeface="+mn-cs"/>
@@ -2850,17 +6029,21 @@
       </a:lvl8pPr>
       <a:lvl9pPr marL="3886200" indent="-228600" algn="l" defTabSz="914400" rtl="0" eaLnBrk="1" latinLnBrk="0" hangingPunct="1">
         <a:lnSpc>
-          <a:spcPct val="90000"/>
+          <a:spcPct val="120000"/>
         </a:lnSpc>
         <a:spcBef>
           <a:spcPts val="500"/>
         </a:spcBef>
+        <a:buClr>
+          <a:schemeClr val="tx1"/>
+        </a:buClr>
         <a:buFont typeface="Arial" panose="020B0604020202020204" pitchFamily="34" charset="0"/>
         <a:buChar char="•"/>
-        <a:defRPr sz="1800" kern="1200">
+        <a:defRPr sz="1400" kern="1200" cap="all" baseline="0">
           <a:solidFill>
             <a:schemeClr val="tx1"/>
           </a:solidFill>
+          <a:effectLst/>
           <a:latin typeface="+mn-lt"/>
           <a:ea typeface="+mn-ea"/>
           <a:cs typeface="+mn-cs"/>
@@ -3142,7 +6325,7 @@
           <a:p>
             <a:r>
               <a:rPr lang="en-GB" dirty="0" smtClean="0"/>
-              <a:t>Iterations from gameplay feedback</a:t>
+              <a:t>Iterations from presentation feedback</a:t>
             </a:r>
             <a:endParaRPr lang="en-GB" dirty="0"/>
           </a:p>
@@ -3155,20 +6338,67 @@
             <a:spLocks noGrp="1"/>
           </p:cNvSpPr>
           <p:nvPr>
-            <p:ph idx="1"/>
+            <p:ph sz="quarter" idx="13"/>
           </p:nvPr>
         </p:nvSpPr>
         <p:spPr/>
         <p:txBody>
-          <a:bodyPr/>
-          <a:lstStyle/>
-          <a:p>
-            <a:r>
-              <a:rPr lang="en-GB" dirty="0" smtClean="0">
+          <a:bodyPr>
+            <a:normAutofit/>
+          </a:bodyPr>
+          <a:lstStyle/>
+          <a:p>
+            <a:r>
+              <a:rPr lang="en-GB" sz="1600" dirty="0" smtClean="0">
                 <a:latin typeface="Times New Roman" panose="02020603050405020304" pitchFamily="18" charset="0"/>
                 <a:cs typeface="Times New Roman" panose="02020603050405020304" pitchFamily="18" charset="0"/>
               </a:rPr>
-              <a:t>Included main menu and other menus</a:t>
+              <a:t>Seafloor damage</a:t>
+            </a:r>
+          </a:p>
+          <a:p>
+            <a:endParaRPr lang="en-GB" sz="1600" dirty="0" smtClean="0">
+              <a:latin typeface="Times New Roman" panose="02020603050405020304" pitchFamily="18" charset="0"/>
+              <a:cs typeface="Times New Roman" panose="02020603050405020304" pitchFamily="18" charset="0"/>
+            </a:endParaRPr>
+          </a:p>
+          <a:p>
+            <a:r>
+              <a:rPr lang="en-GB" sz="1600" dirty="0" smtClean="0">
+                <a:latin typeface="Times New Roman" panose="02020603050405020304" pitchFamily="18" charset="0"/>
+                <a:cs typeface="Times New Roman" panose="02020603050405020304" pitchFamily="18" charset="0"/>
+              </a:rPr>
+              <a:t>Gameplay-testing </a:t>
+            </a:r>
+          </a:p>
+          <a:p>
+            <a:endParaRPr lang="en-GB" sz="1600" dirty="0">
+              <a:latin typeface="Times New Roman" panose="02020603050405020304" pitchFamily="18" charset="0"/>
+              <a:cs typeface="Times New Roman" panose="02020603050405020304" pitchFamily="18" charset="0"/>
+            </a:endParaRPr>
+          </a:p>
+          <a:p>
+            <a:r>
+              <a:rPr lang="en-GB" sz="1600" dirty="0" smtClean="0">
+                <a:latin typeface="Times New Roman" panose="02020603050405020304" pitchFamily="18" charset="0"/>
+                <a:cs typeface="Times New Roman" panose="02020603050405020304" pitchFamily="18" charset="0"/>
+              </a:rPr>
+              <a:t>Battleship depth charges</a:t>
+            </a:r>
+          </a:p>
+          <a:p>
+            <a:endParaRPr lang="en-GB" sz="1600" dirty="0">
+              <a:latin typeface="Times New Roman" panose="02020603050405020304" pitchFamily="18" charset="0"/>
+              <a:cs typeface="Times New Roman" panose="02020603050405020304" pitchFamily="18" charset="0"/>
+            </a:endParaRPr>
+          </a:p>
+          <a:p>
+            <a:r>
+              <a:rPr lang="en-GB" sz="1600" dirty="0" smtClean="0">
+                <a:latin typeface="Times New Roman" panose="02020603050405020304" pitchFamily="18" charset="0"/>
+                <a:cs typeface="Times New Roman" panose="02020603050405020304" pitchFamily="18" charset="0"/>
+              </a:rPr>
+              <a:t>Obstacle layers </a:t>
             </a:r>
           </a:p>
           <a:p>
@@ -3178,82 +6408,19 @@
             </a:endParaRPr>
           </a:p>
           <a:p>
-            <a:r>
-              <a:rPr lang="en-GB" dirty="0" smtClean="0">
-                <a:latin typeface="Times New Roman" panose="02020603050405020304" pitchFamily="18" charset="0"/>
-                <a:cs typeface="Times New Roman" panose="02020603050405020304" pitchFamily="18" charset="0"/>
-              </a:rPr>
-              <a:t>Included surface rocks to reduce players movement</a:t>
-            </a:r>
-          </a:p>
-          <a:p>
-            <a:endParaRPr lang="en-GB" dirty="0">
+            <a:endParaRPr lang="en-GB" dirty="0" smtClean="0">
               <a:latin typeface="Times New Roman" panose="02020603050405020304" pitchFamily="18" charset="0"/>
               <a:cs typeface="Times New Roman" panose="02020603050405020304" pitchFamily="18" charset="0"/>
             </a:endParaRPr>
           </a:p>
           <a:p>
-            <a:r>
-              <a:rPr lang="en-GB" dirty="0" smtClean="0">
-                <a:latin typeface="Times New Roman" panose="02020603050405020304" pitchFamily="18" charset="0"/>
-                <a:cs typeface="Times New Roman" panose="02020603050405020304" pitchFamily="18" charset="0"/>
-              </a:rPr>
-              <a:t>Reduced hitbox size</a:t>
-            </a:r>
-          </a:p>
-          <a:p>
-            <a:endParaRPr lang="en-GB" dirty="0">
-              <a:latin typeface="Times New Roman" panose="02020603050405020304" pitchFamily="18" charset="0"/>
-              <a:cs typeface="Times New Roman" panose="02020603050405020304" pitchFamily="18" charset="0"/>
-            </a:endParaRPr>
-          </a:p>
-          <a:p>
-            <a:r>
-              <a:rPr lang="en-GB" dirty="0" smtClean="0">
-                <a:latin typeface="Times New Roman" panose="02020603050405020304" pitchFamily="18" charset="0"/>
-                <a:cs typeface="Times New Roman" panose="02020603050405020304" pitchFamily="18" charset="0"/>
-              </a:rPr>
-              <a:t>De-cluttered text on menus </a:t>
-            </a:r>
-          </a:p>
-          <a:p>
             <a:endParaRPr lang="en-GB" dirty="0"/>
           </a:p>
-          <a:p>
-            <a:endParaRPr lang="en-GB" dirty="0" smtClean="0"/>
-          </a:p>
-          <a:p>
-            <a:endParaRPr lang="en-GB" dirty="0"/>
-          </a:p>
-          <a:p>
-            <a:endParaRPr lang="en-GB" dirty="0" smtClean="0"/>
-          </a:p>
-          <a:p>
-            <a:endParaRPr lang="en-GB" dirty="0"/>
-          </a:p>
-          <a:p>
-            <a:endParaRPr lang="en-GB" dirty="0" smtClean="0"/>
-          </a:p>
-          <a:p>
-            <a:endParaRPr lang="en-GB" dirty="0"/>
-          </a:p>
-          <a:p>
-            <a:endParaRPr lang="en-GB" dirty="0" smtClean="0"/>
-          </a:p>
-          <a:p>
-            <a:endParaRPr lang="en-GB" dirty="0"/>
-          </a:p>
-          <a:p>
-            <a:endParaRPr lang="en-GB" dirty="0"/>
-          </a:p>
-          <a:p>
-            <a:endParaRPr lang="en-GB" dirty="0"/>
-          </a:p>
-        </p:txBody>
-      </p:sp>
-      <p:sp>
-        <p:nvSpPr>
-          <p:cNvPr id="4" name="TextBox 3"/>
+        </p:txBody>
+      </p:sp>
+      <p:sp>
+        <p:nvSpPr>
+          <p:cNvPr id="8" name="TextBox 7"/>
           <p:cNvSpPr txBox="1"/>
           <p:nvPr/>
         </p:nvSpPr>
@@ -3280,10 +6447,99 @@
           </a:p>
         </p:txBody>
       </p:sp>
+      <p:pic>
+        <p:nvPicPr>
+          <p:cNvPr id="7" name="Picture 6"/>
+          <p:cNvPicPr>
+            <a:picLocks noChangeAspect="1"/>
+          </p:cNvPicPr>
+          <p:nvPr/>
+        </p:nvPicPr>
+        <p:blipFill>
+          <a:blip r:embed="rId2" cstate="print">
+            <a:extLst>
+              <a:ext uri="{28A0092B-C50C-407E-A947-70E740481C1C}">
+                <a14:useLocalDpi xmlns:a14="http://schemas.microsoft.com/office/drawing/2010/main" val="0"/>
+              </a:ext>
+            </a:extLst>
+          </a:blip>
+          <a:stretch>
+            <a:fillRect/>
+          </a:stretch>
+        </p:blipFill>
+        <p:spPr>
+          <a:xfrm flipH="1">
+            <a:off x="8954284" y="1289430"/>
+            <a:ext cx="1783714" cy="1783714"/>
+          </a:xfrm>
+          <a:prstGeom prst="rect">
+            <a:avLst/>
+          </a:prstGeom>
+        </p:spPr>
+      </p:pic>
+      <p:pic>
+        <p:nvPicPr>
+          <p:cNvPr id="9" name="Picture 8"/>
+          <p:cNvPicPr>
+            <a:picLocks noChangeAspect="1"/>
+          </p:cNvPicPr>
+          <p:nvPr/>
+        </p:nvPicPr>
+        <p:blipFill>
+          <a:blip r:embed="rId3">
+            <a:extLst>
+              <a:ext uri="{28A0092B-C50C-407E-A947-70E740481C1C}">
+                <a14:useLocalDpi xmlns:a14="http://schemas.microsoft.com/office/drawing/2010/main" val="0"/>
+              </a:ext>
+            </a:extLst>
+          </a:blip>
+          <a:stretch>
+            <a:fillRect/>
+          </a:stretch>
+        </p:blipFill>
+        <p:spPr>
+          <a:xfrm flipH="1">
+            <a:off x="6246358" y="1378330"/>
+            <a:ext cx="1914324" cy="1999405"/>
+          </a:xfrm>
+          <a:prstGeom prst="rect">
+            <a:avLst/>
+          </a:prstGeom>
+        </p:spPr>
+      </p:pic>
+      <p:pic>
+        <p:nvPicPr>
+          <p:cNvPr id="11" name="Picture 10"/>
+          <p:cNvPicPr>
+            <a:picLocks noChangeAspect="1"/>
+          </p:cNvPicPr>
+          <p:nvPr/>
+        </p:nvPicPr>
+        <p:blipFill rotWithShape="1">
+          <a:blip r:embed="rId4">
+            <a:extLst>
+              <a:ext uri="{28A0092B-C50C-407E-A947-70E740481C1C}">
+                <a14:useLocalDpi xmlns:a14="http://schemas.microsoft.com/office/drawing/2010/main" val="0"/>
+              </a:ext>
+            </a:extLst>
+          </a:blip>
+          <a:srcRect l="13894" t="10774" r="18212" b="14548"/>
+          <a:stretch/>
+        </p:blipFill>
+        <p:spPr>
+          <a:xfrm>
+            <a:off x="7103333" y="2822489"/>
+            <a:ext cx="2730501" cy="3136901"/>
+          </a:xfrm>
+          <a:prstGeom prst="rect">
+            <a:avLst/>
+          </a:prstGeom>
+        </p:spPr>
+      </p:pic>
     </p:spTree>
     <p:extLst>
       <p:ext uri="{BB962C8B-B14F-4D97-AF65-F5344CB8AC3E}">
-        <p14:creationId xmlns:p14="http://schemas.microsoft.com/office/powerpoint/2010/main" val="4030715961"/>
+        <p14:creationId xmlns:p14="http://schemas.microsoft.com/office/powerpoint/2010/main" val="3083179003"/>
       </p:ext>
     </p:extLst>
   </p:cSld>
@@ -3327,7 +6583,12 @@
             <p:ph type="title"/>
           </p:nvPr>
         </p:nvSpPr>
-        <p:spPr/>
+        <p:spPr>
+          <a:xfrm>
+            <a:off x="1222215" y="74893"/>
+            <a:ext cx="10364451" cy="1596177"/>
+          </a:xfrm>
+        </p:spPr>
         <p:txBody>
           <a:bodyPr/>
           <a:lstStyle/>
@@ -3347,7 +6608,7 @@
             <a:picLocks noGrp="1" noChangeAspect="1"/>
           </p:cNvPicPr>
           <p:nvPr>
-            <p:ph idx="1"/>
+            <p:ph sz="quarter" idx="13"/>
           </p:nvPr>
         </p:nvPicPr>
         <p:blipFill>
@@ -3722,9 +6983,10 @@
           <a:lstStyle/>
           <a:p>
             <a:r>
-              <a:rPr lang="en-GB" dirty="0"/>
-              <a:t>D</a:t>
-            </a:r>
+              <a:rPr lang="en-GB" dirty="0" smtClean="0"/>
+              <a:t>T</a:t>
+            </a:r>
+            <a:endParaRPr lang="en-GB" dirty="0"/>
           </a:p>
         </p:txBody>
       </p:sp>
@@ -3795,7 +7057,7 @@
             <a:spLocks noGrp="1"/>
           </p:cNvSpPr>
           <p:nvPr>
-            <p:ph idx="1"/>
+            <p:ph sz="quarter" idx="13"/>
           </p:nvPr>
         </p:nvSpPr>
         <p:spPr/>
@@ -3804,21 +7066,21 @@
           <a:lstStyle/>
           <a:p>
             <a:r>
-              <a:rPr lang="en-GB" dirty="0" smtClean="0">
+              <a:rPr lang="en-GB" sz="1600" dirty="0" smtClean="0">
                 <a:latin typeface="Times New Roman" panose="02020603050405020304" pitchFamily="18" charset="0"/>
                 <a:cs typeface="Times New Roman" panose="02020603050405020304" pitchFamily="18" charset="0"/>
               </a:rPr>
               <a:t>Multiple </a:t>
             </a:r>
             <a:r>
-              <a:rPr lang="en-GB" dirty="0">
+              <a:rPr lang="en-GB" sz="1600" dirty="0">
                 <a:latin typeface="Times New Roman" panose="02020603050405020304" pitchFamily="18" charset="0"/>
                 <a:cs typeface="Times New Roman" panose="02020603050405020304" pitchFamily="18" charset="0"/>
               </a:rPr>
               <a:t>s</a:t>
             </a:r>
             <a:r>
-              <a:rPr lang="en-GB" dirty="0" smtClean="0">
+              <a:rPr lang="en-GB" sz="1600" dirty="0" smtClean="0">
                 <a:latin typeface="Times New Roman" panose="02020603050405020304" pitchFamily="18" charset="0"/>
                 <a:cs typeface="Times New Roman" panose="02020603050405020304" pitchFamily="18" charset="0"/>
               </a:rPr>
@@ -3826,14 +7088,14 @@
             </a:r>
           </a:p>
           <a:p>
-            <a:endParaRPr lang="en-GB" dirty="0" smtClean="0">
+            <a:endParaRPr lang="en-GB" sz="1600" dirty="0" smtClean="0">
               <a:latin typeface="Times New Roman" panose="02020603050405020304" pitchFamily="18" charset="0"/>
               <a:cs typeface="Times New Roman" panose="02020603050405020304" pitchFamily="18" charset="0"/>
             </a:endParaRPr>
           </a:p>
           <a:p>
             <a:r>
-              <a:rPr lang="en-GB" dirty="0" smtClean="0">
+              <a:rPr lang="en-GB" sz="1600" dirty="0" smtClean="0">
                 <a:latin typeface="Times New Roman" panose="02020603050405020304" pitchFamily="18" charset="0"/>
                 <a:cs typeface="Times New Roman" panose="02020603050405020304" pitchFamily="18" charset="0"/>
               </a:rPr>
@@ -3844,32 +7106,32 @@
             <a:pPr marL="0" indent="0">
               <a:buNone/>
             </a:pPr>
+            <a:endParaRPr lang="en-GB" sz="1600" dirty="0">
+              <a:latin typeface="Times New Roman" panose="02020603050405020304" pitchFamily="18" charset="0"/>
+              <a:cs typeface="Times New Roman" panose="02020603050405020304" pitchFamily="18" charset="0"/>
+            </a:endParaRPr>
+          </a:p>
+          <a:p>
+            <a:r>
+              <a:rPr lang="en-GB" sz="1600" dirty="0" smtClean="0">
+                <a:latin typeface="Times New Roman" panose="02020603050405020304" pitchFamily="18" charset="0"/>
+                <a:cs typeface="Times New Roman" panose="02020603050405020304" pitchFamily="18" charset="0"/>
+              </a:rPr>
+              <a:t>Several menu screens</a:t>
+            </a:r>
+          </a:p>
+          <a:p>
             <a:endParaRPr lang="en-GB" dirty="0">
               <a:latin typeface="Times New Roman" panose="02020603050405020304" pitchFamily="18" charset="0"/>
               <a:cs typeface="Times New Roman" panose="02020603050405020304" pitchFamily="18" charset="0"/>
             </a:endParaRPr>
           </a:p>
           <a:p>
-            <a:r>
-              <a:rPr lang="en-GB" dirty="0" smtClean="0">
-                <a:latin typeface="Times New Roman" panose="02020603050405020304" pitchFamily="18" charset="0"/>
-                <a:cs typeface="Times New Roman" panose="02020603050405020304" pitchFamily="18" charset="0"/>
-              </a:rPr>
-              <a:t>Several menu screens</a:t>
-            </a:r>
-          </a:p>
-          <a:p>
             <a:endParaRPr lang="en-GB" dirty="0">
               <a:latin typeface="Times New Roman" panose="02020603050405020304" pitchFamily="18" charset="0"/>
               <a:cs typeface="Times New Roman" panose="02020603050405020304" pitchFamily="18" charset="0"/>
             </a:endParaRPr>
           </a:p>
-          <a:p>
-            <a:endParaRPr lang="en-GB" dirty="0">
-              <a:latin typeface="Times New Roman" panose="02020603050405020304" pitchFamily="18" charset="0"/>
-              <a:cs typeface="Times New Roman" panose="02020603050405020304" pitchFamily="18" charset="0"/>
-            </a:endParaRPr>
-          </a:p>
         </p:txBody>
       </p:sp>
       <p:sp>
@@ -3896,8 +7158,9 @@
           <a:p>
             <a:r>
               <a:rPr lang="en-GB" dirty="0"/>
-              <a:t>D</a:t>
-            </a:r>
+              <a:t>Q</a:t>
+            </a:r>
+            <a:endParaRPr lang="en-GB" dirty="0"/>
           </a:p>
         </p:txBody>
       </p:sp>
@@ -3968,13 +7231,13 @@
             <a:spLocks noGrp="1"/>
           </p:cNvSpPr>
           <p:nvPr>
-            <p:ph idx="1"/>
+            <p:ph sz="quarter" idx="13"/>
           </p:nvPr>
         </p:nvSpPr>
         <p:spPr/>
         <p:txBody>
           <a:bodyPr>
-            <a:normAutofit lnSpcReduction="10000"/>
+            <a:normAutofit fontScale="77500" lnSpcReduction="20000"/>
           </a:bodyPr>
           <a:lstStyle/>
           <a:p>
@@ -4076,8 +7339,9 @@
           <a:p>
             <a:r>
               <a:rPr lang="en-GB" dirty="0"/>
-              <a:t>D</a:t>
-            </a:r>
+              <a:t>T</a:t>
+            </a:r>
+            <a:endParaRPr lang="en-GB" dirty="0"/>
           </a:p>
         </p:txBody>
       </p:sp>
@@ -4147,7 +7411,7 @@
             <a:spLocks noGrp="1"/>
           </p:cNvSpPr>
           <p:nvPr>
-            <p:ph idx="1"/>
+            <p:ph sz="quarter" idx="13"/>
           </p:nvPr>
         </p:nvSpPr>
         <p:spPr>
@@ -4158,19 +7422,19 @@
         </p:spPr>
         <p:txBody>
           <a:bodyPr>
-            <a:normAutofit lnSpcReduction="10000"/>
+            <a:noAutofit/>
           </a:bodyPr>
           <a:lstStyle/>
           <a:p>
             <a:r>
-              <a:rPr lang="en-GB" sz="2000" dirty="0" err="1" smtClean="0">
+              <a:rPr lang="en-GB" sz="1600" dirty="0" err="1" smtClean="0">
                 <a:latin typeface="Times New Roman" panose="02020603050405020304" pitchFamily="18" charset="0"/>
                 <a:cs typeface="Times New Roman" panose="02020603050405020304" pitchFamily="18" charset="0"/>
               </a:rPr>
               <a:t>Callam</a:t>
             </a:r>
             <a:r>
-              <a:rPr lang="en-GB" sz="2000" dirty="0" smtClean="0">
+              <a:rPr lang="en-GB" sz="1600" dirty="0" smtClean="0">
                 <a:latin typeface="Times New Roman" panose="02020603050405020304" pitchFamily="18" charset="0"/>
                 <a:cs typeface="Times New Roman" panose="02020603050405020304" pitchFamily="18" charset="0"/>
               </a:rPr>
@@ -4179,14 +7443,14 @@
           </a:p>
           <a:p>
             <a:r>
-              <a:rPr lang="en-GB" sz="2000" dirty="0" err="1" smtClean="0">
+              <a:rPr lang="en-GB" sz="1600" dirty="0" err="1" smtClean="0">
                 <a:latin typeface="Times New Roman" panose="02020603050405020304" pitchFamily="18" charset="0"/>
                 <a:cs typeface="Times New Roman" panose="02020603050405020304" pitchFamily="18" charset="0"/>
               </a:rPr>
               <a:t>Quwaine</a:t>
             </a:r>
             <a:r>
-              <a:rPr lang="en-GB" sz="2000" dirty="0" smtClean="0">
+              <a:rPr lang="en-GB" sz="1600" dirty="0" smtClean="0">
                 <a:latin typeface="Times New Roman" panose="02020603050405020304" pitchFamily="18" charset="0"/>
                 <a:cs typeface="Times New Roman" panose="02020603050405020304" pitchFamily="18" charset="0"/>
               </a:rPr>
@@ -4195,7 +7459,7 @@
           </a:p>
           <a:p>
             <a:r>
-              <a:rPr lang="en-GB" sz="2000" dirty="0" smtClean="0">
+              <a:rPr lang="en-GB" sz="1600" dirty="0" smtClean="0">
                 <a:latin typeface="Times New Roman" panose="02020603050405020304" pitchFamily="18" charset="0"/>
                 <a:cs typeface="Times New Roman" panose="02020603050405020304" pitchFamily="18" charset="0"/>
               </a:rPr>
@@ -4204,7 +7468,7 @@
           </a:p>
           <a:p>
             <a:r>
-              <a:rPr lang="en-GB" sz="2000" dirty="0" smtClean="0">
+              <a:rPr lang="en-GB" sz="1600" dirty="0" smtClean="0">
                 <a:latin typeface="Times New Roman" panose="02020603050405020304" pitchFamily="18" charset="0"/>
                 <a:cs typeface="Times New Roman" panose="02020603050405020304" pitchFamily="18" charset="0"/>
               </a:rPr>
@@ -4212,20 +7476,20 @@
             </a:r>
           </a:p>
           <a:p>
-            <a:endParaRPr lang="en-GB" sz="2000" dirty="0">
+            <a:endParaRPr lang="en-GB" sz="1600" dirty="0">
               <a:latin typeface="Times New Roman" panose="02020603050405020304" pitchFamily="18" charset="0"/>
               <a:cs typeface="Times New Roman" panose="02020603050405020304" pitchFamily="18" charset="0"/>
             </a:endParaRPr>
           </a:p>
           <a:p>
             <a:r>
-              <a:rPr lang="en-GB" sz="2000" dirty="0" smtClean="0">
+              <a:rPr lang="en-GB" sz="1600" dirty="0" smtClean="0">
                 <a:latin typeface="Times New Roman" panose="02020603050405020304" pitchFamily="18" charset="0"/>
                 <a:cs typeface="Times New Roman" panose="02020603050405020304" pitchFamily="18" charset="0"/>
               </a:rPr>
               <a:t>Total: 171hrs 31m</a:t>
             </a:r>
-            <a:endParaRPr lang="en-GB" sz="2000" dirty="0">
+            <a:endParaRPr lang="en-GB" sz="1600" dirty="0">
               <a:latin typeface="Times New Roman" panose="02020603050405020304" pitchFamily="18" charset="0"/>
               <a:cs typeface="Times New Roman" panose="02020603050405020304" pitchFamily="18" charset="0"/>
             </a:endParaRPr>
@@ -4248,7 +7512,7 @@
         </p:blipFill>
         <p:spPr>
           <a:xfrm>
-            <a:off x="838200" y="1690688"/>
+            <a:off x="913775" y="1847206"/>
             <a:ext cx="6857831" cy="2031950"/>
           </a:xfrm>
           <a:prstGeom prst="rect">
@@ -4256,6 +7520,35 @@
           </a:prstGeom>
         </p:spPr>
       </p:pic>
+      <p:sp>
+        <p:nvSpPr>
+          <p:cNvPr id="5" name="TextBox 4"/>
+          <p:cNvSpPr txBox="1"/>
+          <p:nvPr/>
+        </p:nvSpPr>
+        <p:spPr>
+          <a:xfrm>
+            <a:off x="11618259" y="6293224"/>
+            <a:ext cx="322729" cy="369332"/>
+          </a:xfrm>
+          <a:prstGeom prst="rect">
+            <a:avLst/>
+          </a:prstGeom>
+          <a:noFill/>
+        </p:spPr>
+        <p:txBody>
+          <a:bodyPr wrap="square" rtlCol="0">
+            <a:spAutoFit/>
+          </a:bodyPr>
+          <a:lstStyle/>
+          <a:p>
+            <a:r>
+              <a:rPr lang="en-GB" dirty="0"/>
+              <a:t>Q</a:t>
+            </a:r>
+          </a:p>
+        </p:txBody>
+      </p:sp>
     </p:spTree>
     <p:extLst>
       <p:ext uri="{BB962C8B-B14F-4D97-AF65-F5344CB8AC3E}">
@@ -4376,13 +7669,13 @@
             <a:spLocks noGrp="1"/>
           </p:cNvSpPr>
           <p:nvPr>
-            <p:ph idx="1"/>
+            <p:ph sz="quarter" idx="13"/>
           </p:nvPr>
         </p:nvSpPr>
         <p:spPr>
           <a:xfrm>
             <a:off x="838200" y="1963271"/>
-            <a:ext cx="10515600" cy="4746810"/>
+            <a:ext cx="10332308" cy="4808232"/>
           </a:xfrm>
         </p:spPr>
         <p:txBody>
@@ -4392,7 +7685,7 @@
           <a:lstStyle/>
           <a:p>
             <a:r>
-              <a:rPr lang="en-GB" dirty="0" smtClean="0">
+              <a:rPr lang="en-GB" sz="1600" dirty="0" smtClean="0">
                 <a:latin typeface="Times New Roman" panose="02020603050405020304" pitchFamily="18" charset="0"/>
                 <a:cs typeface="Times New Roman" panose="02020603050405020304" pitchFamily="18" charset="0"/>
               </a:rPr>
@@ -4400,14 +7693,14 @@
             </a:r>
           </a:p>
           <a:p>
-            <a:endParaRPr lang="en-GB" dirty="0" smtClean="0">
+            <a:endParaRPr lang="en-GB" sz="1600" dirty="0" smtClean="0">
               <a:latin typeface="Times New Roman" panose="02020603050405020304" pitchFamily="18" charset="0"/>
               <a:cs typeface="Times New Roman" panose="02020603050405020304" pitchFamily="18" charset="0"/>
             </a:endParaRPr>
           </a:p>
           <a:p>
             <a:r>
-              <a:rPr lang="en-GB" dirty="0" smtClean="0">
+              <a:rPr lang="en-GB" sz="1600" dirty="0" smtClean="0">
                 <a:latin typeface="Times New Roman" panose="02020603050405020304" pitchFamily="18" charset="0"/>
                 <a:cs typeface="Times New Roman" panose="02020603050405020304" pitchFamily="18" charset="0"/>
               </a:rPr>
@@ -4415,14 +7708,14 @@
             </a:r>
           </a:p>
           <a:p>
-            <a:endParaRPr lang="en-GB" dirty="0" smtClean="0">
+            <a:endParaRPr lang="en-GB" sz="1600" dirty="0" smtClean="0">
               <a:latin typeface="Times New Roman" panose="02020603050405020304" pitchFamily="18" charset="0"/>
               <a:cs typeface="Times New Roman" panose="02020603050405020304" pitchFamily="18" charset="0"/>
             </a:endParaRPr>
           </a:p>
           <a:p>
             <a:r>
-              <a:rPr lang="en-GB" dirty="0" smtClean="0">
+              <a:rPr lang="en-GB" sz="1600" dirty="0" smtClean="0">
                 <a:latin typeface="Times New Roman" panose="02020603050405020304" pitchFamily="18" charset="0"/>
                 <a:cs typeface="Times New Roman" panose="02020603050405020304" pitchFamily="18" charset="0"/>
               </a:rPr>
@@ -4430,14 +7723,14 @@
             </a:r>
           </a:p>
           <a:p>
-            <a:endParaRPr lang="en-GB" dirty="0" smtClean="0">
+            <a:endParaRPr lang="en-GB" sz="1600" dirty="0" smtClean="0">
               <a:latin typeface="Times New Roman" panose="02020603050405020304" pitchFamily="18" charset="0"/>
               <a:cs typeface="Times New Roman" panose="02020603050405020304" pitchFamily="18" charset="0"/>
             </a:endParaRPr>
           </a:p>
           <a:p>
             <a:r>
-              <a:rPr lang="en-GB" dirty="0" smtClean="0">
+              <a:rPr lang="en-GB" sz="1600" dirty="0" smtClean="0">
                 <a:latin typeface="Times New Roman" panose="02020603050405020304" pitchFamily="18" charset="0"/>
                 <a:cs typeface="Times New Roman" panose="02020603050405020304" pitchFamily="18" charset="0"/>
               </a:rPr>
@@ -4445,14 +7738,14 @@
             </a:r>
           </a:p>
           <a:p>
-            <a:endParaRPr lang="en-GB" dirty="0" smtClean="0">
+            <a:endParaRPr lang="en-GB" sz="1600" dirty="0" smtClean="0">
               <a:latin typeface="Times New Roman" panose="02020603050405020304" pitchFamily="18" charset="0"/>
               <a:cs typeface="Times New Roman" panose="02020603050405020304" pitchFamily="18" charset="0"/>
             </a:endParaRPr>
           </a:p>
           <a:p>
             <a:r>
-              <a:rPr lang="en-GB" dirty="0" smtClean="0">
+              <a:rPr lang="en-GB" sz="1600" dirty="0" smtClean="0">
                 <a:latin typeface="Times New Roman" panose="02020603050405020304" pitchFamily="18" charset="0"/>
                 <a:cs typeface="Times New Roman" panose="02020603050405020304" pitchFamily="18" charset="0"/>
               </a:rPr>
@@ -4460,20 +7753,20 @@
             </a:r>
           </a:p>
           <a:p>
-            <a:endParaRPr lang="en-GB" dirty="0" smtClean="0">
+            <a:endParaRPr lang="en-GB" sz="1600" dirty="0" smtClean="0">
               <a:latin typeface="Times New Roman" panose="02020603050405020304" pitchFamily="18" charset="0"/>
               <a:cs typeface="Times New Roman" panose="02020603050405020304" pitchFamily="18" charset="0"/>
             </a:endParaRPr>
           </a:p>
           <a:p>
             <a:r>
-              <a:rPr lang="en-GB" dirty="0" smtClean="0">
+              <a:rPr lang="en-GB" sz="1600" dirty="0" smtClean="0">
                 <a:latin typeface="Times New Roman" panose="02020603050405020304" pitchFamily="18" charset="0"/>
                 <a:cs typeface="Times New Roman" panose="02020603050405020304" pitchFamily="18" charset="0"/>
               </a:rPr>
               <a:t>Same options and controls</a:t>
             </a:r>
-            <a:endParaRPr lang="en-GB" dirty="0">
+            <a:endParaRPr lang="en-GB" sz="1600" dirty="0">
               <a:latin typeface="Times New Roman" panose="02020603050405020304" pitchFamily="18" charset="0"/>
               <a:cs typeface="Times New Roman" panose="02020603050405020304" pitchFamily="18" charset="0"/>
             </a:endParaRPr>
@@ -4506,7 +7799,6 @@
               <a:rPr lang="en-GB" dirty="0"/>
               <a:t>C</a:t>
             </a:r>
-            <a:endParaRPr lang="en-GB" dirty="0"/>
           </a:p>
         </p:txBody>
       </p:sp>
@@ -4581,7 +7873,7 @@
             <a:spLocks noGrp="1"/>
           </p:cNvSpPr>
           <p:nvPr>
-            <p:ph idx="1"/>
+            <p:ph sz="quarter" idx="13"/>
           </p:nvPr>
         </p:nvSpPr>
         <p:spPr>
@@ -4592,7 +7884,7 @@
         </p:spPr>
         <p:txBody>
           <a:bodyPr>
-            <a:normAutofit/>
+            <a:normAutofit lnSpcReduction="10000"/>
           </a:bodyPr>
           <a:lstStyle/>
           <a:p>
@@ -4606,14 +7898,14 @@
               <a:buNone/>
             </a:pPr>
             <a:r>
-              <a:rPr lang="en-GB" sz="2000" dirty="0">
+              <a:rPr lang="en-GB" sz="1700" dirty="0">
                 <a:latin typeface="Times New Roman" panose="02020603050405020304" pitchFamily="18" charset="0"/>
                 <a:cs typeface="Times New Roman" panose="02020603050405020304" pitchFamily="18" charset="0"/>
               </a:rPr>
               <a:t>One More </a:t>
             </a:r>
             <a:r>
-              <a:rPr lang="en-GB" sz="2000" dirty="0" smtClean="0">
+              <a:rPr lang="en-GB" sz="1700" dirty="0" smtClean="0">
                 <a:latin typeface="Times New Roman" panose="02020603050405020304" pitchFamily="18" charset="0"/>
                 <a:cs typeface="Times New Roman" panose="02020603050405020304" pitchFamily="18" charset="0"/>
               </a:rPr>
@@ -4623,14 +7915,14 @@
           <a:p>
             <a:pPr marL="0" indent="0"/>
             <a:r>
-              <a:rPr lang="en-GB" sz="2000" dirty="0" smtClean="0">
+              <a:rPr lang="en-GB" sz="1700" dirty="0" smtClean="0">
                 <a:latin typeface="Times New Roman" panose="02020603050405020304" pitchFamily="18" charset="0"/>
                 <a:cs typeface="Times New Roman" panose="02020603050405020304" pitchFamily="18" charset="0"/>
               </a:rPr>
               <a:t>  Tap as a toggle</a:t>
             </a:r>
             <a:r>
-              <a:rPr lang="en-GB" sz="2000" dirty="0">
+              <a:rPr lang="en-GB" sz="1700" dirty="0">
                 <a:latin typeface="Times New Roman" panose="02020603050405020304" pitchFamily="18" charset="0"/>
                 <a:cs typeface="Times New Roman" panose="02020603050405020304" pitchFamily="18" charset="0"/>
               </a:rPr>
@@ -4641,7 +7933,7 @@
             <a:pPr marL="0" indent="0">
               <a:buNone/>
             </a:pPr>
-            <a:endParaRPr lang="en-GB" sz="2000" dirty="0" smtClean="0">
+            <a:endParaRPr lang="en-GB" sz="1700" dirty="0" smtClean="0">
               <a:latin typeface="Times New Roman" panose="02020603050405020304" pitchFamily="18" charset="0"/>
               <a:cs typeface="Times New Roman" panose="02020603050405020304" pitchFamily="18" charset="0"/>
             </a:endParaRPr>
@@ -4651,28 +7943,28 @@
               <a:buNone/>
             </a:pPr>
             <a:r>
-              <a:rPr lang="en-GB" sz="2000" dirty="0" err="1" smtClean="0">
+              <a:rPr lang="en-GB" sz="1700" dirty="0" err="1" smtClean="0">
                 <a:latin typeface="Times New Roman" panose="02020603050405020304" pitchFamily="18" charset="0"/>
                 <a:cs typeface="Times New Roman" panose="02020603050405020304" pitchFamily="18" charset="0"/>
               </a:rPr>
               <a:t>Badland</a:t>
             </a:r>
             <a:r>
-              <a:rPr lang="en-GB" sz="2000" dirty="0" smtClean="0">
+              <a:rPr lang="en-GB" sz="1700" dirty="0" smtClean="0">
                 <a:latin typeface="Times New Roman" panose="02020603050405020304" pitchFamily="18" charset="0"/>
                 <a:cs typeface="Times New Roman" panose="02020603050405020304" pitchFamily="18" charset="0"/>
               </a:rPr>
               <a:t> </a:t>
             </a:r>
             <a:r>
-              <a:rPr lang="en-GB" sz="2000" dirty="0">
+              <a:rPr lang="en-GB" sz="1700" dirty="0">
                 <a:latin typeface="Times New Roman" panose="02020603050405020304" pitchFamily="18" charset="0"/>
                 <a:cs typeface="Times New Roman" panose="02020603050405020304" pitchFamily="18" charset="0"/>
               </a:rPr>
               <a:t>/ 2</a:t>
             </a:r>
             <a:r>
-              <a:rPr lang="en-GB" sz="2000" dirty="0" smtClean="0">
+              <a:rPr lang="en-GB" sz="1700" dirty="0" smtClean="0">
                 <a:latin typeface="Times New Roman" panose="02020603050405020304" pitchFamily="18" charset="0"/>
                 <a:cs typeface="Times New Roman" panose="02020603050405020304" pitchFamily="18" charset="0"/>
               </a:rPr>
@@ -4682,7 +7974,7 @@
           <a:p>
             <a:pPr marL="0" indent="0"/>
             <a:r>
-              <a:rPr lang="en-GB" sz="2000" dirty="0" smtClean="0">
+              <a:rPr lang="en-GB" sz="1700" dirty="0" smtClean="0">
                 <a:latin typeface="Times New Roman" panose="02020603050405020304" pitchFamily="18" charset="0"/>
                 <a:cs typeface="Times New Roman" panose="02020603050405020304" pitchFamily="18" charset="0"/>
               </a:rPr>
@@ -4691,7 +7983,7 @@
           </a:p>
           <a:p>
             <a:pPr marL="0" indent="0"/>
-            <a:endParaRPr lang="en-GB" sz="2000" dirty="0">
+            <a:endParaRPr lang="en-GB" sz="1700" dirty="0">
               <a:latin typeface="Times New Roman" panose="02020603050405020304" pitchFamily="18" charset="0"/>
               <a:cs typeface="Times New Roman" panose="02020603050405020304" pitchFamily="18" charset="0"/>
             </a:endParaRPr>
@@ -4701,7 +7993,7 @@
               <a:buNone/>
             </a:pPr>
             <a:r>
-              <a:rPr lang="en-GB" sz="2000" dirty="0" smtClean="0">
+              <a:rPr lang="en-GB" sz="1700" dirty="0" smtClean="0">
                 <a:latin typeface="Times New Roman" panose="02020603050405020304" pitchFamily="18" charset="0"/>
                 <a:cs typeface="Times New Roman" panose="02020603050405020304" pitchFamily="18" charset="0"/>
               </a:rPr>
@@ -4711,14 +8003,14 @@
           <a:p>
             <a:pPr marL="0" indent="0"/>
             <a:r>
-              <a:rPr lang="en-GB" sz="2000" dirty="0">
+              <a:rPr lang="en-GB" sz="1700" dirty="0">
                 <a:latin typeface="Times New Roman" panose="02020603050405020304" pitchFamily="18" charset="0"/>
                 <a:cs typeface="Times New Roman" panose="02020603050405020304" pitchFamily="18" charset="0"/>
               </a:rPr>
               <a:t> </a:t>
             </a:r>
             <a:r>
-              <a:rPr lang="en-GB" sz="2000" dirty="0" smtClean="0">
+              <a:rPr lang="en-GB" sz="1700" dirty="0" smtClean="0">
                 <a:latin typeface="Times New Roman" panose="02020603050405020304" pitchFamily="18" charset="0"/>
                 <a:cs typeface="Times New Roman" panose="02020603050405020304" pitchFamily="18" charset="0"/>
               </a:rPr>
@@ -4727,7 +8019,7 @@
           </a:p>
           <a:p>
             <a:pPr marL="0" indent="0"/>
-            <a:endParaRPr lang="en-GB" sz="2000" dirty="0">
+            <a:endParaRPr lang="en-GB" sz="1700" dirty="0">
               <a:latin typeface="Times New Roman" panose="02020603050405020304" pitchFamily="18" charset="0"/>
               <a:cs typeface="Times New Roman" panose="02020603050405020304" pitchFamily="18" charset="0"/>
             </a:endParaRPr>
@@ -4737,7 +8029,7 @@
               <a:buNone/>
             </a:pPr>
             <a:r>
-              <a:rPr lang="en-GB" sz="2000" dirty="0" smtClean="0">
+              <a:rPr lang="en-GB" sz="1700" dirty="0" smtClean="0">
                 <a:latin typeface="Times New Roman" panose="02020603050405020304" pitchFamily="18" charset="0"/>
                 <a:cs typeface="Times New Roman" panose="02020603050405020304" pitchFamily="18" charset="0"/>
               </a:rPr>
@@ -4746,7 +8038,7 @@
           </a:p>
           <a:p>
             <a:r>
-              <a:rPr lang="en-GB" sz="2000" dirty="0" smtClean="0">
+              <a:rPr lang="en-GB" sz="1700" dirty="0" smtClean="0">
                 <a:latin typeface="Times New Roman" panose="02020603050405020304" pitchFamily="18" charset="0"/>
                 <a:cs typeface="Times New Roman" panose="02020603050405020304" pitchFamily="18" charset="0"/>
               </a:rPr>
@@ -4784,7 +8076,7 @@
         </p:blipFill>
         <p:spPr>
           <a:xfrm>
-            <a:off x="4930118" y="1177467"/>
+            <a:off x="5638572" y="1332706"/>
             <a:ext cx="2476656" cy="2387264"/>
           </a:xfrm>
           <a:prstGeom prst="rect">
@@ -4807,7 +8099,7 @@
         </p:blipFill>
         <p:spPr>
           <a:xfrm>
-            <a:off x="4694728" y="3743404"/>
+            <a:off x="5403182" y="3898643"/>
             <a:ext cx="2476656" cy="2443300"/>
           </a:xfrm>
           <a:prstGeom prst="rect">
@@ -4830,7 +8122,7 @@
         </p:blipFill>
         <p:spPr>
           <a:xfrm>
-            <a:off x="7703323" y="1167149"/>
+            <a:off x="8411777" y="1322388"/>
             <a:ext cx="2252923" cy="2397582"/>
           </a:xfrm>
           <a:prstGeom prst="rect">
@@ -4853,7 +8145,7 @@
         </p:blipFill>
         <p:spPr>
           <a:xfrm>
-            <a:off x="7406774" y="3755554"/>
+            <a:off x="8115228" y="3910793"/>
             <a:ext cx="3185566" cy="2351252"/>
           </a:xfrm>
           <a:prstGeom prst="rect">
@@ -4887,7 +8179,6 @@
               <a:rPr lang="en-GB" dirty="0"/>
               <a:t>T</a:t>
             </a:r>
-            <a:endParaRPr lang="en-GB" dirty="0"/>
           </a:p>
         </p:txBody>
       </p:sp>
@@ -4958,13 +8249,13 @@
             <a:spLocks noGrp="1"/>
           </p:cNvSpPr>
           <p:nvPr>
-            <p:ph idx="1"/>
+            <p:ph sz="quarter" idx="13"/>
           </p:nvPr>
         </p:nvSpPr>
         <p:spPr/>
         <p:txBody>
           <a:bodyPr>
-            <a:normAutofit lnSpcReduction="10000"/>
+            <a:normAutofit fontScale="77500" lnSpcReduction="20000"/>
           </a:bodyPr>
           <a:lstStyle/>
           <a:p>
@@ -5069,8 +8360,9 @@
           <a:p>
             <a:r>
               <a:rPr lang="en-GB" dirty="0"/>
-              <a:t>D</a:t>
-            </a:r>
+              <a:t>C</a:t>
+            </a:r>
+            <a:endParaRPr lang="en-GB" dirty="0"/>
           </a:p>
         </p:txBody>
       </p:sp>
@@ -5141,7 +8433,7 @@
             <a:spLocks noGrp="1"/>
           </p:cNvSpPr>
           <p:nvPr>
-            <p:ph idx="1"/>
+            <p:ph sz="quarter" idx="13"/>
           </p:nvPr>
         </p:nvSpPr>
         <p:spPr/>
@@ -5249,16 +8541,18 @@
             <a:spLocks noGrp="1"/>
           </p:cNvSpPr>
           <p:nvPr>
-            <p:ph idx="1"/>
+            <p:ph sz="quarter" idx="13"/>
           </p:nvPr>
         </p:nvSpPr>
         <p:spPr/>
         <p:txBody>
-          <a:bodyPr/>
-          <a:lstStyle/>
-          <a:p>
-            <a:r>
-              <a:rPr lang="en-GB" dirty="0" smtClean="0">
+          <a:bodyPr>
+            <a:normAutofit/>
+          </a:bodyPr>
+          <a:lstStyle/>
+          <a:p>
+            <a:r>
+              <a:rPr lang="en-GB" sz="1600" dirty="0" smtClean="0">
                 <a:latin typeface="Times New Roman" panose="02020603050405020304" pitchFamily="18" charset="0"/>
                 <a:cs typeface="Times New Roman" panose="02020603050405020304" pitchFamily="18" charset="0"/>
               </a:rPr>
@@ -5266,14 +8560,14 @@
             </a:r>
           </a:p>
           <a:p>
-            <a:endParaRPr lang="en-GB" dirty="0">
+            <a:endParaRPr lang="en-GB" sz="1600" dirty="0">
               <a:latin typeface="Times New Roman" panose="02020603050405020304" pitchFamily="18" charset="0"/>
               <a:cs typeface="Times New Roman" panose="02020603050405020304" pitchFamily="18" charset="0"/>
             </a:endParaRPr>
           </a:p>
           <a:p>
             <a:r>
-              <a:rPr lang="en-GB" dirty="0" smtClean="0">
+              <a:rPr lang="en-GB" sz="1600" dirty="0" smtClean="0">
                 <a:latin typeface="Times New Roman" panose="02020603050405020304" pitchFamily="18" charset="0"/>
                 <a:cs typeface="Times New Roman" panose="02020603050405020304" pitchFamily="18" charset="0"/>
               </a:rPr>
@@ -5281,14 +8575,14 @@
             </a:r>
           </a:p>
           <a:p>
-            <a:endParaRPr lang="en-GB" dirty="0">
+            <a:endParaRPr lang="en-GB" sz="1600" dirty="0">
               <a:latin typeface="Times New Roman" panose="02020603050405020304" pitchFamily="18" charset="0"/>
               <a:cs typeface="Times New Roman" panose="02020603050405020304" pitchFamily="18" charset="0"/>
             </a:endParaRPr>
           </a:p>
           <a:p>
             <a:r>
-              <a:rPr lang="en-GB" dirty="0" smtClean="0">
+              <a:rPr lang="en-GB" sz="1600" dirty="0" smtClean="0">
                 <a:latin typeface="Times New Roman" panose="02020603050405020304" pitchFamily="18" charset="0"/>
                 <a:cs typeface="Times New Roman" panose="02020603050405020304" pitchFamily="18" charset="0"/>
               </a:rPr>
@@ -5296,14 +8590,14 @@
             </a:r>
           </a:p>
           <a:p>
-            <a:endParaRPr lang="en-GB" dirty="0">
+            <a:endParaRPr lang="en-GB" sz="1600" dirty="0">
               <a:latin typeface="Times New Roman" panose="02020603050405020304" pitchFamily="18" charset="0"/>
               <a:cs typeface="Times New Roman" panose="02020603050405020304" pitchFamily="18" charset="0"/>
             </a:endParaRPr>
           </a:p>
           <a:p>
             <a:r>
-              <a:rPr lang="en-GB" dirty="0" smtClean="0">
+              <a:rPr lang="en-GB" sz="1600" dirty="0" smtClean="0">
                 <a:latin typeface="Times New Roman" panose="02020603050405020304" pitchFamily="18" charset="0"/>
                 <a:cs typeface="Times New Roman" panose="02020603050405020304" pitchFamily="18" charset="0"/>
               </a:rPr>
@@ -5395,7 +8689,7 @@
           <a:p>
             <a:r>
               <a:rPr lang="en-GB" dirty="0" smtClean="0"/>
-              <a:t>Feedback from previous presentation</a:t>
+              <a:t>Feedback from gameplay playtesting</a:t>
             </a:r>
             <a:endParaRPr lang="en-GB" dirty="0"/>
           </a:p>
@@ -5408,83 +8702,102 @@
             <a:spLocks noGrp="1"/>
           </p:cNvSpPr>
           <p:nvPr>
-            <p:ph idx="1"/>
-          </p:nvPr>
-        </p:nvSpPr>
-        <p:spPr/>
+            <p:ph sz="quarter" idx="13"/>
+          </p:nvPr>
+        </p:nvSpPr>
+        <p:spPr>
+          <a:xfrm>
+            <a:off x="838200" y="1812924"/>
+            <a:ext cx="10515600" cy="5286375"/>
+          </a:xfrm>
+        </p:spPr>
         <p:txBody>
           <a:bodyPr>
-            <a:normAutofit lnSpcReduction="10000"/>
+            <a:normAutofit/>
           </a:bodyPr>
           <a:lstStyle/>
           <a:p>
             <a:r>
-              <a:rPr lang="en-GB" dirty="0" smtClean="0">
+              <a:rPr lang="en-GB" sz="1600" dirty="0" smtClean="0">
                 <a:latin typeface="Times New Roman" panose="02020603050405020304" pitchFamily="18" charset="0"/>
                 <a:cs typeface="Times New Roman" panose="02020603050405020304" pitchFamily="18" charset="0"/>
               </a:rPr>
-              <a:t>Stop players from getting un-fair advantages</a:t>
-            </a:r>
-          </a:p>
-          <a:p>
-            <a:endParaRPr lang="en-GB" dirty="0" smtClean="0">
+              <a:t>Main Menu required to direct the player to the game.</a:t>
+            </a:r>
+          </a:p>
+          <a:p>
+            <a:endParaRPr lang="en-GB" sz="1600" dirty="0">
               <a:latin typeface="Times New Roman" panose="02020603050405020304" pitchFamily="18" charset="0"/>
               <a:cs typeface="Times New Roman" panose="02020603050405020304" pitchFamily="18" charset="0"/>
             </a:endParaRPr>
           </a:p>
           <a:p>
             <a:r>
-              <a:rPr lang="en-GB" dirty="0" smtClean="0">
+              <a:rPr lang="en-GB" sz="1600" dirty="0" smtClean="0">
                 <a:latin typeface="Times New Roman" panose="02020603050405020304" pitchFamily="18" charset="0"/>
                 <a:cs typeface="Times New Roman" panose="02020603050405020304" pitchFamily="18" charset="0"/>
               </a:rPr>
-              <a:t>Game-testing</a:t>
-            </a:r>
-          </a:p>
-          <a:p>
-            <a:endParaRPr lang="en-GB" dirty="0" smtClean="0">
+              <a:t>Players hiding below the screen.</a:t>
+            </a:r>
+          </a:p>
+          <a:p>
+            <a:endParaRPr lang="en-GB" sz="1600" dirty="0">
               <a:latin typeface="Times New Roman" panose="02020603050405020304" pitchFamily="18" charset="0"/>
               <a:cs typeface="Times New Roman" panose="02020603050405020304" pitchFamily="18" charset="0"/>
             </a:endParaRPr>
           </a:p>
           <a:p>
             <a:r>
-              <a:rPr lang="en-GB" dirty="0" smtClean="0">
+              <a:rPr lang="en-GB" sz="1600" dirty="0" smtClean="0">
                 <a:latin typeface="Times New Roman" panose="02020603050405020304" pitchFamily="18" charset="0"/>
                 <a:cs typeface="Times New Roman" panose="02020603050405020304" pitchFamily="18" charset="0"/>
               </a:rPr>
-              <a:t>Spawning obstacles </a:t>
-            </a:r>
-          </a:p>
-          <a:p>
-            <a:endParaRPr lang="en-GB" dirty="0" smtClean="0">
+              <a:t>The lack of artwork in the game</a:t>
+            </a:r>
+          </a:p>
+          <a:p>
+            <a:endParaRPr lang="en-GB" sz="1600" dirty="0">
               <a:latin typeface="Times New Roman" panose="02020603050405020304" pitchFamily="18" charset="0"/>
               <a:cs typeface="Times New Roman" panose="02020603050405020304" pitchFamily="18" charset="0"/>
             </a:endParaRPr>
           </a:p>
           <a:p>
             <a:r>
-              <a:rPr lang="en-GB" dirty="0" smtClean="0">
+              <a:rPr lang="en-GB" sz="1600" dirty="0" smtClean="0">
                 <a:latin typeface="Times New Roman" panose="02020603050405020304" pitchFamily="18" charset="0"/>
                 <a:cs typeface="Times New Roman" panose="02020603050405020304" pitchFamily="18" charset="0"/>
               </a:rPr>
-              <a:t>Layers for the obstacles</a:t>
-            </a:r>
-          </a:p>
-          <a:p>
-            <a:endParaRPr lang="en-GB" dirty="0">
+              <a:t>Hitboxes </a:t>
+            </a:r>
+            <a:r>
+              <a:rPr lang="en-GB" sz="1600" dirty="0">
+                <a:latin typeface="Times New Roman" panose="02020603050405020304" pitchFamily="18" charset="0"/>
+                <a:cs typeface="Times New Roman" panose="02020603050405020304" pitchFamily="18" charset="0"/>
+              </a:rPr>
+              <a:t>for the torpedo’s were too big</a:t>
+            </a:r>
+          </a:p>
+          <a:p>
+            <a:endParaRPr lang="en-GB" sz="1600" dirty="0">
               <a:latin typeface="Times New Roman" panose="02020603050405020304" pitchFamily="18" charset="0"/>
               <a:cs typeface="Times New Roman" panose="02020603050405020304" pitchFamily="18" charset="0"/>
             </a:endParaRPr>
           </a:p>
           <a:p>
             <a:r>
-              <a:rPr lang="en-GB" dirty="0" smtClean="0">
+              <a:rPr lang="en-GB" sz="1600" dirty="0" smtClean="0">
                 <a:latin typeface="Times New Roman" panose="02020603050405020304" pitchFamily="18" charset="0"/>
                 <a:cs typeface="Times New Roman" panose="02020603050405020304" pitchFamily="18" charset="0"/>
               </a:rPr>
-              <a:t>Battleship depth charges  </a:t>
-            </a:r>
+              <a:t>Instruction screen wording was misleading</a:t>
+            </a:r>
+            <a:endParaRPr lang="en-GB" sz="1600" dirty="0">
+              <a:latin typeface="Times New Roman" panose="02020603050405020304" pitchFamily="18" charset="0"/>
+              <a:cs typeface="Times New Roman" panose="02020603050405020304" pitchFamily="18" charset="0"/>
+            </a:endParaRPr>
+          </a:p>
+          <a:p>
+            <a:endParaRPr lang="en-GB" dirty="0"/>
           </a:p>
           <a:p>
             <a:endParaRPr lang="en-GB" dirty="0"/>
@@ -5515,15 +8828,16 @@
           <a:p>
             <a:r>
               <a:rPr lang="en-GB" dirty="0"/>
-              <a:t>D</a:t>
-            </a:r>
+              <a:t>C</a:t>
+            </a:r>
+            <a:endParaRPr lang="en-GB" dirty="0"/>
           </a:p>
         </p:txBody>
       </p:sp>
     </p:spTree>
     <p:extLst>
       <p:ext uri="{BB962C8B-B14F-4D97-AF65-F5344CB8AC3E}">
-        <p14:creationId xmlns:p14="http://schemas.microsoft.com/office/powerpoint/2010/main" val="2733759098"/>
+        <p14:creationId xmlns:p14="http://schemas.microsoft.com/office/powerpoint/2010/main" val="1792491204"/>
       </p:ext>
     </p:extLst>
   </p:cSld>
@@ -5574,7 +8888,7 @@
           <a:p>
             <a:r>
               <a:rPr lang="en-GB" dirty="0" smtClean="0"/>
-              <a:t>Iterations from presentation feedback</a:t>
+              <a:t>Iterations from gameplay feedback</a:t>
             </a:r>
             <a:endParaRPr lang="en-GB" dirty="0"/>
           </a:p>
@@ -5587,87 +8901,107 @@
             <a:spLocks noGrp="1"/>
           </p:cNvSpPr>
           <p:nvPr>
-            <p:ph idx="1"/>
+            <p:ph sz="quarter" idx="13"/>
           </p:nvPr>
         </p:nvSpPr>
         <p:spPr/>
         <p:txBody>
-          <a:bodyPr/>
-          <a:lstStyle/>
-          <a:p>
-            <a:r>
-              <a:rPr lang="en-GB" dirty="0" smtClean="0">
+          <a:bodyPr>
+            <a:normAutofit/>
+          </a:bodyPr>
+          <a:lstStyle/>
+          <a:p>
+            <a:r>
+              <a:rPr lang="en-GB" sz="1600" dirty="0" smtClean="0">
                 <a:latin typeface="Times New Roman" panose="02020603050405020304" pitchFamily="18" charset="0"/>
                 <a:cs typeface="Times New Roman" panose="02020603050405020304" pitchFamily="18" charset="0"/>
               </a:rPr>
-              <a:t>Seafloor damage</a:t>
-            </a:r>
-          </a:p>
-          <a:p>
-            <a:endParaRPr lang="en-GB" dirty="0" smtClean="0">
+              <a:t>Included main menu and other menus</a:t>
+            </a:r>
+          </a:p>
+          <a:p>
+            <a:endParaRPr lang="en-GB" sz="1600" dirty="0">
               <a:latin typeface="Times New Roman" panose="02020603050405020304" pitchFamily="18" charset="0"/>
               <a:cs typeface="Times New Roman" panose="02020603050405020304" pitchFamily="18" charset="0"/>
             </a:endParaRPr>
           </a:p>
           <a:p>
             <a:r>
-              <a:rPr lang="en-GB" dirty="0" smtClean="0">
+              <a:rPr lang="en-GB" sz="1600" dirty="0" smtClean="0">
                 <a:latin typeface="Times New Roman" panose="02020603050405020304" pitchFamily="18" charset="0"/>
                 <a:cs typeface="Times New Roman" panose="02020603050405020304" pitchFamily="18" charset="0"/>
               </a:rPr>
-              <a:t>Gameplay-testing </a:t>
-            </a:r>
-          </a:p>
-          <a:p>
-            <a:endParaRPr lang="en-GB" dirty="0">
+              <a:t>Included surface rocks to reduce players movement</a:t>
+            </a:r>
+          </a:p>
+          <a:p>
+            <a:endParaRPr lang="en-GB" sz="1600" dirty="0">
               <a:latin typeface="Times New Roman" panose="02020603050405020304" pitchFamily="18" charset="0"/>
               <a:cs typeface="Times New Roman" panose="02020603050405020304" pitchFamily="18" charset="0"/>
             </a:endParaRPr>
           </a:p>
           <a:p>
             <a:r>
-              <a:rPr lang="en-GB" dirty="0" smtClean="0">
+              <a:rPr lang="en-GB" sz="1600" dirty="0" smtClean="0">
                 <a:latin typeface="Times New Roman" panose="02020603050405020304" pitchFamily="18" charset="0"/>
                 <a:cs typeface="Times New Roman" panose="02020603050405020304" pitchFamily="18" charset="0"/>
               </a:rPr>
-              <a:t>Battleship depth charges</a:t>
-            </a:r>
-          </a:p>
-          <a:p>
-            <a:endParaRPr lang="en-GB" dirty="0">
+              <a:t>Reduced hitbox size</a:t>
+            </a:r>
+          </a:p>
+          <a:p>
+            <a:endParaRPr lang="en-GB" sz="1600" dirty="0">
               <a:latin typeface="Times New Roman" panose="02020603050405020304" pitchFamily="18" charset="0"/>
               <a:cs typeface="Times New Roman" panose="02020603050405020304" pitchFamily="18" charset="0"/>
             </a:endParaRPr>
           </a:p>
           <a:p>
             <a:r>
-              <a:rPr lang="en-GB" dirty="0" smtClean="0">
+              <a:rPr lang="en-GB" sz="1600" dirty="0" smtClean="0">
                 <a:latin typeface="Times New Roman" panose="02020603050405020304" pitchFamily="18" charset="0"/>
                 <a:cs typeface="Times New Roman" panose="02020603050405020304" pitchFamily="18" charset="0"/>
               </a:rPr>
-              <a:t>Obstacle layers </a:t>
-            </a:r>
-          </a:p>
-          <a:p>
-            <a:endParaRPr lang="en-GB" dirty="0">
-              <a:latin typeface="Times New Roman" panose="02020603050405020304" pitchFamily="18" charset="0"/>
-              <a:cs typeface="Times New Roman" panose="02020603050405020304" pitchFamily="18" charset="0"/>
-            </a:endParaRPr>
-          </a:p>
-          <a:p>
-            <a:endParaRPr lang="en-GB" dirty="0" smtClean="0">
-              <a:latin typeface="Times New Roman" panose="02020603050405020304" pitchFamily="18" charset="0"/>
-              <a:cs typeface="Times New Roman" panose="02020603050405020304" pitchFamily="18" charset="0"/>
-            </a:endParaRPr>
+              <a:t>De-cluttered text on menus </a:t>
+            </a:r>
           </a:p>
           <a:p>
             <a:endParaRPr lang="en-GB" dirty="0"/>
           </a:p>
-        </p:txBody>
-      </p:sp>
-      <p:sp>
-        <p:nvSpPr>
-          <p:cNvPr id="8" name="TextBox 7"/>
+          <a:p>
+            <a:endParaRPr lang="en-GB" dirty="0" smtClean="0"/>
+          </a:p>
+          <a:p>
+            <a:endParaRPr lang="en-GB" dirty="0"/>
+          </a:p>
+          <a:p>
+            <a:endParaRPr lang="en-GB" dirty="0" smtClean="0"/>
+          </a:p>
+          <a:p>
+            <a:endParaRPr lang="en-GB" dirty="0"/>
+          </a:p>
+          <a:p>
+            <a:endParaRPr lang="en-GB" dirty="0" smtClean="0"/>
+          </a:p>
+          <a:p>
+            <a:endParaRPr lang="en-GB" dirty="0"/>
+          </a:p>
+          <a:p>
+            <a:endParaRPr lang="en-GB" dirty="0" smtClean="0"/>
+          </a:p>
+          <a:p>
+            <a:endParaRPr lang="en-GB" dirty="0"/>
+          </a:p>
+          <a:p>
+            <a:endParaRPr lang="en-GB" dirty="0"/>
+          </a:p>
+          <a:p>
+            <a:endParaRPr lang="en-GB" dirty="0"/>
+          </a:p>
+        </p:txBody>
+      </p:sp>
+      <p:sp>
+        <p:nvSpPr>
+          <p:cNvPr id="4" name="TextBox 3"/>
           <p:cNvSpPr txBox="1"/>
           <p:nvPr/>
         </p:nvSpPr>
@@ -5689,104 +9023,16 @@
           <a:p>
             <a:r>
               <a:rPr lang="en-GB" dirty="0"/>
-              <a:t>D</a:t>
-            </a:r>
-          </a:p>
-        </p:txBody>
-      </p:sp>
-      <p:pic>
-        <p:nvPicPr>
-          <p:cNvPr id="7" name="Picture 6"/>
-          <p:cNvPicPr>
-            <a:picLocks noChangeAspect="1"/>
-          </p:cNvPicPr>
-          <p:nvPr/>
-        </p:nvPicPr>
-        <p:blipFill>
-          <a:blip r:embed="rId2" cstate="print">
-            <a:extLst>
-              <a:ext uri="{28A0092B-C50C-407E-A947-70E740481C1C}">
-                <a14:useLocalDpi xmlns:a14="http://schemas.microsoft.com/office/drawing/2010/main" val="0"/>
-              </a:ext>
-            </a:extLst>
-          </a:blip>
-          <a:stretch>
-            <a:fillRect/>
-          </a:stretch>
-        </p:blipFill>
-        <p:spPr>
-          <a:xfrm flipH="1">
-            <a:off x="8954284" y="1289430"/>
-            <a:ext cx="1783714" cy="1783714"/>
-          </a:xfrm>
-          <a:prstGeom prst="rect">
-            <a:avLst/>
-          </a:prstGeom>
-        </p:spPr>
-      </p:pic>
-      <p:pic>
-        <p:nvPicPr>
-          <p:cNvPr id="9" name="Picture 8"/>
-          <p:cNvPicPr>
-            <a:picLocks noChangeAspect="1"/>
-          </p:cNvPicPr>
-          <p:nvPr/>
-        </p:nvPicPr>
-        <p:blipFill>
-          <a:blip r:embed="rId3">
-            <a:extLst>
-              <a:ext uri="{28A0092B-C50C-407E-A947-70E740481C1C}">
-                <a14:useLocalDpi xmlns:a14="http://schemas.microsoft.com/office/drawing/2010/main" val="0"/>
-              </a:ext>
-            </a:extLst>
-          </a:blip>
-          <a:stretch>
-            <a:fillRect/>
-          </a:stretch>
-        </p:blipFill>
-        <p:spPr>
-          <a:xfrm flipH="1">
-            <a:off x="6246358" y="1378330"/>
-            <a:ext cx="1914324" cy="1999405"/>
-          </a:xfrm>
-          <a:prstGeom prst="rect">
-            <a:avLst/>
-          </a:prstGeom>
-        </p:spPr>
-      </p:pic>
-      <p:pic>
-        <p:nvPicPr>
-          <p:cNvPr id="11" name="Picture 10"/>
-          <p:cNvPicPr>
-            <a:picLocks noChangeAspect="1"/>
-          </p:cNvPicPr>
-          <p:nvPr/>
-        </p:nvPicPr>
-        <p:blipFill rotWithShape="1">
-          <a:blip r:embed="rId4">
-            <a:extLst>
-              <a:ext uri="{28A0092B-C50C-407E-A947-70E740481C1C}">
-                <a14:useLocalDpi xmlns:a14="http://schemas.microsoft.com/office/drawing/2010/main" val="0"/>
-              </a:ext>
-            </a:extLst>
-          </a:blip>
-          <a:srcRect l="13894" t="10774" r="18212" b="14548"/>
-          <a:stretch/>
-        </p:blipFill>
-        <p:spPr>
-          <a:xfrm>
-            <a:off x="7103333" y="2822489"/>
-            <a:ext cx="2730501" cy="3136901"/>
-          </a:xfrm>
-          <a:prstGeom prst="rect">
-            <a:avLst/>
-          </a:prstGeom>
-        </p:spPr>
-      </p:pic>
+              <a:t>C</a:t>
+            </a:r>
+            <a:endParaRPr lang="en-GB" dirty="0"/>
+          </a:p>
+        </p:txBody>
+      </p:sp>
     </p:spTree>
     <p:extLst>
       <p:ext uri="{BB962C8B-B14F-4D97-AF65-F5344CB8AC3E}">
-        <p14:creationId xmlns:p14="http://schemas.microsoft.com/office/powerpoint/2010/main" val="3083179003"/>
+        <p14:creationId xmlns:p14="http://schemas.microsoft.com/office/powerpoint/2010/main" val="4030715961"/>
       </p:ext>
     </p:extLst>
   </p:cSld>
@@ -5837,7 +9083,7 @@
           <a:p>
             <a:r>
               <a:rPr lang="en-GB" dirty="0" smtClean="0"/>
-              <a:t>Feedback from gameplay playtesting</a:t>
+              <a:t>Feedback from previous presentation</a:t>
             </a:r>
             <a:endParaRPr lang="en-GB" dirty="0"/>
           </a:p>
@@ -5850,18 +9096,13 @@
             <a:spLocks noGrp="1"/>
           </p:cNvSpPr>
           <p:nvPr>
-            <p:ph idx="1"/>
-          </p:nvPr>
-        </p:nvSpPr>
-        <p:spPr>
-          <a:xfrm>
-            <a:off x="838200" y="1812924"/>
-            <a:ext cx="10515600" cy="5286375"/>
-          </a:xfrm>
-        </p:spPr>
+            <p:ph sz="quarter" idx="13"/>
+          </p:nvPr>
+        </p:nvSpPr>
+        <p:spPr/>
         <p:txBody>
           <a:bodyPr>
-            <a:normAutofit/>
+            <a:normAutofit fontScale="77500" lnSpcReduction="20000"/>
           </a:bodyPr>
           <a:lstStyle/>
           <a:p>
@@ -5870,7 +9111,52 @@
                 <a:latin typeface="Times New Roman" panose="02020603050405020304" pitchFamily="18" charset="0"/>
                 <a:cs typeface="Times New Roman" panose="02020603050405020304" pitchFamily="18" charset="0"/>
               </a:rPr>
-              <a:t>Main Menu required to direct the player to the game.</a:t>
+              <a:t>Stop players from getting un-fair advantages</a:t>
+            </a:r>
+          </a:p>
+          <a:p>
+            <a:endParaRPr lang="en-GB" dirty="0" smtClean="0">
+              <a:latin typeface="Times New Roman" panose="02020603050405020304" pitchFamily="18" charset="0"/>
+              <a:cs typeface="Times New Roman" panose="02020603050405020304" pitchFamily="18" charset="0"/>
+            </a:endParaRPr>
+          </a:p>
+          <a:p>
+            <a:r>
+              <a:rPr lang="en-GB" dirty="0" smtClean="0">
+                <a:latin typeface="Times New Roman" panose="02020603050405020304" pitchFamily="18" charset="0"/>
+                <a:cs typeface="Times New Roman" panose="02020603050405020304" pitchFamily="18" charset="0"/>
+              </a:rPr>
+              <a:t>Game-testing</a:t>
+            </a:r>
+          </a:p>
+          <a:p>
+            <a:endParaRPr lang="en-GB" dirty="0" smtClean="0">
+              <a:latin typeface="Times New Roman" panose="02020603050405020304" pitchFamily="18" charset="0"/>
+              <a:cs typeface="Times New Roman" panose="02020603050405020304" pitchFamily="18" charset="0"/>
+            </a:endParaRPr>
+          </a:p>
+          <a:p>
+            <a:r>
+              <a:rPr lang="en-GB" dirty="0" smtClean="0">
+                <a:latin typeface="Times New Roman" panose="02020603050405020304" pitchFamily="18" charset="0"/>
+                <a:cs typeface="Times New Roman" panose="02020603050405020304" pitchFamily="18" charset="0"/>
+              </a:rPr>
+              <a:t>Spawning obstacles </a:t>
+            </a:r>
+          </a:p>
+          <a:p>
+            <a:endParaRPr lang="en-GB" dirty="0" smtClean="0">
+              <a:latin typeface="Times New Roman" panose="02020603050405020304" pitchFamily="18" charset="0"/>
+              <a:cs typeface="Times New Roman" panose="02020603050405020304" pitchFamily="18" charset="0"/>
+            </a:endParaRPr>
+          </a:p>
+          <a:p>
+            <a:r>
+              <a:rPr lang="en-GB" dirty="0" smtClean="0">
+                <a:latin typeface="Times New Roman" panose="02020603050405020304" pitchFamily="18" charset="0"/>
+                <a:cs typeface="Times New Roman" panose="02020603050405020304" pitchFamily="18" charset="0"/>
+              </a:rPr>
+              <a:t>Layers for the obstacles</a:t>
             </a:r>
           </a:p>
           <a:p>
@@ -5885,67 +9171,8 @@
                 <a:latin typeface="Times New Roman" panose="02020603050405020304" pitchFamily="18" charset="0"/>
                 <a:cs typeface="Times New Roman" panose="02020603050405020304" pitchFamily="18" charset="0"/>
               </a:rPr>
-              <a:t>Players hiding below the screen.</a:t>
-            </a:r>
-          </a:p>
-          <a:p>
-            <a:endParaRPr lang="en-GB" dirty="0">
-              <a:latin typeface="Times New Roman" panose="02020603050405020304" pitchFamily="18" charset="0"/>
-              <a:cs typeface="Times New Roman" panose="02020603050405020304" pitchFamily="18" charset="0"/>
-            </a:endParaRPr>
-          </a:p>
-          <a:p>
-            <a:r>
-              <a:rPr lang="en-GB" dirty="0" smtClean="0">
-                <a:latin typeface="Times New Roman" panose="02020603050405020304" pitchFamily="18" charset="0"/>
-                <a:cs typeface="Times New Roman" panose="02020603050405020304" pitchFamily="18" charset="0"/>
-              </a:rPr>
-              <a:t>The lack of artwork in the game</a:t>
-            </a:r>
-          </a:p>
-          <a:p>
-            <a:endParaRPr lang="en-GB" dirty="0">
-              <a:latin typeface="Times New Roman" panose="02020603050405020304" pitchFamily="18" charset="0"/>
-              <a:cs typeface="Times New Roman" panose="02020603050405020304" pitchFamily="18" charset="0"/>
-            </a:endParaRPr>
-          </a:p>
-          <a:p>
-            <a:r>
-              <a:rPr lang="en-GB" dirty="0" smtClean="0">
-                <a:latin typeface="Times New Roman" panose="02020603050405020304" pitchFamily="18" charset="0"/>
-                <a:cs typeface="Times New Roman" panose="02020603050405020304" pitchFamily="18" charset="0"/>
-              </a:rPr>
-              <a:t>Hitboxes </a:t>
-            </a:r>
-            <a:r>
-              <a:rPr lang="en-GB" dirty="0">
-                <a:latin typeface="Times New Roman" panose="02020603050405020304" pitchFamily="18" charset="0"/>
-                <a:cs typeface="Times New Roman" panose="02020603050405020304" pitchFamily="18" charset="0"/>
-              </a:rPr>
-              <a:t>for the torpedo’s were too big</a:t>
-            </a:r>
-          </a:p>
-          <a:p>
-            <a:endParaRPr lang="en-GB" dirty="0">
-              <a:latin typeface="Times New Roman" panose="02020603050405020304" pitchFamily="18" charset="0"/>
-              <a:cs typeface="Times New Roman" panose="02020603050405020304" pitchFamily="18" charset="0"/>
-            </a:endParaRPr>
-          </a:p>
-          <a:p>
-            <a:r>
-              <a:rPr lang="en-GB" dirty="0" smtClean="0">
-                <a:latin typeface="Times New Roman" panose="02020603050405020304" pitchFamily="18" charset="0"/>
-                <a:cs typeface="Times New Roman" panose="02020603050405020304" pitchFamily="18" charset="0"/>
-              </a:rPr>
-              <a:t>Instruction screen wording was misleading</a:t>
-            </a:r>
-            <a:endParaRPr lang="en-GB" dirty="0">
-              <a:latin typeface="Times New Roman" panose="02020603050405020304" pitchFamily="18" charset="0"/>
-              <a:cs typeface="Times New Roman" panose="02020603050405020304" pitchFamily="18" charset="0"/>
-            </a:endParaRPr>
-          </a:p>
-          <a:p>
-            <a:endParaRPr lang="en-GB" dirty="0"/>
+              <a:t>Battleship depth charges  </a:t>
+            </a:r>
           </a:p>
           <a:p>
             <a:endParaRPr lang="en-GB" dirty="0"/>
@@ -5984,7 +9211,7 @@
     </p:spTree>
     <p:extLst>
       <p:ext uri="{BB962C8B-B14F-4D97-AF65-F5344CB8AC3E}">
-        <p14:creationId xmlns:p14="http://schemas.microsoft.com/office/powerpoint/2010/main" val="1792491204"/>
+        <p14:creationId xmlns:p14="http://schemas.microsoft.com/office/powerpoint/2010/main" val="2733759098"/>
       </p:ext>
     </p:extLst>
   </p:cSld>
@@ -6002,9 +9229,9 @@
 </file>
 
 <file path=ppt/theme/theme1.xml><?xml version="1.0" encoding="utf-8"?>
-<a:theme xmlns:a="http://schemas.openxmlformats.org/drawingml/2006/main" name="Office Theme">
+<a:theme xmlns:a="http://schemas.openxmlformats.org/drawingml/2006/main" name="Droplet">
   <a:themeElements>
-    <a:clrScheme name="Office">
+    <a:clrScheme name="Droplet">
       <a:dk1>
         <a:sysClr val="windowText" lastClr="000000"/>
       </a:dk1>
@@ -6012,39 +9239,39 @@
         <a:sysClr val="window" lastClr="FFFFFF"/>
       </a:lt1>
       <a:dk2>
-        <a:srgbClr val="44546A"/>
+        <a:srgbClr val="1C647B"/>
       </a:dk2>
       <a:lt2>
-        <a:srgbClr val="E7E6E6"/>
+        <a:srgbClr val="98B7D3"/>
       </a:lt2>
       <a:accent1>
-        <a:srgbClr val="5B9BD5"/>
+        <a:srgbClr val="274FA4"/>
       </a:accent1>
       <a:accent2>
-        <a:srgbClr val="ED7D31"/>
+        <a:srgbClr val="48A8D0"/>
       </a:accent2>
       <a:accent3>
-        <a:srgbClr val="A5A5A5"/>
+        <a:srgbClr val="53B18F"/>
       </a:accent3>
       <a:accent4>
-        <a:srgbClr val="FFC000"/>
+        <a:srgbClr val="D78D38"/>
       </a:accent4>
       <a:accent5>
-        <a:srgbClr val="4472C4"/>
+        <a:srgbClr val="BA3F51"/>
       </a:accent5>
       <a:accent6>
-        <a:srgbClr val="70AD47"/>
+        <a:srgbClr val="AE52D9"/>
       </a:accent6>
       <a:hlink>
-        <a:srgbClr val="0563C1"/>
+        <a:srgbClr val="2AA2DA"/>
       </a:hlink>
       <a:folHlink>
-        <a:srgbClr val="954F72"/>
+        <a:srgbClr val="76A3B8"/>
       </a:folHlink>
     </a:clrScheme>
-    <a:fontScheme name="Office">
+    <a:fontScheme name="Droplet">
       <a:majorFont>
-        <a:latin typeface="Calibri Light" panose="020F0302020204030204"/>
+        <a:latin typeface="Tw Cen MT" panose="020B0602020104020603"/>
         <a:ea typeface=""/>
         <a:cs typeface=""/>
         <a:font script="Jpan" typeface="ＭＳ Ｐゴシック"/>
@@ -6079,7 +9306,7 @@
         <a:font script="Geor" typeface="Sylfaen"/>
       </a:majorFont>
       <a:minorFont>
-        <a:latin typeface="Calibri" panose="020F0502020204030204"/>
+        <a:latin typeface="Tw Cen MT" panose="020B0602020104020603"/>
         <a:ea typeface=""/>
         <a:cs typeface=""/>
         <a:font script="Jpan" typeface="ＭＳ Ｐゴシック"/>
@@ -6114,8 +9341,103 @@
         <a:font script="Geor" typeface="Sylfaen"/>
       </a:minorFont>
     </a:fontScheme>
-    <a:fmtScheme name="Office">
+    <a:fmtScheme name="Droplet">
       <a:fillStyleLst>
+        <a:solidFill>
+          <a:schemeClr val="phClr"/>
+        </a:solidFill>
+        <a:solidFill>
+          <a:schemeClr val="phClr">
+            <a:tint val="69000"/>
+            <a:satMod val="105000"/>
+            <a:lumMod val="110000"/>
+          </a:schemeClr>
+        </a:solidFill>
+        <a:gradFill rotWithShape="1">
+          <a:gsLst>
+            <a:gs pos="0">
+              <a:schemeClr val="phClr">
+                <a:tint val="94000"/>
+                <a:satMod val="100000"/>
+                <a:lumMod val="108000"/>
+              </a:schemeClr>
+            </a:gs>
+            <a:gs pos="50000">
+              <a:schemeClr val="phClr">
+                <a:tint val="98000"/>
+                <a:shade val="100000"/>
+                <a:satMod val="100000"/>
+                <a:lumMod val="100000"/>
+              </a:schemeClr>
+            </a:gs>
+            <a:gs pos="100000">
+              <a:schemeClr val="phClr">
+                <a:shade val="72000"/>
+                <a:satMod val="120000"/>
+                <a:lumMod val="100000"/>
+              </a:schemeClr>
+            </a:gs>
+          </a:gsLst>
+          <a:lin ang="5400000" scaled="0"/>
+        </a:gradFill>
+      </a:fillStyleLst>
+      <a:lnStyleLst>
+        <a:ln w="9525" cap="flat" cmpd="sng" algn="ctr">
+          <a:solidFill>
+            <a:schemeClr val="phClr">
+              <a:shade val="60000"/>
+            </a:schemeClr>
+          </a:solidFill>
+          <a:prstDash val="solid"/>
+        </a:ln>
+        <a:ln w="15875" cap="flat" cmpd="sng" algn="ctr">
+          <a:solidFill>
+            <a:schemeClr val="phClr"/>
+          </a:solidFill>
+          <a:prstDash val="solid"/>
+        </a:ln>
+        <a:ln w="22225" cap="flat" cmpd="sng" algn="ctr">
+          <a:solidFill>
+            <a:schemeClr val="phClr"/>
+          </a:solidFill>
+          <a:prstDash val="solid"/>
+        </a:ln>
+      </a:lnStyleLst>
+      <a:effectStyleLst>
+        <a:effectStyle>
+          <a:effectLst/>
+        </a:effectStyle>
+        <a:effectStyle>
+          <a:effectLst>
+            <a:outerShdw blurRad="50800" dist="25400" dir="5400000" rotWithShape="0">
+              <a:srgbClr val="000000">
+                <a:alpha val="28000"/>
+              </a:srgbClr>
+            </a:outerShdw>
+          </a:effectLst>
+        </a:effectStyle>
+        <a:effectStyle>
+          <a:effectLst>
+            <a:outerShdw blurRad="63500" dist="25400" dir="5400000" algn="ctr" rotWithShape="0">
+              <a:srgbClr val="000000">
+                <a:alpha val="69000"/>
+              </a:srgbClr>
+            </a:outerShdw>
+          </a:effectLst>
+          <a:scene3d>
+            <a:camera prst="orthographicFront">
+              <a:rot lat="0" lon="0" rev="0"/>
+            </a:camera>
+            <a:lightRig rig="balanced" dir="t">
+              <a:rot lat="0" lon="0" rev="1200000"/>
+            </a:lightRig>
+          </a:scene3d>
+          <a:sp3d prstMaterial="plastic">
+            <a:bevelT w="25400" h="25400"/>
+          </a:sp3d>
+        </a:effectStyle>
+      </a:effectStyleLst>
+      <a:bgFillStyleLst>
         <a:solidFill>
           <a:schemeClr val="phClr"/>
         </a:solidFill>
@@ -6123,23 +9445,14 @@
           <a:gsLst>
             <a:gs pos="0">
               <a:schemeClr val="phClr">
+                <a:tint val="90000"/>
                 <a:lumMod val="110000"/>
-                <a:satMod val="105000"/>
-                <a:tint val="67000"/>
-              </a:schemeClr>
-            </a:gs>
-            <a:gs pos="50000">
-              <a:schemeClr val="phClr">
-                <a:lumMod val="105000"/>
-                <a:satMod val="103000"/>
-                <a:tint val="73000"/>
               </a:schemeClr>
             </a:gs>
             <a:gs pos="100000">
               <a:schemeClr val="phClr">
-                <a:lumMod val="105000"/>
-                <a:satMod val="109000"/>
-                <a:tint val="81000"/>
+                <a:shade val="64000"/>
+                <a:lumMod val="88000"/>
               </a:schemeClr>
             </a:gs>
           </a:gsLst>
@@ -6149,101 +9462,18 @@
           <a:gsLst>
             <a:gs pos="0">
               <a:schemeClr val="phClr">
-                <a:satMod val="103000"/>
-                <a:lumMod val="102000"/>
-                <a:tint val="94000"/>
-              </a:schemeClr>
-            </a:gs>
-            <a:gs pos="50000">
-              <a:schemeClr val="phClr">
-                <a:satMod val="110000"/>
-                <a:lumMod val="100000"/>
+                <a:tint val="84000"/>
                 <a:shade val="100000"/>
+                <a:hueMod val="92000"/>
+                <a:satMod val="180000"/>
+                <a:lumMod val="114000"/>
               </a:schemeClr>
             </a:gs>
             <a:gs pos="100000">
               <a:schemeClr val="phClr">
-                <a:lumMod val="99000"/>
-                <a:satMod val="120000"/>
-                <a:shade val="78000"/>
-              </a:schemeClr>
-            </a:gs>
-          </a:gsLst>
-          <a:lin ang="5400000" scaled="0"/>
-        </a:gradFill>
-      </a:fillStyleLst>
-      <a:lnStyleLst>
-        <a:ln w="6350" cap="flat" cmpd="sng" algn="ctr">
-          <a:solidFill>
-            <a:schemeClr val="phClr"/>
-          </a:solidFill>
-          <a:prstDash val="solid"/>
-          <a:miter lim="800000"/>
-        </a:ln>
-        <a:ln w="12700" cap="flat" cmpd="sng" algn="ctr">
-          <a:solidFill>
-            <a:schemeClr val="phClr"/>
-          </a:solidFill>
-          <a:prstDash val="solid"/>
-          <a:miter lim="800000"/>
-        </a:ln>
-        <a:ln w="19050" cap="flat" cmpd="sng" algn="ctr">
-          <a:solidFill>
-            <a:schemeClr val="phClr"/>
-          </a:solidFill>
-          <a:prstDash val="solid"/>
-          <a:miter lim="800000"/>
-        </a:ln>
-      </a:lnStyleLst>
-      <a:effectStyleLst>
-        <a:effectStyle>
-          <a:effectLst/>
-        </a:effectStyle>
-        <a:effectStyle>
-          <a:effectLst/>
-        </a:effectStyle>
-        <a:effectStyle>
-          <a:effectLst>
-            <a:outerShdw blurRad="57150" dist="19050" dir="5400000" algn="ctr" rotWithShape="0">
-              <a:srgbClr val="000000">
-                <a:alpha val="63000"/>
-              </a:srgbClr>
-            </a:outerShdw>
-          </a:effectLst>
-        </a:effectStyle>
-      </a:effectStyleLst>
-      <a:bgFillStyleLst>
-        <a:solidFill>
-          <a:schemeClr val="phClr"/>
-        </a:solidFill>
-        <a:solidFill>
-          <a:schemeClr val="phClr">
-            <a:tint val="95000"/>
-            <a:satMod val="170000"/>
-          </a:schemeClr>
-        </a:solidFill>
-        <a:gradFill rotWithShape="1">
-          <a:gsLst>
-            <a:gs pos="0">
-              <a:schemeClr val="phClr">
-                <a:tint val="93000"/>
-                <a:satMod val="150000"/>
-                <a:shade val="98000"/>
-                <a:lumMod val="102000"/>
-              </a:schemeClr>
-            </a:gs>
-            <a:gs pos="50000">
-              <a:schemeClr val="phClr">
-                <a:tint val="98000"/>
-                <a:satMod val="130000"/>
-                <a:shade val="90000"/>
-                <a:lumMod val="103000"/>
-              </a:schemeClr>
-            </a:gs>
-            <a:gs pos="100000">
-              <a:schemeClr val="phClr">
-                <a:shade val="63000"/>
-                <a:satMod val="120000"/>
+                <a:shade val="92000"/>
+                <a:satMod val="170000"/>
+                <a:lumMod val="96000"/>
               </a:schemeClr>
             </a:gs>
           </a:gsLst>
@@ -6256,7 +9486,7 @@
   <a:extraClrSchemeLst/>
   <a:extLst>
     <a:ext uri="{05A4C25C-085E-4340-85A3-A5531E510DB2}">
-      <thm15:themeFamily xmlns:thm15="http://schemas.microsoft.com/office/thememl/2012/main" name="Office Theme" id="{62F939B6-93AF-4DB8-9C6B-D6C7DFDC589F}" vid="{4A3C46E8-61CC-4603-A589-7422A47A8E4A}"/>
+      <thm15:themeFamily xmlns:thm15="http://schemas.microsoft.com/office/thememl/2012/main" name="Droplet" id="{8984A317-299A-4E50-B45D-BFC9EDE2337A}" vid="{DEB094D4-7FD8-4F86-93D5-B0F1341EF586}"/>
     </a:ext>
   </a:extLst>
 </a:theme>
